--- a/Expo/Expo_Listas.pptx
+++ b/Expo/Expo_Listas.pptx
@@ -6,6 +6,7 @@
   </p:sldMasterIdLst>
   <p:sldIdLst>
     <p:sldId id="256" r:id="rId2"/>
+    <p:sldId id="257" r:id="rId3"/>
   </p:sldIdLst>
   <p:sldSz cx="12192000" cy="6858000"/>
   <p:notesSz cx="6858000" cy="9144000"/>
@@ -104,6 +105,11 @@
       </a:defRPr>
     </a:lvl9pPr>
   </p:defaultTextStyle>
+  <p:extLst>
+    <p:ext uri="{EFAFB233-063F-42B5-8137-9DF3F51BA10A}">
+      <p15:sldGuideLst xmlns:p15="http://schemas.microsoft.com/office/powerpoint/2012/main"/>
+    </p:ext>
+  </p:extLst>
 </p:presentation>
 </file>
 
@@ -256,7 +262,7 @@
           <a:p>
             <a:fld id="{5F069921-8D55-4BEA-8BE8-79909F57DFDF}" type="datetimeFigureOut">
               <a:rPr lang="es-MX" smtClean="0"/>
-              <a:t>26/10/2020</a:t>
+              <a:t>28/10/2020</a:t>
             </a:fld>
             <a:endParaRPr lang="es-MX"/>
           </a:p>
@@ -456,7 +462,7 @@
           <a:p>
             <a:fld id="{5F069921-8D55-4BEA-8BE8-79909F57DFDF}" type="datetimeFigureOut">
               <a:rPr lang="es-MX" smtClean="0"/>
-              <a:t>26/10/2020</a:t>
+              <a:t>28/10/2020</a:t>
             </a:fld>
             <a:endParaRPr lang="es-MX"/>
           </a:p>
@@ -666,7 +672,7 @@
           <a:p>
             <a:fld id="{5F069921-8D55-4BEA-8BE8-79909F57DFDF}" type="datetimeFigureOut">
               <a:rPr lang="es-MX" smtClean="0"/>
-              <a:t>26/10/2020</a:t>
+              <a:t>28/10/2020</a:t>
             </a:fld>
             <a:endParaRPr lang="es-MX"/>
           </a:p>
@@ -866,7 +872,7 @@
           <a:p>
             <a:fld id="{5F069921-8D55-4BEA-8BE8-79909F57DFDF}" type="datetimeFigureOut">
               <a:rPr lang="es-MX" smtClean="0"/>
-              <a:t>26/10/2020</a:t>
+              <a:t>28/10/2020</a:t>
             </a:fld>
             <a:endParaRPr lang="es-MX"/>
           </a:p>
@@ -1142,7 +1148,7 @@
           <a:p>
             <a:fld id="{5F069921-8D55-4BEA-8BE8-79909F57DFDF}" type="datetimeFigureOut">
               <a:rPr lang="es-MX" smtClean="0"/>
-              <a:t>26/10/2020</a:t>
+              <a:t>28/10/2020</a:t>
             </a:fld>
             <a:endParaRPr lang="es-MX"/>
           </a:p>
@@ -1410,7 +1416,7 @@
           <a:p>
             <a:fld id="{5F069921-8D55-4BEA-8BE8-79909F57DFDF}" type="datetimeFigureOut">
               <a:rPr lang="es-MX" smtClean="0"/>
-              <a:t>26/10/2020</a:t>
+              <a:t>28/10/2020</a:t>
             </a:fld>
             <a:endParaRPr lang="es-MX"/>
           </a:p>
@@ -1825,7 +1831,7 @@
           <a:p>
             <a:fld id="{5F069921-8D55-4BEA-8BE8-79909F57DFDF}" type="datetimeFigureOut">
               <a:rPr lang="es-MX" smtClean="0"/>
-              <a:t>26/10/2020</a:t>
+              <a:t>28/10/2020</a:t>
             </a:fld>
             <a:endParaRPr lang="es-MX"/>
           </a:p>
@@ -1967,7 +1973,7 @@
           <a:p>
             <a:fld id="{5F069921-8D55-4BEA-8BE8-79909F57DFDF}" type="datetimeFigureOut">
               <a:rPr lang="es-MX" smtClean="0"/>
-              <a:t>26/10/2020</a:t>
+              <a:t>28/10/2020</a:t>
             </a:fld>
             <a:endParaRPr lang="es-MX"/>
           </a:p>
@@ -2080,7 +2086,7 @@
           <a:p>
             <a:fld id="{5F069921-8D55-4BEA-8BE8-79909F57DFDF}" type="datetimeFigureOut">
               <a:rPr lang="es-MX" smtClean="0"/>
-              <a:t>26/10/2020</a:t>
+              <a:t>28/10/2020</a:t>
             </a:fld>
             <a:endParaRPr lang="es-MX"/>
           </a:p>
@@ -2393,7 +2399,7 @@
           <a:p>
             <a:fld id="{5F069921-8D55-4BEA-8BE8-79909F57DFDF}" type="datetimeFigureOut">
               <a:rPr lang="es-MX" smtClean="0"/>
-              <a:t>26/10/2020</a:t>
+              <a:t>28/10/2020</a:t>
             </a:fld>
             <a:endParaRPr lang="es-MX"/>
           </a:p>
@@ -2682,7 +2688,7 @@
           <a:p>
             <a:fld id="{5F069921-8D55-4BEA-8BE8-79909F57DFDF}" type="datetimeFigureOut">
               <a:rPr lang="es-MX" smtClean="0"/>
-              <a:t>26/10/2020</a:t>
+              <a:t>28/10/2020</a:t>
             </a:fld>
             <a:endParaRPr lang="es-MX"/>
           </a:p>
@@ -2925,7 +2931,7 @@
           <a:p>
             <a:fld id="{5F069921-8D55-4BEA-8BE8-79909F57DFDF}" type="datetimeFigureOut">
               <a:rPr lang="es-MX" smtClean="0"/>
-              <a:t>26/10/2020</a:t>
+              <a:t>28/10/2020</a:t>
             </a:fld>
             <a:endParaRPr lang="es-MX"/>
           </a:p>
@@ -3363,7 +3369,7 @@
           <a:bodyPr/>
           <a:lstStyle/>
           <a:p>
-            <a:endParaRPr lang="es-MX"/>
+            <a:endParaRPr lang="es-MX" dirty="0"/>
           </a:p>
         </p:txBody>
       </p:sp>
@@ -3396,6 +3402,92 @@
     <p:extLst>
       <p:ext uri="{BB962C8B-B14F-4D97-AF65-F5344CB8AC3E}">
         <p14:creationId xmlns:p14="http://schemas.microsoft.com/office/powerpoint/2010/main" val="1681134265"/>
+      </p:ext>
+    </p:extLst>
+  </p:cSld>
+  <p:clrMapOvr>
+    <a:masterClrMapping/>
+  </p:clrMapOvr>
+</p:sld>
+</file>
+
+<file path=ppt/slides/slide2.xml><?xml version="1.0" encoding="utf-8"?>
+<p:sld xmlns:a="http://schemas.openxmlformats.org/drawingml/2006/main" xmlns:r="http://schemas.openxmlformats.org/officeDocument/2006/relationships" xmlns:p="http://schemas.openxmlformats.org/presentationml/2006/main">
+  <p:cSld>
+    <p:spTree>
+      <p:nvGrpSpPr>
+        <p:cNvPr id="1" name=""/>
+        <p:cNvGrpSpPr/>
+        <p:nvPr/>
+      </p:nvGrpSpPr>
+      <p:grpSpPr>
+        <a:xfrm>
+          <a:off x="0" y="0"/>
+          <a:ext cx="0" cy="0"/>
+          <a:chOff x="0" y="0"/>
+          <a:chExt cx="0" cy="0"/>
+        </a:xfrm>
+      </p:grpSpPr>
+      <p:sp>
+        <p:nvSpPr>
+          <p:cNvPr id="2" name="Título 1"/>
+          <p:cNvSpPr>
+            <a:spLocks noGrp="1"/>
+          </p:cNvSpPr>
+          <p:nvPr>
+            <p:ph type="title"/>
+          </p:nvPr>
+        </p:nvSpPr>
+        <p:spPr/>
+        <p:txBody>
+          <a:bodyPr/>
+          <a:lstStyle/>
+          <a:p>
+            <a:r>
+              <a:rPr lang="es-MX" smtClean="0"/>
+              <a:t>Definición</a:t>
+            </a:r>
+            <a:endParaRPr lang="es-MX" dirty="0"/>
+          </a:p>
+        </p:txBody>
+      </p:sp>
+      <p:sp>
+        <p:nvSpPr>
+          <p:cNvPr id="3" name="Marcador de contenido 2"/>
+          <p:cNvSpPr>
+            <a:spLocks noGrp="1"/>
+          </p:cNvSpPr>
+          <p:nvPr>
+            <p:ph idx="1"/>
+          </p:nvPr>
+        </p:nvSpPr>
+        <p:spPr/>
+        <p:txBody>
+          <a:bodyPr/>
+          <a:lstStyle/>
+          <a:p>
+            <a:r>
+              <a:rPr lang="es-MX" dirty="0"/>
+              <a:t>Es una estructura dinámica de datos que contiene una colección de elementos homogéneos (del mismo tipo) de manera que se establece entre ellos un orden. Es decir, cada elemento, menos el primero, tiene un predecesor, y cada elemento, menos el último, tiene un </a:t>
+            </a:r>
+            <a:r>
+              <a:rPr lang="es-MX" dirty="0" smtClean="0"/>
+              <a:t>sucesor. Es </a:t>
+            </a:r>
+            <a:r>
+              <a:rPr lang="es-MX" dirty="0"/>
+              <a:t>una de las estructuras de datos fundamentales, y puede ser usada para implementar otras estructuras de datos. Consiste en una secuencia de nodos, en los que se guardan campos de datos arbitrarios y una o dos referencias, enlaces o punteros al nodo anterior o posterior.</a:t>
+            </a:r>
+          </a:p>
+          <a:p>
+            <a:endParaRPr lang="es-MX" dirty="0"/>
+          </a:p>
+        </p:txBody>
+      </p:sp>
+    </p:spTree>
+    <p:extLst>
+      <p:ext uri="{BB962C8B-B14F-4D97-AF65-F5344CB8AC3E}">
+        <p14:creationId xmlns:p14="http://schemas.microsoft.com/office/powerpoint/2010/main" val="2677230530"/>
       </p:ext>
     </p:extLst>
   </p:cSld>

--- a/Expo/Expo_Listas.pptx
+++ b/Expo/Expo_Listas.pptx
@@ -7,6 +7,7 @@
   <p:sldIdLst>
     <p:sldId id="256" r:id="rId2"/>
     <p:sldId id="257" r:id="rId3"/>
+    <p:sldId id="258" r:id="rId4"/>
   </p:sldIdLst>
   <p:sldSz cx="12192000" cy="6858000"/>
   <p:notesSz cx="6858000" cy="9144000"/>
@@ -262,7 +263,7 @@
           <a:p>
             <a:fld id="{5F069921-8D55-4BEA-8BE8-79909F57DFDF}" type="datetimeFigureOut">
               <a:rPr lang="es-MX" smtClean="0"/>
-              <a:t>28/10/2020</a:t>
+              <a:t>29/10/2020</a:t>
             </a:fld>
             <a:endParaRPr lang="es-MX"/>
           </a:p>
@@ -462,7 +463,7 @@
           <a:p>
             <a:fld id="{5F069921-8D55-4BEA-8BE8-79909F57DFDF}" type="datetimeFigureOut">
               <a:rPr lang="es-MX" smtClean="0"/>
-              <a:t>28/10/2020</a:t>
+              <a:t>29/10/2020</a:t>
             </a:fld>
             <a:endParaRPr lang="es-MX"/>
           </a:p>
@@ -672,7 +673,7 @@
           <a:p>
             <a:fld id="{5F069921-8D55-4BEA-8BE8-79909F57DFDF}" type="datetimeFigureOut">
               <a:rPr lang="es-MX" smtClean="0"/>
-              <a:t>28/10/2020</a:t>
+              <a:t>29/10/2020</a:t>
             </a:fld>
             <a:endParaRPr lang="es-MX"/>
           </a:p>
@@ -872,7 +873,7 @@
           <a:p>
             <a:fld id="{5F069921-8D55-4BEA-8BE8-79909F57DFDF}" type="datetimeFigureOut">
               <a:rPr lang="es-MX" smtClean="0"/>
-              <a:t>28/10/2020</a:t>
+              <a:t>29/10/2020</a:t>
             </a:fld>
             <a:endParaRPr lang="es-MX"/>
           </a:p>
@@ -1148,7 +1149,7 @@
           <a:p>
             <a:fld id="{5F069921-8D55-4BEA-8BE8-79909F57DFDF}" type="datetimeFigureOut">
               <a:rPr lang="es-MX" smtClean="0"/>
-              <a:t>28/10/2020</a:t>
+              <a:t>29/10/2020</a:t>
             </a:fld>
             <a:endParaRPr lang="es-MX"/>
           </a:p>
@@ -1416,7 +1417,7 @@
           <a:p>
             <a:fld id="{5F069921-8D55-4BEA-8BE8-79909F57DFDF}" type="datetimeFigureOut">
               <a:rPr lang="es-MX" smtClean="0"/>
-              <a:t>28/10/2020</a:t>
+              <a:t>29/10/2020</a:t>
             </a:fld>
             <a:endParaRPr lang="es-MX"/>
           </a:p>
@@ -1831,7 +1832,7 @@
           <a:p>
             <a:fld id="{5F069921-8D55-4BEA-8BE8-79909F57DFDF}" type="datetimeFigureOut">
               <a:rPr lang="es-MX" smtClean="0"/>
-              <a:t>28/10/2020</a:t>
+              <a:t>29/10/2020</a:t>
             </a:fld>
             <a:endParaRPr lang="es-MX"/>
           </a:p>
@@ -1973,7 +1974,7 @@
           <a:p>
             <a:fld id="{5F069921-8D55-4BEA-8BE8-79909F57DFDF}" type="datetimeFigureOut">
               <a:rPr lang="es-MX" smtClean="0"/>
-              <a:t>28/10/2020</a:t>
+              <a:t>29/10/2020</a:t>
             </a:fld>
             <a:endParaRPr lang="es-MX"/>
           </a:p>
@@ -2086,7 +2087,7 @@
           <a:p>
             <a:fld id="{5F069921-8D55-4BEA-8BE8-79909F57DFDF}" type="datetimeFigureOut">
               <a:rPr lang="es-MX" smtClean="0"/>
-              <a:t>28/10/2020</a:t>
+              <a:t>29/10/2020</a:t>
             </a:fld>
             <a:endParaRPr lang="es-MX"/>
           </a:p>
@@ -2399,7 +2400,7 @@
           <a:p>
             <a:fld id="{5F069921-8D55-4BEA-8BE8-79909F57DFDF}" type="datetimeFigureOut">
               <a:rPr lang="es-MX" smtClean="0"/>
-              <a:t>28/10/2020</a:t>
+              <a:t>29/10/2020</a:t>
             </a:fld>
             <a:endParaRPr lang="es-MX"/>
           </a:p>
@@ -2688,7 +2689,7 @@
           <a:p>
             <a:fld id="{5F069921-8D55-4BEA-8BE8-79909F57DFDF}" type="datetimeFigureOut">
               <a:rPr lang="es-MX" smtClean="0"/>
-              <a:t>28/10/2020</a:t>
+              <a:t>29/10/2020</a:t>
             </a:fld>
             <a:endParaRPr lang="es-MX"/>
           </a:p>
@@ -2931,7 +2932,7 @@
           <a:p>
             <a:fld id="{5F069921-8D55-4BEA-8BE8-79909F57DFDF}" type="datetimeFigureOut">
               <a:rPr lang="es-MX" smtClean="0"/>
-              <a:t>28/10/2020</a:t>
+              <a:t>29/10/2020</a:t>
             </a:fld>
             <a:endParaRPr lang="es-MX"/>
           </a:p>
@@ -3497,6 +3498,212 @@
 </p:sld>
 </file>
 
+<file path=ppt/slides/slide3.xml><?xml version="1.0" encoding="utf-8"?>
+<p:sld xmlns:a="http://schemas.openxmlformats.org/drawingml/2006/main" xmlns:r="http://schemas.openxmlformats.org/officeDocument/2006/relationships" xmlns:p="http://schemas.openxmlformats.org/presentationml/2006/main">
+  <p:cSld>
+    <p:spTree>
+      <p:nvGrpSpPr>
+        <p:cNvPr id="1" name=""/>
+        <p:cNvGrpSpPr/>
+        <p:nvPr/>
+      </p:nvGrpSpPr>
+      <p:grpSpPr>
+        <a:xfrm>
+          <a:off x="0" y="0"/>
+          <a:ext cx="0" cy="0"/>
+          <a:chOff x="0" y="0"/>
+          <a:chExt cx="0" cy="0"/>
+        </a:xfrm>
+      </p:grpSpPr>
+      <p:sp>
+        <p:nvSpPr>
+          <p:cNvPr id="2" name="Rectángulo 1"/>
+          <p:cNvSpPr/>
+          <p:nvPr/>
+        </p:nvSpPr>
+        <p:spPr>
+          <a:xfrm>
+            <a:off x="352814" y="232910"/>
+            <a:ext cx="2419252" cy="461665"/>
+          </a:xfrm>
+          <a:prstGeom prst="rect">
+            <a:avLst/>
+          </a:prstGeom>
+        </p:spPr>
+        <p:txBody>
+          <a:bodyPr wrap="none">
+            <a:spAutoFit/>
+          </a:bodyPr>
+          <a:lstStyle/>
+          <a:p>
+            <a:r>
+              <a:rPr lang="es-ES" sz="2400" dirty="0" smtClean="0">
+                <a:latin typeface="Century Gothic" panose="020B0502020202020204" pitchFamily="34" charset="0"/>
+                <a:ea typeface="Calibri" panose="020F0502020204030204" pitchFamily="34" charset="0"/>
+                <a:cs typeface="Times New Roman" panose="02020603050405020304" pitchFamily="18" charset="0"/>
+              </a:rPr>
+              <a:t>Características</a:t>
+            </a:r>
+            <a:endParaRPr lang="es-ES" sz="2000" dirty="0"/>
+          </a:p>
+        </p:txBody>
+      </p:sp>
+      <p:sp>
+        <p:nvSpPr>
+          <p:cNvPr id="3" name="CuadroTexto 2"/>
+          <p:cNvSpPr txBox="1"/>
+          <p:nvPr/>
+        </p:nvSpPr>
+        <p:spPr>
+          <a:xfrm>
+            <a:off x="352814" y="890016"/>
+            <a:ext cx="10911840" cy="4339650"/>
+          </a:xfrm>
+          <a:prstGeom prst="rect">
+            <a:avLst/>
+          </a:prstGeom>
+          <a:noFill/>
+        </p:spPr>
+        <p:txBody>
+          <a:bodyPr wrap="square" rtlCol="0">
+            <a:spAutoFit/>
+          </a:bodyPr>
+          <a:lstStyle/>
+          <a:p>
+            <a:pPr lvl="0"/>
+            <a:r>
+              <a:rPr lang="es-ES" sz="2000" dirty="0">
+                <a:latin typeface="Century Gothic" panose="020B0502020202020204" pitchFamily="34" charset="0"/>
+              </a:rPr>
+              <a:t>Una lista es una colección de elementos llamados generalmente nodos, se relacionan por punteros o direcciones a </a:t>
+            </a:r>
+            <a:r>
+              <a:rPr lang="es-ES" sz="2000" dirty="0" smtClean="0">
+                <a:latin typeface="Century Gothic" panose="020B0502020202020204" pitchFamily="34" charset="0"/>
+              </a:rPr>
+              <a:t>otros nodos.</a:t>
+            </a:r>
+          </a:p>
+          <a:p>
+            <a:pPr lvl="0"/>
+            <a:endParaRPr lang="es-ES" sz="2000" dirty="0" smtClean="0">
+              <a:latin typeface="Century Gothic" panose="020B0502020202020204" pitchFamily="34" charset="0"/>
+            </a:endParaRPr>
+          </a:p>
+          <a:p>
+            <a:pPr marL="285750" lvl="0" indent="-285750">
+              <a:buFont typeface="Arial" panose="020B0604020202020204" pitchFamily="34" charset="0"/>
+              <a:buChar char="•"/>
+            </a:pPr>
+            <a:r>
+              <a:rPr lang="es-ES" dirty="0" smtClean="0">
+                <a:latin typeface="Century Gothic" panose="020B0502020202020204" pitchFamily="34" charset="0"/>
+              </a:rPr>
+              <a:t>Las listas aprueban inserciones y eliminación de nodos en cualquier punto de la lista en tiempo constante, pero no permiten un acceso aleatorio.</a:t>
+            </a:r>
+          </a:p>
+          <a:p>
+            <a:pPr marL="285750" lvl="0" indent="-285750">
+              <a:buFont typeface="Arial" panose="020B0604020202020204" pitchFamily="34" charset="0"/>
+              <a:buChar char="•"/>
+            </a:pPr>
+            <a:r>
+              <a:rPr lang="es-ES" dirty="0" smtClean="0">
+                <a:latin typeface="Century Gothic" panose="020B0502020202020204" pitchFamily="34" charset="0"/>
+              </a:rPr>
+              <a:t>Pueden ser implementadas en muchos lenguajes, lenguajes tales como </a:t>
+            </a:r>
+            <a:r>
+              <a:rPr lang="es-ES" dirty="0" err="1" smtClean="0">
+                <a:latin typeface="Century Gothic" panose="020B0502020202020204" pitchFamily="34" charset="0"/>
+              </a:rPr>
+              <a:t>Lisp</a:t>
+            </a:r>
+            <a:r>
+              <a:rPr lang="es-ES" dirty="0" smtClean="0">
+                <a:latin typeface="Century Gothic" panose="020B0502020202020204" pitchFamily="34" charset="0"/>
+              </a:rPr>
+              <a:t> y </a:t>
+            </a:r>
+            <a:r>
+              <a:rPr lang="es-ES" dirty="0" err="1" smtClean="0">
+                <a:latin typeface="Century Gothic" panose="020B0502020202020204" pitchFamily="34" charset="0"/>
+              </a:rPr>
+              <a:t>Scheme</a:t>
+            </a:r>
+            <a:r>
+              <a:rPr lang="es-ES" dirty="0" smtClean="0">
+                <a:latin typeface="Century Gothic" panose="020B0502020202020204" pitchFamily="34" charset="0"/>
+              </a:rPr>
+              <a:t> tiene estructuras de datos ya construidas, junto con operaciones para acceder a las listas enlazadas. Lenguaje imperativos u orientados a objetos tales como C o C++ y Java, respectiva, disponen de referencias para crear lisas enlazadas. </a:t>
+            </a:r>
+          </a:p>
+          <a:p>
+            <a:pPr marL="285750" lvl="0" indent="-285750">
+              <a:buFont typeface="Arial" panose="020B0604020202020204" pitchFamily="34" charset="0"/>
+              <a:buChar char="•"/>
+            </a:pPr>
+            <a:r>
+              <a:rPr lang="es-ES" dirty="0" smtClean="0">
+                <a:latin typeface="Century Gothic" panose="020B0502020202020204" pitchFamily="34" charset="0"/>
+              </a:rPr>
+              <a:t>Todos los elementos de la lista son del mismo tipo. </a:t>
+            </a:r>
+          </a:p>
+          <a:p>
+            <a:pPr marL="285750" lvl="0" indent="-285750">
+              <a:buFont typeface="Arial" panose="020B0604020202020204" pitchFamily="34" charset="0"/>
+              <a:buChar char="•"/>
+            </a:pPr>
+            <a:r>
+              <a:rPr lang="es-ES" dirty="0" smtClean="0">
+                <a:latin typeface="Century Gothic" panose="020B0502020202020204" pitchFamily="34" charset="0"/>
+              </a:rPr>
+              <a:t>Existe un orden en los elementos, ya que es una estructura lineal, pero los elementos no están ordenados por su valor sino por la posición en que se han insertado.</a:t>
+            </a:r>
+          </a:p>
+          <a:p>
+            <a:pPr marL="285750" lvl="0" indent="-285750">
+              <a:buFont typeface="Arial" panose="020B0604020202020204" pitchFamily="34" charset="0"/>
+              <a:buChar char="•"/>
+            </a:pPr>
+            <a:r>
+              <a:rPr lang="es-ES" dirty="0" smtClean="0">
+                <a:latin typeface="Century Gothic" panose="020B0502020202020204" pitchFamily="34" charset="0"/>
+              </a:rPr>
+              <a:t>Para cada elemento existe un anterior y un siguiente, excepto para el primero, que no tiene anterior, y para el último, que no tiene siguiente.</a:t>
+            </a:r>
+          </a:p>
+          <a:p>
+            <a:pPr marL="285750" lvl="0" indent="-285750">
+              <a:buFont typeface="Arial" panose="020B0604020202020204" pitchFamily="34" charset="0"/>
+              <a:buChar char="•"/>
+            </a:pPr>
+            <a:r>
+              <a:rPr lang="es-ES" dirty="0" smtClean="0">
+                <a:latin typeface="Century Gothic" panose="020B0502020202020204" pitchFamily="34" charset="0"/>
+              </a:rPr>
+              <a:t>Se puede acceder y eliminar cualquier elemento. </a:t>
+            </a:r>
+            <a:endParaRPr lang="es-ES" dirty="0">
+              <a:latin typeface="Century Gothic" panose="020B0502020202020204" pitchFamily="34" charset="0"/>
+            </a:endParaRPr>
+          </a:p>
+        </p:txBody>
+      </p:sp>
+    </p:spTree>
+    <p:extLst>
+      <p:ext uri="{BB962C8B-B14F-4D97-AF65-F5344CB8AC3E}">
+        <p14:creationId xmlns:p14="http://schemas.microsoft.com/office/powerpoint/2010/main" val="3848324539"/>
+      </p:ext>
+    </p:extLst>
+  </p:cSld>
+  <p:clrMapOvr>
+    <a:masterClrMapping/>
+  </p:clrMapOvr>
+</p:sld>
+</file>
+
 <file path=ppt/theme/theme1.xml><?xml version="1.0" encoding="utf-8"?>
 <a:theme xmlns:a="http://schemas.openxmlformats.org/drawingml/2006/main" name="Tema de Office">
   <a:themeElements>

--- a/Expo/Expo_Listas.pptx
+++ b/Expo/Expo_Listas.pptx
@@ -3495,12 +3495,37 @@
   <p:clrMapOvr>
     <a:masterClrMapping/>
   </p:clrMapOvr>
+  <p:timing>
+    <p:tnLst>
+      <p:par>
+        <p:cTn id="1" dur="indefinite" restart="never" nodeType="tmRoot"/>
+      </p:par>
+    </p:tnLst>
+  </p:timing>
 </p:sld>
 </file>
 
 <file path=ppt/slides/slide3.xml><?xml version="1.0" encoding="utf-8"?>
 <p:sld xmlns:a="http://schemas.openxmlformats.org/drawingml/2006/main" xmlns:r="http://schemas.openxmlformats.org/officeDocument/2006/relationships" xmlns:p="http://schemas.openxmlformats.org/presentationml/2006/main">
   <p:cSld>
+    <p:bg>
+      <p:bgPr>
+        <a:gradFill>
+          <a:gsLst>
+            <a:gs pos="0">
+              <a:schemeClr val="bg1"/>
+            </a:gs>
+            <a:gs pos="66000">
+              <a:schemeClr val="bg1">
+                <a:lumMod val="95000"/>
+              </a:schemeClr>
+            </a:gs>
+          </a:gsLst>
+          <a:lin ang="5400000" scaled="1"/>
+        </a:gradFill>
+        <a:effectLst/>
+      </p:bgPr>
+    </p:bg>
     <p:spTree>
       <p:nvGrpSpPr>
         <p:cNvPr id="1" name=""/>
@@ -3517,14 +3542,116 @@
       </p:grpSpPr>
       <p:sp>
         <p:nvSpPr>
+          <p:cNvPr id="5" name="Triángulo isósceles 4"/>
+          <p:cNvSpPr/>
+          <p:nvPr/>
+        </p:nvSpPr>
+        <p:spPr>
+          <a:xfrm flipV="1">
+            <a:off x="4515729" y="-1"/>
+            <a:ext cx="7676272" cy="6858000"/>
+          </a:xfrm>
+          <a:prstGeom prst="triangle">
+            <a:avLst>
+              <a:gd name="adj" fmla="val 100000"/>
+            </a:avLst>
+          </a:prstGeom>
+          <a:solidFill>
+            <a:schemeClr val="bg1">
+              <a:lumMod val="95000"/>
+            </a:schemeClr>
+          </a:solidFill>
+          <a:ln>
+            <a:noFill/>
+          </a:ln>
+        </p:spPr>
+        <p:style>
+          <a:lnRef idx="2">
+            <a:schemeClr val="accent1">
+              <a:shade val="50000"/>
+            </a:schemeClr>
+          </a:lnRef>
+          <a:fillRef idx="1">
+            <a:schemeClr val="accent1"/>
+          </a:fillRef>
+          <a:effectRef idx="0">
+            <a:schemeClr val="accent1"/>
+          </a:effectRef>
+          <a:fontRef idx="minor">
+            <a:schemeClr val="lt1"/>
+          </a:fontRef>
+        </p:style>
+        <p:txBody>
+          <a:bodyPr rtlCol="0" anchor="ctr"/>
+          <a:lstStyle/>
+          <a:p>
+            <a:pPr algn="ctr"/>
+            <a:endParaRPr lang="es-ES"/>
+          </a:p>
+        </p:txBody>
+      </p:sp>
+      <p:sp>
+        <p:nvSpPr>
+          <p:cNvPr id="4" name="Triángulo isósceles 3"/>
+          <p:cNvSpPr/>
+          <p:nvPr/>
+        </p:nvSpPr>
+        <p:spPr>
+          <a:xfrm>
+            <a:off x="0" y="-1"/>
+            <a:ext cx="9566032" cy="6858001"/>
+          </a:xfrm>
+          <a:prstGeom prst="triangle">
+            <a:avLst>
+              <a:gd name="adj" fmla="val 0"/>
+            </a:avLst>
+          </a:prstGeom>
+          <a:solidFill>
+            <a:schemeClr val="accent1">
+              <a:lumMod val="20000"/>
+              <a:lumOff val="80000"/>
+            </a:schemeClr>
+          </a:solidFill>
+          <a:ln>
+            <a:noFill/>
+          </a:ln>
+          <a:effectLst/>
+        </p:spPr>
+        <p:style>
+          <a:lnRef idx="2">
+            <a:schemeClr val="accent1">
+              <a:shade val="50000"/>
+            </a:schemeClr>
+          </a:lnRef>
+          <a:fillRef idx="1">
+            <a:schemeClr val="accent1"/>
+          </a:fillRef>
+          <a:effectRef idx="0">
+            <a:schemeClr val="accent1"/>
+          </a:effectRef>
+          <a:fontRef idx="minor">
+            <a:schemeClr val="lt1"/>
+          </a:fontRef>
+        </p:style>
+        <p:txBody>
+          <a:bodyPr rtlCol="0" anchor="ctr"/>
+          <a:lstStyle/>
+          <a:p>
+            <a:pPr algn="ctr"/>
+            <a:endParaRPr lang="es-ES"/>
+          </a:p>
+        </p:txBody>
+      </p:sp>
+      <p:sp>
+        <p:nvSpPr>
           <p:cNvPr id="2" name="Rectángulo 1"/>
           <p:cNvSpPr/>
           <p:nvPr/>
         </p:nvSpPr>
         <p:spPr>
           <a:xfrm>
-            <a:off x="352814" y="232910"/>
-            <a:ext cx="2419252" cy="461665"/>
+            <a:off x="352814" y="316334"/>
+            <a:ext cx="2752677" cy="461665"/>
           </a:xfrm>
           <a:prstGeom prst="rect">
             <a:avLst/>
@@ -3537,14 +3664,13 @@
           <a:lstStyle/>
           <a:p>
             <a:r>
-              <a:rPr lang="es-ES" sz="2400" dirty="0" smtClean="0">
+              <a:rPr lang="es-ES" sz="2400" b="1" dirty="0" smtClean="0">
                 <a:latin typeface="Century Gothic" panose="020B0502020202020204" pitchFamily="34" charset="0"/>
                 <a:ea typeface="Calibri" panose="020F0502020204030204" pitchFamily="34" charset="0"/>
                 <a:cs typeface="Times New Roman" panose="02020603050405020304" pitchFamily="18" charset="0"/>
               </a:rPr>
-              <a:t>Características</a:t>
-            </a:r>
-            <a:endParaRPr lang="es-ES" sz="2000" dirty="0"/>
+              <a:t>Características. –</a:t>
+            </a:r>
           </a:p>
         </p:txBody>
       </p:sp>
@@ -3556,7 +3682,7 @@
         </p:nvSpPr>
         <p:spPr>
           <a:xfrm>
-            <a:off x="352814" y="890016"/>
+            <a:off x="352814" y="974947"/>
             <a:ext cx="10911840" cy="4339650"/>
           </a:xfrm>
           <a:prstGeom prst="rect">
@@ -3701,6 +3827,13 @@
   <p:clrMapOvr>
     <a:masterClrMapping/>
   </p:clrMapOvr>
+  <p:timing>
+    <p:tnLst>
+      <p:par>
+        <p:cTn id="1" dur="indefinite" restart="never" nodeType="tmRoot"/>
+      </p:par>
+    </p:tnLst>
+  </p:timing>
 </p:sld>
 </file>
 

--- a/Expo/Expo_Listas.pptx
+++ b/Expo/Expo_Listas.pptx
@@ -8,6 +8,7 @@
     <p:sldId id="256" r:id="rId2"/>
     <p:sldId id="257" r:id="rId3"/>
     <p:sldId id="258" r:id="rId4"/>
+    <p:sldId id="259" r:id="rId5"/>
   </p:sldIdLst>
   <p:sldSz cx="12192000" cy="6858000"/>
   <p:notesSz cx="6858000" cy="9144000"/>
@@ -263,7 +264,7 @@
           <a:p>
             <a:fld id="{5F069921-8D55-4BEA-8BE8-79909F57DFDF}" type="datetimeFigureOut">
               <a:rPr lang="es-MX" smtClean="0"/>
-              <a:t>29/10/2020</a:t>
+              <a:t>30/10/2020</a:t>
             </a:fld>
             <a:endParaRPr lang="es-MX"/>
           </a:p>
@@ -463,7 +464,7 @@
           <a:p>
             <a:fld id="{5F069921-8D55-4BEA-8BE8-79909F57DFDF}" type="datetimeFigureOut">
               <a:rPr lang="es-MX" smtClean="0"/>
-              <a:t>29/10/2020</a:t>
+              <a:t>30/10/2020</a:t>
             </a:fld>
             <a:endParaRPr lang="es-MX"/>
           </a:p>
@@ -673,7 +674,7 @@
           <a:p>
             <a:fld id="{5F069921-8D55-4BEA-8BE8-79909F57DFDF}" type="datetimeFigureOut">
               <a:rPr lang="es-MX" smtClean="0"/>
-              <a:t>29/10/2020</a:t>
+              <a:t>30/10/2020</a:t>
             </a:fld>
             <a:endParaRPr lang="es-MX"/>
           </a:p>
@@ -873,7 +874,7 @@
           <a:p>
             <a:fld id="{5F069921-8D55-4BEA-8BE8-79909F57DFDF}" type="datetimeFigureOut">
               <a:rPr lang="es-MX" smtClean="0"/>
-              <a:t>29/10/2020</a:t>
+              <a:t>30/10/2020</a:t>
             </a:fld>
             <a:endParaRPr lang="es-MX"/>
           </a:p>
@@ -1149,7 +1150,7 @@
           <a:p>
             <a:fld id="{5F069921-8D55-4BEA-8BE8-79909F57DFDF}" type="datetimeFigureOut">
               <a:rPr lang="es-MX" smtClean="0"/>
-              <a:t>29/10/2020</a:t>
+              <a:t>30/10/2020</a:t>
             </a:fld>
             <a:endParaRPr lang="es-MX"/>
           </a:p>
@@ -1417,7 +1418,7 @@
           <a:p>
             <a:fld id="{5F069921-8D55-4BEA-8BE8-79909F57DFDF}" type="datetimeFigureOut">
               <a:rPr lang="es-MX" smtClean="0"/>
-              <a:t>29/10/2020</a:t>
+              <a:t>30/10/2020</a:t>
             </a:fld>
             <a:endParaRPr lang="es-MX"/>
           </a:p>
@@ -1832,7 +1833,7 @@
           <a:p>
             <a:fld id="{5F069921-8D55-4BEA-8BE8-79909F57DFDF}" type="datetimeFigureOut">
               <a:rPr lang="es-MX" smtClean="0"/>
-              <a:t>29/10/2020</a:t>
+              <a:t>30/10/2020</a:t>
             </a:fld>
             <a:endParaRPr lang="es-MX"/>
           </a:p>
@@ -1974,7 +1975,7 @@
           <a:p>
             <a:fld id="{5F069921-8D55-4BEA-8BE8-79909F57DFDF}" type="datetimeFigureOut">
               <a:rPr lang="es-MX" smtClean="0"/>
-              <a:t>29/10/2020</a:t>
+              <a:t>30/10/2020</a:t>
             </a:fld>
             <a:endParaRPr lang="es-MX"/>
           </a:p>
@@ -2087,7 +2088,7 @@
           <a:p>
             <a:fld id="{5F069921-8D55-4BEA-8BE8-79909F57DFDF}" type="datetimeFigureOut">
               <a:rPr lang="es-MX" smtClean="0"/>
-              <a:t>29/10/2020</a:t>
+              <a:t>30/10/2020</a:t>
             </a:fld>
             <a:endParaRPr lang="es-MX"/>
           </a:p>
@@ -2400,7 +2401,7 @@
           <a:p>
             <a:fld id="{5F069921-8D55-4BEA-8BE8-79909F57DFDF}" type="datetimeFigureOut">
               <a:rPr lang="es-MX" smtClean="0"/>
-              <a:t>29/10/2020</a:t>
+              <a:t>30/10/2020</a:t>
             </a:fld>
             <a:endParaRPr lang="es-MX"/>
           </a:p>
@@ -2689,7 +2690,7 @@
           <a:p>
             <a:fld id="{5F069921-8D55-4BEA-8BE8-79909F57DFDF}" type="datetimeFigureOut">
               <a:rPr lang="es-MX" smtClean="0"/>
-              <a:t>29/10/2020</a:t>
+              <a:t>30/10/2020</a:t>
             </a:fld>
             <a:endParaRPr lang="es-MX"/>
           </a:p>
@@ -2932,7 +2933,7 @@
           <a:p>
             <a:fld id="{5F069921-8D55-4BEA-8BE8-79909F57DFDF}" type="datetimeFigureOut">
               <a:rPr lang="es-MX" smtClean="0"/>
-              <a:t>29/10/2020</a:t>
+              <a:t>30/10/2020</a:t>
             </a:fld>
             <a:endParaRPr lang="es-MX"/>
           </a:p>
@@ -3335,194 +3336,11 @@
 <file path=ppt/slides/slide1.xml><?xml version="1.0" encoding="utf-8"?>
 <p:sld xmlns:a="http://schemas.openxmlformats.org/drawingml/2006/main" xmlns:r="http://schemas.openxmlformats.org/officeDocument/2006/relationships" xmlns:p="http://schemas.openxmlformats.org/presentationml/2006/main">
   <p:cSld>
-    <p:spTree>
-      <p:nvGrpSpPr>
-        <p:cNvPr id="1" name=""/>
-        <p:cNvGrpSpPr/>
-        <p:nvPr/>
-      </p:nvGrpSpPr>
-      <p:grpSpPr>
-        <a:xfrm>
-          <a:off x="0" y="0"/>
-          <a:ext cx="0" cy="0"/>
-          <a:chOff x="0" y="0"/>
-          <a:chExt cx="0" cy="0"/>
-        </a:xfrm>
-      </p:grpSpPr>
-      <p:sp>
-        <p:nvSpPr>
-          <p:cNvPr id="2" name="Título 1">
-            <a:extLst>
-              <a:ext uri="{FF2B5EF4-FFF2-40B4-BE49-F238E27FC236}">
-                <a16:creationId xmlns:a16="http://schemas.microsoft.com/office/drawing/2014/main" id="{CCC979CD-EB07-41E6-8A44-D292470CBEBC}"/>
-              </a:ext>
-            </a:extLst>
-          </p:cNvPr>
-          <p:cNvSpPr>
-            <a:spLocks noGrp="1"/>
-          </p:cNvSpPr>
-          <p:nvPr>
-            <p:ph type="ctrTitle"/>
-          </p:nvPr>
-        </p:nvSpPr>
-        <p:spPr/>
-        <p:txBody>
-          <a:bodyPr/>
-          <a:lstStyle/>
-          <a:p>
-            <a:endParaRPr lang="es-MX" dirty="0"/>
-          </a:p>
-        </p:txBody>
-      </p:sp>
-      <p:sp>
-        <p:nvSpPr>
-          <p:cNvPr id="3" name="Subtítulo 2">
-            <a:extLst>
-              <a:ext uri="{FF2B5EF4-FFF2-40B4-BE49-F238E27FC236}">
-                <a16:creationId xmlns:a16="http://schemas.microsoft.com/office/drawing/2014/main" id="{EE6A336A-7CC8-4CE0-96D5-FA97E93E395F}"/>
-              </a:ext>
-            </a:extLst>
-          </p:cNvPr>
-          <p:cNvSpPr>
-            <a:spLocks noGrp="1"/>
-          </p:cNvSpPr>
-          <p:nvPr>
-            <p:ph type="subTitle" idx="1"/>
-          </p:nvPr>
-        </p:nvSpPr>
-        <p:spPr/>
-        <p:txBody>
-          <a:bodyPr/>
-          <a:lstStyle/>
-          <a:p>
-            <a:endParaRPr lang="es-MX"/>
-          </a:p>
-        </p:txBody>
-      </p:sp>
-    </p:spTree>
-    <p:extLst>
-      <p:ext uri="{BB962C8B-B14F-4D97-AF65-F5344CB8AC3E}">
-        <p14:creationId xmlns:p14="http://schemas.microsoft.com/office/powerpoint/2010/main" val="1681134265"/>
-      </p:ext>
-    </p:extLst>
-  </p:cSld>
-  <p:clrMapOvr>
-    <a:masterClrMapping/>
-  </p:clrMapOvr>
-</p:sld>
-</file>
-
-<file path=ppt/slides/slide2.xml><?xml version="1.0" encoding="utf-8"?>
-<p:sld xmlns:a="http://schemas.openxmlformats.org/drawingml/2006/main" xmlns:r="http://schemas.openxmlformats.org/officeDocument/2006/relationships" xmlns:p="http://schemas.openxmlformats.org/presentationml/2006/main">
-  <p:cSld>
-    <p:spTree>
-      <p:nvGrpSpPr>
-        <p:cNvPr id="1" name=""/>
-        <p:cNvGrpSpPr/>
-        <p:nvPr/>
-      </p:nvGrpSpPr>
-      <p:grpSpPr>
-        <a:xfrm>
-          <a:off x="0" y="0"/>
-          <a:ext cx="0" cy="0"/>
-          <a:chOff x="0" y="0"/>
-          <a:chExt cx="0" cy="0"/>
-        </a:xfrm>
-      </p:grpSpPr>
-      <p:sp>
-        <p:nvSpPr>
-          <p:cNvPr id="2" name="Título 1"/>
-          <p:cNvSpPr>
-            <a:spLocks noGrp="1"/>
-          </p:cNvSpPr>
-          <p:nvPr>
-            <p:ph type="title"/>
-          </p:nvPr>
-        </p:nvSpPr>
-        <p:spPr/>
-        <p:txBody>
-          <a:bodyPr/>
-          <a:lstStyle/>
-          <a:p>
-            <a:r>
-              <a:rPr lang="es-MX" smtClean="0"/>
-              <a:t>Definición</a:t>
-            </a:r>
-            <a:endParaRPr lang="es-MX" dirty="0"/>
-          </a:p>
-        </p:txBody>
-      </p:sp>
-      <p:sp>
-        <p:nvSpPr>
-          <p:cNvPr id="3" name="Marcador de contenido 2"/>
-          <p:cNvSpPr>
-            <a:spLocks noGrp="1"/>
-          </p:cNvSpPr>
-          <p:nvPr>
-            <p:ph idx="1"/>
-          </p:nvPr>
-        </p:nvSpPr>
-        <p:spPr/>
-        <p:txBody>
-          <a:bodyPr/>
-          <a:lstStyle/>
-          <a:p>
-            <a:r>
-              <a:rPr lang="es-MX" dirty="0"/>
-              <a:t>Es una estructura dinámica de datos que contiene una colección de elementos homogéneos (del mismo tipo) de manera que se establece entre ellos un orden. Es decir, cada elemento, menos el primero, tiene un predecesor, y cada elemento, menos el último, tiene un </a:t>
-            </a:r>
-            <a:r>
-              <a:rPr lang="es-MX" dirty="0" smtClean="0"/>
-              <a:t>sucesor. Es </a:t>
-            </a:r>
-            <a:r>
-              <a:rPr lang="es-MX" dirty="0"/>
-              <a:t>una de las estructuras de datos fundamentales, y puede ser usada para implementar otras estructuras de datos. Consiste en una secuencia de nodos, en los que se guardan campos de datos arbitrarios y una o dos referencias, enlaces o punteros al nodo anterior o posterior.</a:t>
-            </a:r>
-          </a:p>
-          <a:p>
-            <a:endParaRPr lang="es-MX" dirty="0"/>
-          </a:p>
-        </p:txBody>
-      </p:sp>
-    </p:spTree>
-    <p:extLst>
-      <p:ext uri="{BB962C8B-B14F-4D97-AF65-F5344CB8AC3E}">
-        <p14:creationId xmlns:p14="http://schemas.microsoft.com/office/powerpoint/2010/main" val="2677230530"/>
-      </p:ext>
-    </p:extLst>
-  </p:cSld>
-  <p:clrMapOvr>
-    <a:masterClrMapping/>
-  </p:clrMapOvr>
-  <p:timing>
-    <p:tnLst>
-      <p:par>
-        <p:cTn id="1" dur="indefinite" restart="never" nodeType="tmRoot"/>
-      </p:par>
-    </p:tnLst>
-  </p:timing>
-</p:sld>
-</file>
-
-<file path=ppt/slides/slide3.xml><?xml version="1.0" encoding="utf-8"?>
-<p:sld xmlns:a="http://schemas.openxmlformats.org/drawingml/2006/main" xmlns:r="http://schemas.openxmlformats.org/officeDocument/2006/relationships" xmlns:p="http://schemas.openxmlformats.org/presentationml/2006/main">
-  <p:cSld>
     <p:bg>
       <p:bgPr>
-        <a:gradFill>
-          <a:gsLst>
-            <a:gs pos="0">
-              <a:schemeClr val="bg1"/>
-            </a:gs>
-            <a:gs pos="66000">
-              <a:schemeClr val="bg1">
-                <a:lumMod val="95000"/>
-              </a:schemeClr>
-            </a:gs>
-          </a:gsLst>
-          <a:lin ang="5400000" scaled="1"/>
-        </a:gradFill>
+        <a:solidFill>
+          <a:srgbClr val="0A0928"/>
+        </a:solidFill>
         <a:effectLst/>
       </p:bgPr>
     </p:bg>
@@ -3540,56 +3358,580 @@
           <a:chExt cx="0" cy="0"/>
         </a:xfrm>
       </p:grpSpPr>
-      <p:sp>
-        <p:nvSpPr>
-          <p:cNvPr id="5" name="Triángulo isósceles 4"/>
-          <p:cNvSpPr/>
+      <p:pic>
+        <p:nvPicPr>
+          <p:cNvPr id="1026" name="Picture 2" descr="Programación (lógica y creatividad))">
+            <a:extLst>
+              <a:ext uri="{FF2B5EF4-FFF2-40B4-BE49-F238E27FC236}">
+                <a16:creationId xmlns:a16="http://schemas.microsoft.com/office/drawing/2014/main" id="{A31B9F42-EE53-474F-859C-952DF09761AC}"/>
+              </a:ext>
+            </a:extLst>
+          </p:cNvPr>
+          <p:cNvPicPr>
+            <a:picLocks noChangeAspect="1" noChangeArrowheads="1"/>
+          </p:cNvPicPr>
           <p:nvPr/>
+        </p:nvPicPr>
+        <p:blipFill>
+          <a:blip r:embed="rId2">
+            <a:extLst>
+              <a:ext uri="{28A0092B-C50C-407E-A947-70E740481C1C}">
+                <a14:useLocalDpi xmlns:a14="http://schemas.microsoft.com/office/drawing/2010/main" val="0"/>
+              </a:ext>
+            </a:extLst>
+          </a:blip>
+          <a:srcRect/>
+          <a:stretch>
+            <a:fillRect/>
+          </a:stretch>
+        </p:blipFill>
+        <p:spPr bwMode="auto">
+          <a:xfrm>
+            <a:off x="0" y="0"/>
+            <a:ext cx="12858750" cy="6858000"/>
+          </a:xfrm>
+          <a:prstGeom prst="rect">
+            <a:avLst/>
+          </a:prstGeom>
+          <a:noFill/>
+          <a:extLst>
+            <a:ext uri="{909E8E84-426E-40DD-AFC4-6F175D3DCCD1}">
+              <a14:hiddenFill xmlns:a14="http://schemas.microsoft.com/office/drawing/2010/main">
+                <a:solidFill>
+                  <a:srgbClr val="FFFFFF"/>
+                </a:solidFill>
+              </a14:hiddenFill>
+            </a:ext>
+          </a:extLst>
+        </p:spPr>
+      </p:pic>
+      <p:sp>
+        <p:nvSpPr>
+          <p:cNvPr id="2" name="Título 1">
+            <a:extLst>
+              <a:ext uri="{FF2B5EF4-FFF2-40B4-BE49-F238E27FC236}">
+                <a16:creationId xmlns:a16="http://schemas.microsoft.com/office/drawing/2014/main" id="{CCC979CD-EB07-41E6-8A44-D292470CBEBC}"/>
+              </a:ext>
+            </a:extLst>
+          </p:cNvPr>
+          <p:cNvSpPr>
+            <a:spLocks noGrp="1"/>
+          </p:cNvSpPr>
+          <p:nvPr>
+            <p:ph type="ctrTitle"/>
+          </p:nvPr>
         </p:nvSpPr>
         <p:spPr>
-          <a:xfrm flipV="1">
-            <a:off x="4515729" y="-1"/>
-            <a:ext cx="7676272" cy="6858000"/>
+          <a:xfrm>
+            <a:off x="491544" y="1143509"/>
+            <a:ext cx="9144000" cy="2387600"/>
           </a:xfrm>
-          <a:prstGeom prst="triangle">
-            <a:avLst>
-              <a:gd name="adj" fmla="val 100000"/>
-            </a:avLst>
+        </p:spPr>
+        <p:txBody>
+          <a:bodyPr/>
+          <a:lstStyle/>
+          <a:p>
+            <a:pPr algn="just"/>
+            <a:r>
+              <a:rPr lang="es-MX" dirty="0">
+                <a:solidFill>
+                  <a:schemeClr val="bg1"/>
+                </a:solidFill>
+              </a:rPr>
+              <a:t>Estructuras de datos</a:t>
+            </a:r>
+          </a:p>
+        </p:txBody>
+      </p:sp>
+      <p:sp>
+        <p:nvSpPr>
+          <p:cNvPr id="3" name="Subtítulo 2">
+            <a:extLst>
+              <a:ext uri="{FF2B5EF4-FFF2-40B4-BE49-F238E27FC236}">
+                <a16:creationId xmlns:a16="http://schemas.microsoft.com/office/drawing/2014/main" id="{EE6A336A-7CC8-4CE0-96D5-FA97E93E395F}"/>
+              </a:ext>
+            </a:extLst>
+          </p:cNvPr>
+          <p:cNvSpPr>
+            <a:spLocks noGrp="1"/>
+          </p:cNvSpPr>
+          <p:nvPr>
+            <p:ph type="subTitle" idx="1"/>
+          </p:nvPr>
+        </p:nvSpPr>
+        <p:spPr>
+          <a:xfrm>
+            <a:off x="622478" y="3606152"/>
+            <a:ext cx="9144000" cy="377534"/>
+          </a:xfrm>
+        </p:spPr>
+        <p:txBody>
+          <a:bodyPr>
+            <a:normAutofit fontScale="92500" lnSpcReduction="10000"/>
+          </a:bodyPr>
+          <a:lstStyle/>
+          <a:p>
+            <a:pPr algn="just"/>
+            <a:r>
+              <a:rPr lang="es-MX" dirty="0">
+                <a:solidFill>
+                  <a:schemeClr val="bg1"/>
+                </a:solidFill>
+              </a:rPr>
+              <a:t>Listas</a:t>
+            </a:r>
+          </a:p>
+          <a:p>
+            <a:pPr algn="just"/>
+            <a:endParaRPr lang="es-MX" dirty="0">
+              <a:solidFill>
+                <a:schemeClr val="bg1"/>
+              </a:solidFill>
+            </a:endParaRPr>
+          </a:p>
+        </p:txBody>
+      </p:sp>
+      <p:sp>
+        <p:nvSpPr>
+          <p:cNvPr id="4" name="Subtítulo 2">
+            <a:extLst>
+              <a:ext uri="{FF2B5EF4-FFF2-40B4-BE49-F238E27FC236}">
+                <a16:creationId xmlns:a16="http://schemas.microsoft.com/office/drawing/2014/main" id="{21958052-2FA8-4259-9678-31CD2116C4E9}"/>
+              </a:ext>
+            </a:extLst>
+          </p:cNvPr>
+          <p:cNvSpPr txBox="1">
+            <a:spLocks/>
+          </p:cNvSpPr>
+          <p:nvPr/>
+        </p:nvSpPr>
+        <p:spPr>
+          <a:xfrm>
+            <a:off x="491544" y="4674617"/>
+            <a:ext cx="3088783" cy="1655762"/>
+          </a:xfrm>
+          <a:prstGeom prst="rect">
+            <a:avLst/>
           </a:prstGeom>
-          <a:solidFill>
-            <a:schemeClr val="bg1">
-              <a:lumMod val="95000"/>
-            </a:schemeClr>
-          </a:solidFill>
-          <a:ln>
-            <a:noFill/>
-          </a:ln>
         </p:spPr>
-        <p:style>
-          <a:lnRef idx="2">
-            <a:schemeClr val="accent1">
-              <a:shade val="50000"/>
-            </a:schemeClr>
-          </a:lnRef>
-          <a:fillRef idx="1">
-            <a:schemeClr val="accent1"/>
-          </a:fillRef>
-          <a:effectRef idx="0">
-            <a:schemeClr val="accent1"/>
-          </a:effectRef>
-          <a:fontRef idx="minor">
-            <a:schemeClr val="lt1"/>
-          </a:fontRef>
-        </p:style>
-        <p:txBody>
-          <a:bodyPr rtlCol="0" anchor="ctr"/>
-          <a:lstStyle/>
-          <a:p>
-            <a:pPr algn="ctr"/>
-            <a:endParaRPr lang="es-ES"/>
-          </a:p>
-        </p:txBody>
-      </p:sp>
+        <p:txBody>
+          <a:bodyPr vert="horz" lIns="91440" tIns="45720" rIns="91440" bIns="45720" rtlCol="0">
+            <a:normAutofit fontScale="92500" lnSpcReduction="10000"/>
+          </a:bodyPr>
+          <a:lstStyle>
+            <a:lvl1pPr marL="0" indent="0" algn="ctr" defTabSz="914400" rtl="0" eaLnBrk="1" latinLnBrk="0" hangingPunct="1">
+              <a:lnSpc>
+                <a:spcPct val="90000"/>
+              </a:lnSpc>
+              <a:spcBef>
+                <a:spcPts val="1000"/>
+              </a:spcBef>
+              <a:buFont typeface="Arial" panose="020B0604020202020204" pitchFamily="34" charset="0"/>
+              <a:buNone/>
+              <a:defRPr sz="2400" kern="1200">
+                <a:solidFill>
+                  <a:schemeClr val="tx1"/>
+                </a:solidFill>
+                <a:latin typeface="+mn-lt"/>
+                <a:ea typeface="+mn-ea"/>
+                <a:cs typeface="+mn-cs"/>
+              </a:defRPr>
+            </a:lvl1pPr>
+            <a:lvl2pPr marL="457200" indent="0" algn="ctr" defTabSz="914400" rtl="0" eaLnBrk="1" latinLnBrk="0" hangingPunct="1">
+              <a:lnSpc>
+                <a:spcPct val="90000"/>
+              </a:lnSpc>
+              <a:spcBef>
+                <a:spcPts val="500"/>
+              </a:spcBef>
+              <a:buFont typeface="Arial" panose="020B0604020202020204" pitchFamily="34" charset="0"/>
+              <a:buNone/>
+              <a:defRPr sz="2000" kern="1200">
+                <a:solidFill>
+                  <a:schemeClr val="tx1"/>
+                </a:solidFill>
+                <a:latin typeface="+mn-lt"/>
+                <a:ea typeface="+mn-ea"/>
+                <a:cs typeface="+mn-cs"/>
+              </a:defRPr>
+            </a:lvl2pPr>
+            <a:lvl3pPr marL="914400" indent="0" algn="ctr" defTabSz="914400" rtl="0" eaLnBrk="1" latinLnBrk="0" hangingPunct="1">
+              <a:lnSpc>
+                <a:spcPct val="90000"/>
+              </a:lnSpc>
+              <a:spcBef>
+                <a:spcPts val="500"/>
+              </a:spcBef>
+              <a:buFont typeface="Arial" panose="020B0604020202020204" pitchFamily="34" charset="0"/>
+              <a:buNone/>
+              <a:defRPr sz="1800" kern="1200">
+                <a:solidFill>
+                  <a:schemeClr val="tx1"/>
+                </a:solidFill>
+                <a:latin typeface="+mn-lt"/>
+                <a:ea typeface="+mn-ea"/>
+                <a:cs typeface="+mn-cs"/>
+              </a:defRPr>
+            </a:lvl3pPr>
+            <a:lvl4pPr marL="1371600" indent="0" algn="ctr" defTabSz="914400" rtl="0" eaLnBrk="1" latinLnBrk="0" hangingPunct="1">
+              <a:lnSpc>
+                <a:spcPct val="90000"/>
+              </a:lnSpc>
+              <a:spcBef>
+                <a:spcPts val="500"/>
+              </a:spcBef>
+              <a:buFont typeface="Arial" panose="020B0604020202020204" pitchFamily="34" charset="0"/>
+              <a:buNone/>
+              <a:defRPr sz="1600" kern="1200">
+                <a:solidFill>
+                  <a:schemeClr val="tx1"/>
+                </a:solidFill>
+                <a:latin typeface="+mn-lt"/>
+                <a:ea typeface="+mn-ea"/>
+                <a:cs typeface="+mn-cs"/>
+              </a:defRPr>
+            </a:lvl4pPr>
+            <a:lvl5pPr marL="1828800" indent="0" algn="ctr" defTabSz="914400" rtl="0" eaLnBrk="1" latinLnBrk="0" hangingPunct="1">
+              <a:lnSpc>
+                <a:spcPct val="90000"/>
+              </a:lnSpc>
+              <a:spcBef>
+                <a:spcPts val="500"/>
+              </a:spcBef>
+              <a:buFont typeface="Arial" panose="020B0604020202020204" pitchFamily="34" charset="0"/>
+              <a:buNone/>
+              <a:defRPr sz="1600" kern="1200">
+                <a:solidFill>
+                  <a:schemeClr val="tx1"/>
+                </a:solidFill>
+                <a:latin typeface="+mn-lt"/>
+                <a:ea typeface="+mn-ea"/>
+                <a:cs typeface="+mn-cs"/>
+              </a:defRPr>
+            </a:lvl5pPr>
+            <a:lvl6pPr marL="2286000" indent="0" algn="ctr" defTabSz="914400" rtl="0" eaLnBrk="1" latinLnBrk="0" hangingPunct="1">
+              <a:lnSpc>
+                <a:spcPct val="90000"/>
+              </a:lnSpc>
+              <a:spcBef>
+                <a:spcPts val="500"/>
+              </a:spcBef>
+              <a:buFont typeface="Arial" panose="020B0604020202020204" pitchFamily="34" charset="0"/>
+              <a:buNone/>
+              <a:defRPr sz="1600" kern="1200">
+                <a:solidFill>
+                  <a:schemeClr val="tx1"/>
+                </a:solidFill>
+                <a:latin typeface="+mn-lt"/>
+                <a:ea typeface="+mn-ea"/>
+                <a:cs typeface="+mn-cs"/>
+              </a:defRPr>
+            </a:lvl6pPr>
+            <a:lvl7pPr marL="2743200" indent="0" algn="ctr" defTabSz="914400" rtl="0" eaLnBrk="1" latinLnBrk="0" hangingPunct="1">
+              <a:lnSpc>
+                <a:spcPct val="90000"/>
+              </a:lnSpc>
+              <a:spcBef>
+                <a:spcPts val="500"/>
+              </a:spcBef>
+              <a:buFont typeface="Arial" panose="020B0604020202020204" pitchFamily="34" charset="0"/>
+              <a:buNone/>
+              <a:defRPr sz="1600" kern="1200">
+                <a:solidFill>
+                  <a:schemeClr val="tx1"/>
+                </a:solidFill>
+                <a:latin typeface="+mn-lt"/>
+                <a:ea typeface="+mn-ea"/>
+                <a:cs typeface="+mn-cs"/>
+              </a:defRPr>
+            </a:lvl7pPr>
+            <a:lvl8pPr marL="3200400" indent="0" algn="ctr" defTabSz="914400" rtl="0" eaLnBrk="1" latinLnBrk="0" hangingPunct="1">
+              <a:lnSpc>
+                <a:spcPct val="90000"/>
+              </a:lnSpc>
+              <a:spcBef>
+                <a:spcPts val="500"/>
+              </a:spcBef>
+              <a:buFont typeface="Arial" panose="020B0604020202020204" pitchFamily="34" charset="0"/>
+              <a:buNone/>
+              <a:defRPr sz="1600" kern="1200">
+                <a:solidFill>
+                  <a:schemeClr val="tx1"/>
+                </a:solidFill>
+                <a:latin typeface="+mn-lt"/>
+                <a:ea typeface="+mn-ea"/>
+                <a:cs typeface="+mn-cs"/>
+              </a:defRPr>
+            </a:lvl8pPr>
+            <a:lvl9pPr marL="3657600" indent="0" algn="ctr" defTabSz="914400" rtl="0" eaLnBrk="1" latinLnBrk="0" hangingPunct="1">
+              <a:lnSpc>
+                <a:spcPct val="90000"/>
+              </a:lnSpc>
+              <a:spcBef>
+                <a:spcPts val="500"/>
+              </a:spcBef>
+              <a:buFont typeface="Arial" panose="020B0604020202020204" pitchFamily="34" charset="0"/>
+              <a:buNone/>
+              <a:defRPr sz="1600" kern="1200">
+                <a:solidFill>
+                  <a:schemeClr val="tx1"/>
+                </a:solidFill>
+                <a:latin typeface="+mn-lt"/>
+                <a:ea typeface="+mn-ea"/>
+                <a:cs typeface="+mn-cs"/>
+              </a:defRPr>
+            </a:lvl9pPr>
+          </a:lstStyle>
+          <a:p>
+            <a:pPr algn="just"/>
+            <a:r>
+              <a:rPr lang="es-MX" sz="1400" dirty="0">
+                <a:solidFill>
+                  <a:schemeClr val="bg1"/>
+                </a:solidFill>
+              </a:rPr>
+              <a:t>Participantes: </a:t>
+            </a:r>
+          </a:p>
+          <a:p>
+            <a:pPr algn="just"/>
+            <a:endParaRPr lang="es-MX" sz="1400" dirty="0">
+              <a:solidFill>
+                <a:schemeClr val="bg1"/>
+              </a:solidFill>
+            </a:endParaRPr>
+          </a:p>
+          <a:p>
+            <a:pPr algn="just"/>
+            <a:r>
+              <a:rPr lang="es-MX" sz="1400" dirty="0">
+                <a:solidFill>
+                  <a:schemeClr val="bg1"/>
+                </a:solidFill>
+                <a:latin typeface="Roboto" panose="02000000000000000000" pitchFamily="2" charset="0"/>
+                <a:ea typeface="Roboto" panose="02000000000000000000" pitchFamily="2" charset="0"/>
+                <a:cs typeface="Roboto" panose="02000000000000000000" pitchFamily="2" charset="0"/>
+              </a:rPr>
+              <a:t>Romero Morales Gustavo Ismael</a:t>
+            </a:r>
+          </a:p>
+          <a:p>
+            <a:pPr algn="just"/>
+            <a:r>
+              <a:rPr lang="es-MX" sz="1400" dirty="0">
+                <a:solidFill>
+                  <a:schemeClr val="bg1"/>
+                </a:solidFill>
+                <a:latin typeface="Roboto" panose="02000000000000000000" pitchFamily="2" charset="0"/>
+                <a:ea typeface="Roboto" panose="02000000000000000000" pitchFamily="2" charset="0"/>
+                <a:cs typeface="Roboto" panose="02000000000000000000" pitchFamily="2" charset="0"/>
+              </a:rPr>
+              <a:t>Ramírez Zaragoza Emmanuel</a:t>
+            </a:r>
+          </a:p>
+          <a:p>
+            <a:pPr algn="just"/>
+            <a:r>
+              <a:rPr lang="es-MX" sz="1100" b="0" i="0" dirty="0">
+                <a:solidFill>
+                  <a:schemeClr val="bg1"/>
+                </a:solidFill>
+                <a:effectLst/>
+                <a:latin typeface="Roboto" panose="02000000000000000000" pitchFamily="2" charset="0"/>
+                <a:ea typeface="Roboto" panose="02000000000000000000" pitchFamily="2" charset="0"/>
+                <a:cs typeface="Roboto" panose="02000000000000000000" pitchFamily="2" charset="0"/>
+              </a:rPr>
+              <a:t>ZAMORA RODRIGUEZ CRISTOFER JESÚS</a:t>
+            </a:r>
+          </a:p>
+          <a:p>
+            <a:pPr algn="just"/>
+            <a:r>
+              <a:rPr lang="es-MX" sz="1100" b="0" i="0" dirty="0">
+                <a:solidFill>
+                  <a:schemeClr val="bg1"/>
+                </a:solidFill>
+                <a:effectLst/>
+                <a:latin typeface="Roboto" panose="02000000000000000000" pitchFamily="2" charset="0"/>
+              </a:rPr>
+              <a:t>VELAZQUEZ BOBADILLA GIBRAN ALEJANDRO</a:t>
+            </a:r>
+            <a:endParaRPr lang="es-MX" sz="1400" dirty="0">
+              <a:solidFill>
+                <a:schemeClr val="bg1"/>
+              </a:solidFill>
+              <a:latin typeface="Roboto" panose="02000000000000000000" pitchFamily="2" charset="0"/>
+              <a:ea typeface="Roboto" panose="02000000000000000000" pitchFamily="2" charset="0"/>
+              <a:cs typeface="Roboto" panose="02000000000000000000" pitchFamily="2" charset="0"/>
+            </a:endParaRPr>
+          </a:p>
+        </p:txBody>
+      </p:sp>
+    </p:spTree>
+    <p:extLst>
+      <p:ext uri="{BB962C8B-B14F-4D97-AF65-F5344CB8AC3E}">
+        <p14:creationId xmlns:p14="http://schemas.microsoft.com/office/powerpoint/2010/main" val="1681134265"/>
+      </p:ext>
+    </p:extLst>
+  </p:cSld>
+  <p:clrMapOvr>
+    <a:masterClrMapping/>
+  </p:clrMapOvr>
+  <mc:AlternateContent xmlns:mc="http://schemas.openxmlformats.org/markup-compatibility/2006">
+    <mc:Choice xmlns:p159="http://schemas.microsoft.com/office/powerpoint/2015/09/main" Requires="p159">
+      <p:transition xmlns:p14="http://schemas.microsoft.com/office/powerpoint/2010/main" spd="slow" p14:dur="2000">
+        <p159:morph option="byObject"/>
+      </p:transition>
+    </mc:Choice>
+    <mc:Fallback>
+      <p:transition spd="slow">
+        <p:fade/>
+      </p:transition>
+    </mc:Fallback>
+  </mc:AlternateContent>
+</p:sld>
+</file>
+
+<file path=ppt/slides/slide2.xml><?xml version="1.0" encoding="utf-8"?>
+<p:sld xmlns:a="http://schemas.openxmlformats.org/drawingml/2006/main" xmlns:r="http://schemas.openxmlformats.org/officeDocument/2006/relationships" xmlns:p="http://schemas.openxmlformats.org/presentationml/2006/main">
+  <p:cSld>
+    <p:bg>
+      <p:bgPr>
+        <a:solidFill>
+          <a:srgbClr val="0A0928"/>
+        </a:solidFill>
+        <a:effectLst/>
+      </p:bgPr>
+    </p:bg>
+    <p:spTree>
+      <p:nvGrpSpPr>
+        <p:cNvPr id="1" name=""/>
+        <p:cNvGrpSpPr/>
+        <p:nvPr/>
+      </p:nvGrpSpPr>
+      <p:grpSpPr>
+        <a:xfrm>
+          <a:off x="0" y="0"/>
+          <a:ext cx="0" cy="0"/>
+          <a:chOff x="0" y="0"/>
+          <a:chExt cx="0" cy="0"/>
+        </a:xfrm>
+      </p:grpSpPr>
+      <p:sp>
+        <p:nvSpPr>
+          <p:cNvPr id="2" name="Título 1"/>
+          <p:cNvSpPr>
+            <a:spLocks noGrp="1"/>
+          </p:cNvSpPr>
+          <p:nvPr>
+            <p:ph type="title"/>
+          </p:nvPr>
+        </p:nvSpPr>
+        <p:spPr>
+          <a:xfrm>
+            <a:off x="941230" y="1562861"/>
+            <a:ext cx="2767886" cy="1325563"/>
+          </a:xfrm>
+        </p:spPr>
+        <p:txBody>
+          <a:bodyPr/>
+          <a:lstStyle/>
+          <a:p>
+            <a:r>
+              <a:rPr lang="es-MX" b="1" dirty="0">
+                <a:solidFill>
+                  <a:schemeClr val="bg1"/>
+                </a:solidFill>
+              </a:rPr>
+              <a:t>Definición</a:t>
+            </a:r>
+          </a:p>
+        </p:txBody>
+      </p:sp>
+      <p:sp>
+        <p:nvSpPr>
+          <p:cNvPr id="3" name="Marcador de contenido 2"/>
+          <p:cNvSpPr>
+            <a:spLocks noGrp="1"/>
+          </p:cNvSpPr>
+          <p:nvPr>
+            <p:ph idx="1"/>
+          </p:nvPr>
+        </p:nvSpPr>
+        <p:spPr>
+          <a:xfrm>
+            <a:off x="941230" y="3063573"/>
+            <a:ext cx="8318680" cy="2000944"/>
+          </a:xfrm>
+        </p:spPr>
+        <p:txBody>
+          <a:bodyPr>
+            <a:normAutofit/>
+          </a:bodyPr>
+          <a:lstStyle/>
+          <a:p>
+            <a:pPr marL="0" indent="0">
+              <a:buNone/>
+            </a:pPr>
+            <a:r>
+              <a:rPr lang="es-MX" sz="1800" dirty="0">
+                <a:solidFill>
+                  <a:schemeClr val="bg1"/>
+                </a:solidFill>
+              </a:rPr>
+              <a:t>Es una estructura dinámica de datos que contiene una colección de elementos homogéneos (del mismo tipo) de manera que se establece entre ellos un orden. Es decir, cada elemento, menos el primero, tiene un predecesor, y cada elemento, menos el último, tiene un sucesor. Es una de las estructuras de datos fundamentales, y puede ser usada para implementar otras estructuras de datos. Consiste en una secuencia de nodos, en los que se guardan campos de datos arbitrarios y una o dos referencias, enlaces o punteros al nodo anterior o posterior.</a:t>
+            </a:r>
+          </a:p>
+          <a:p>
+            <a:endParaRPr lang="es-MX" sz="1800" dirty="0">
+              <a:solidFill>
+                <a:schemeClr val="bg1"/>
+              </a:solidFill>
+            </a:endParaRPr>
+          </a:p>
+        </p:txBody>
+      </p:sp>
+    </p:spTree>
+    <p:extLst>
+      <p:ext uri="{BB962C8B-B14F-4D97-AF65-F5344CB8AC3E}">
+        <p14:creationId xmlns:p14="http://schemas.microsoft.com/office/powerpoint/2010/main" val="2677230530"/>
+      </p:ext>
+    </p:extLst>
+  </p:cSld>
+  <p:clrMapOvr>
+    <a:masterClrMapping/>
+  </p:clrMapOvr>
+  <p:transition spd="slow">
+    <p:push dir="u"/>
+  </p:transition>
+</p:sld>
+</file>
+
+<file path=ppt/slides/slide3.xml><?xml version="1.0" encoding="utf-8"?>
+<p:sld xmlns:a="http://schemas.openxmlformats.org/drawingml/2006/main" xmlns:r="http://schemas.openxmlformats.org/officeDocument/2006/relationships" xmlns:p="http://schemas.openxmlformats.org/presentationml/2006/main">
+  <p:cSld>
+    <p:bg>
+      <p:bgPr>
+        <a:solidFill>
+          <a:srgbClr val="0A0928"/>
+        </a:solidFill>
+        <a:effectLst/>
+      </p:bgPr>
+    </p:bg>
+    <p:spTree>
+      <p:nvGrpSpPr>
+        <p:cNvPr id="1" name=""/>
+        <p:cNvGrpSpPr/>
+        <p:nvPr/>
+      </p:nvGrpSpPr>
+      <p:grpSpPr>
+        <a:xfrm>
+          <a:off x="0" y="0"/>
+          <a:ext cx="0" cy="0"/>
+          <a:chOff x="0" y="0"/>
+          <a:chExt cx="0" cy="0"/>
+        </a:xfrm>
+      </p:grpSpPr>
       <p:sp>
         <p:nvSpPr>
           <p:cNvPr id="4" name="Triángulo isósceles 3"/>
@@ -3607,10 +3949,7 @@
             </a:avLst>
           </a:prstGeom>
           <a:solidFill>
-            <a:schemeClr val="accent1">
-              <a:lumMod val="20000"/>
-              <a:lumOff val="80000"/>
-            </a:schemeClr>
+            <a:srgbClr val="141252"/>
           </a:solidFill>
           <a:ln>
             <a:noFill/>
@@ -3650,8 +3989,8 @@
         </p:nvSpPr>
         <p:spPr>
           <a:xfrm>
-            <a:off x="352814" y="316334"/>
-            <a:ext cx="2752677" cy="461665"/>
+            <a:off x="428765" y="617249"/>
+            <a:ext cx="2598788" cy="461665"/>
           </a:xfrm>
           <a:prstGeom prst="rect">
             <a:avLst/>
@@ -3664,12 +4003,15 @@
           <a:lstStyle/>
           <a:p>
             <a:r>
-              <a:rPr lang="es-ES" sz="2400" b="1" dirty="0" smtClean="0">
+              <a:rPr lang="es-ES" sz="2400" b="1" dirty="0">
+                <a:solidFill>
+                  <a:schemeClr val="bg1"/>
+                </a:solidFill>
                 <a:latin typeface="Century Gothic" panose="020B0502020202020204" pitchFamily="34" charset="0"/>
                 <a:ea typeface="Calibri" panose="020F0502020204030204" pitchFamily="34" charset="0"/>
                 <a:cs typeface="Times New Roman" panose="02020603050405020304" pitchFamily="18" charset="0"/>
               </a:rPr>
-              <a:t>Características. –</a:t>
+              <a:t>Características. </a:t>
             </a:r>
           </a:p>
         </p:txBody>
@@ -3682,8 +4024,8 @@
         </p:nvSpPr>
         <p:spPr>
           <a:xfrm>
-            <a:off x="352814" y="974947"/>
-            <a:ext cx="10911840" cy="4339650"/>
+            <a:off x="428765" y="1502211"/>
+            <a:ext cx="5778852" cy="4924425"/>
           </a:xfrm>
           <a:prstGeom prst="rect">
             <a:avLst/>
@@ -3699,21 +4041,19 @@
             <a:pPr lvl="0"/>
             <a:r>
               <a:rPr lang="es-ES" sz="2000" dirty="0">
-                <a:latin typeface="Century Gothic" panose="020B0502020202020204" pitchFamily="34" charset="0"/>
+                <a:solidFill>
+                  <a:schemeClr val="bg1"/>
+                </a:solidFill>
               </a:rPr>
-              <a:t>Una lista es una colección de elementos llamados generalmente nodos, se relacionan por punteros o direcciones a </a:t>
-            </a:r>
-            <a:r>
-              <a:rPr lang="es-ES" sz="2000" dirty="0" smtClean="0">
-                <a:latin typeface="Century Gothic" panose="020B0502020202020204" pitchFamily="34" charset="0"/>
-              </a:rPr>
-              <a:t>otros nodos.</a:t>
+              <a:t>Una lista es una colección de elementos llamados generalmente nodos, se relacionan por punteros o direcciones a otros nodos.</a:t>
             </a:r>
           </a:p>
           <a:p>
             <a:pPr lvl="0"/>
-            <a:endParaRPr lang="es-ES" sz="2000" dirty="0" smtClean="0">
-              <a:latin typeface="Century Gothic" panose="020B0502020202020204" pitchFamily="34" charset="0"/>
+            <a:endParaRPr lang="es-ES" sz="2000" dirty="0">
+              <a:solidFill>
+                <a:schemeClr val="bg1"/>
+              </a:solidFill>
             </a:endParaRPr>
           </a:p>
           <a:p>
@@ -3722,8 +4062,10 @@
               <a:buChar char="•"/>
             </a:pPr>
             <a:r>
-              <a:rPr lang="es-ES" dirty="0" smtClean="0">
-                <a:latin typeface="Century Gothic" panose="020B0502020202020204" pitchFamily="34" charset="0"/>
+              <a:rPr lang="es-ES" dirty="0">
+                <a:solidFill>
+                  <a:schemeClr val="bg1"/>
+                </a:solidFill>
               </a:rPr>
               <a:t>Las listas aprueban inserciones y eliminación de nodos en cualquier punto de la lista en tiempo constante, pero no permiten un acceso aleatorio.</a:t>
             </a:r>
@@ -3733,36 +4075,11 @@
               <a:buFont typeface="Arial" panose="020B0604020202020204" pitchFamily="34" charset="0"/>
               <a:buChar char="•"/>
             </a:pPr>
-            <a:r>
-              <a:rPr lang="es-ES" dirty="0" smtClean="0">
-                <a:latin typeface="Century Gothic" panose="020B0502020202020204" pitchFamily="34" charset="0"/>
-              </a:rPr>
-              <a:t>Pueden ser implementadas en muchos lenguajes, lenguajes tales como </a:t>
-            </a:r>
-            <a:r>
-              <a:rPr lang="es-ES" dirty="0" err="1" smtClean="0">
-                <a:latin typeface="Century Gothic" panose="020B0502020202020204" pitchFamily="34" charset="0"/>
-              </a:rPr>
-              <a:t>Lisp</a:t>
-            </a:r>
-            <a:r>
-              <a:rPr lang="es-ES" dirty="0" smtClean="0">
-                <a:latin typeface="Century Gothic" panose="020B0502020202020204" pitchFamily="34" charset="0"/>
-              </a:rPr>
-              <a:t> y </a:t>
-            </a:r>
-            <a:r>
-              <a:rPr lang="es-ES" dirty="0" err="1" smtClean="0">
-                <a:latin typeface="Century Gothic" panose="020B0502020202020204" pitchFamily="34" charset="0"/>
-              </a:rPr>
-              <a:t>Scheme</a:t>
-            </a:r>
-            <a:r>
-              <a:rPr lang="es-ES" dirty="0" smtClean="0">
-                <a:latin typeface="Century Gothic" panose="020B0502020202020204" pitchFamily="34" charset="0"/>
-              </a:rPr>
-              <a:t> tiene estructuras de datos ya construidas, junto con operaciones para acceder a las listas enlazadas. Lenguaje imperativos u orientados a objetos tales como C o C++ y Java, respectiva, disponen de referencias para crear lisas enlazadas. </a:t>
-            </a:r>
+            <a:endParaRPr lang="es-ES" dirty="0">
+              <a:solidFill>
+                <a:schemeClr val="bg1"/>
+              </a:solidFill>
+            </a:endParaRPr>
           </a:p>
           <a:p>
             <a:pPr marL="285750" lvl="0" indent="-285750">
@@ -3770,11 +4087,53 @@
               <a:buChar char="•"/>
             </a:pPr>
             <a:r>
-              <a:rPr lang="es-ES" dirty="0" smtClean="0">
-                <a:latin typeface="Century Gothic" panose="020B0502020202020204" pitchFamily="34" charset="0"/>
+              <a:rPr lang="es-ES" dirty="0">
+                <a:solidFill>
+                  <a:schemeClr val="bg1"/>
+                </a:solidFill>
               </a:rPr>
-              <a:t>Todos los elementos de la lista son del mismo tipo. </a:t>
-            </a:r>
+              <a:t>Pueden ser implementadas en muchos lenguajes, lenguajes tales como </a:t>
+            </a:r>
+            <a:r>
+              <a:rPr lang="es-ES" dirty="0" err="1">
+                <a:solidFill>
+                  <a:schemeClr val="bg1"/>
+                </a:solidFill>
+              </a:rPr>
+              <a:t>Lisp</a:t>
+            </a:r>
+            <a:r>
+              <a:rPr lang="es-ES" dirty="0">
+                <a:solidFill>
+                  <a:schemeClr val="bg1"/>
+                </a:solidFill>
+              </a:rPr>
+              <a:t> y </a:t>
+            </a:r>
+            <a:r>
+              <a:rPr lang="es-ES" dirty="0" err="1">
+                <a:solidFill>
+                  <a:schemeClr val="bg1"/>
+                </a:solidFill>
+              </a:rPr>
+              <a:t>Scheme</a:t>
+            </a:r>
+            <a:r>
+              <a:rPr lang="es-ES" dirty="0">
+                <a:solidFill>
+                  <a:schemeClr val="bg1"/>
+                </a:solidFill>
+              </a:rPr>
+              <a:t> tiene estructuras de datos ya construidas, junto con operaciones para acceder a las listas enlazadas. Lenguaje imperativos u orientados a objetos tales como C o C++ y Java, respectiva, disponen de referencias para crear lisas enlazadas. </a:t>
+            </a:r>
+          </a:p>
+          <a:p>
+            <a:pPr lvl="0"/>
+            <a:endParaRPr lang="es-ES" dirty="0">
+              <a:solidFill>
+                <a:schemeClr val="bg1"/>
+              </a:solidFill>
+            </a:endParaRPr>
           </a:p>
           <a:p>
             <a:pPr marL="285750" lvl="0" indent="-285750">
@@ -3782,22 +4141,55 @@
               <a:buChar char="•"/>
             </a:pPr>
             <a:r>
-              <a:rPr lang="es-ES" dirty="0" smtClean="0">
-                <a:latin typeface="Century Gothic" panose="020B0502020202020204" pitchFamily="34" charset="0"/>
+              <a:rPr lang="es-ES" dirty="0">
+                <a:solidFill>
+                  <a:schemeClr val="bg1"/>
+                </a:solidFill>
               </a:rPr>
-              <a:t>Existe un orden en los elementos, ya que es una estructura lineal, pero los elementos no están ordenados por su valor sino por la posición en que se han insertado.</a:t>
-            </a:r>
-          </a:p>
+              <a:t>Todos los elementos de la lista son del mismo tipo. </a:t>
+            </a:r>
+          </a:p>
+        </p:txBody>
+      </p:sp>
+      <p:sp>
+        <p:nvSpPr>
+          <p:cNvPr id="7" name="CuadroTexto 6">
+            <a:extLst>
+              <a:ext uri="{FF2B5EF4-FFF2-40B4-BE49-F238E27FC236}">
+                <a16:creationId xmlns:a16="http://schemas.microsoft.com/office/drawing/2014/main" id="{F482D9AC-0886-4F8A-91D0-D2EEE57AFBA3}"/>
+              </a:ext>
+            </a:extLst>
+          </p:cNvPr>
+          <p:cNvSpPr txBox="1"/>
+          <p:nvPr/>
+        </p:nvSpPr>
+        <p:spPr>
+          <a:xfrm>
+            <a:off x="6207617" y="1502211"/>
+            <a:ext cx="6098146" cy="2585323"/>
+          </a:xfrm>
+          <a:prstGeom prst="rect">
+            <a:avLst/>
+          </a:prstGeom>
+          <a:noFill/>
+        </p:spPr>
+        <p:txBody>
+          <a:bodyPr wrap="square">
+            <a:spAutoFit/>
+          </a:bodyPr>
+          <a:lstStyle/>
           <a:p>
             <a:pPr marL="285750" lvl="0" indent="-285750">
               <a:buFont typeface="Arial" panose="020B0604020202020204" pitchFamily="34" charset="0"/>
               <a:buChar char="•"/>
             </a:pPr>
             <a:r>
-              <a:rPr lang="es-ES" dirty="0" smtClean="0">
-                <a:latin typeface="Century Gothic" panose="020B0502020202020204" pitchFamily="34" charset="0"/>
+              <a:rPr lang="es-ES" dirty="0">
+                <a:solidFill>
+                  <a:schemeClr val="bg1"/>
+                </a:solidFill>
               </a:rPr>
-              <a:t>Para cada elemento existe un anterior y un siguiente, excepto para el primero, que no tiene anterior, y para el último, que no tiene siguiente.</a:t>
+              <a:t>Existe un orden en los elementos, ya que es una estructura lineal, pero los elementos no están ordenados por su valor sino por la posición en que se han insertado.</a:t>
             </a:r>
           </a:p>
           <a:p>
@@ -3805,15 +4197,50 @@
               <a:buFont typeface="Arial" panose="020B0604020202020204" pitchFamily="34" charset="0"/>
               <a:buChar char="•"/>
             </a:pPr>
-            <a:r>
-              <a:rPr lang="es-ES" dirty="0" smtClean="0">
-                <a:latin typeface="Century Gothic" panose="020B0502020202020204" pitchFamily="34" charset="0"/>
+            <a:endParaRPr lang="es-ES" dirty="0">
+              <a:solidFill>
+                <a:schemeClr val="bg1"/>
+              </a:solidFill>
+            </a:endParaRPr>
+          </a:p>
+          <a:p>
+            <a:pPr marL="285750" lvl="0" indent="-285750">
+              <a:buFont typeface="Arial" panose="020B0604020202020204" pitchFamily="34" charset="0"/>
+              <a:buChar char="•"/>
+            </a:pPr>
+            <a:r>
+              <a:rPr lang="es-ES" dirty="0">
+                <a:solidFill>
+                  <a:schemeClr val="bg1"/>
+                </a:solidFill>
+              </a:rPr>
+              <a:t>Para cada elemento existe un anterior y un siguiente, excepto para el primero, que no tiene anterior, y para el último, que no tiene siguiente.</a:t>
+            </a:r>
+          </a:p>
+          <a:p>
+            <a:pPr marL="285750" lvl="0" indent="-285750">
+              <a:buFont typeface="Arial" panose="020B0604020202020204" pitchFamily="34" charset="0"/>
+              <a:buChar char="•"/>
+            </a:pPr>
+            <a:endParaRPr lang="es-ES" dirty="0">
+              <a:solidFill>
+                <a:schemeClr val="bg1"/>
+              </a:solidFill>
+            </a:endParaRPr>
+          </a:p>
+          <a:p>
+            <a:pPr marL="285750" lvl="0" indent="-285750">
+              <a:buFont typeface="Arial" panose="020B0604020202020204" pitchFamily="34" charset="0"/>
+              <a:buChar char="•"/>
+            </a:pPr>
+            <a:r>
+              <a:rPr lang="es-ES" dirty="0">
+                <a:solidFill>
+                  <a:schemeClr val="bg1"/>
+                </a:solidFill>
               </a:rPr>
               <a:t>Se puede acceder y eliminar cualquier elemento. </a:t>
             </a:r>
-            <a:endParaRPr lang="es-ES" dirty="0">
-              <a:latin typeface="Century Gothic" panose="020B0502020202020204" pitchFamily="34" charset="0"/>
-            </a:endParaRPr>
           </a:p>
         </p:txBody>
       </p:sp>
@@ -3827,13 +4254,445 @@
   <p:clrMapOvr>
     <a:masterClrMapping/>
   </p:clrMapOvr>
-  <p:timing>
-    <p:tnLst>
-      <p:par>
-        <p:cTn id="1" dur="indefinite" restart="never" nodeType="tmRoot"/>
-      </p:par>
-    </p:tnLst>
-  </p:timing>
+  <mc:AlternateContent xmlns:mc="http://schemas.openxmlformats.org/markup-compatibility/2006">
+    <mc:Choice xmlns:p159="http://schemas.microsoft.com/office/powerpoint/2015/09/main" Requires="p159">
+      <p:transition xmlns:p14="http://schemas.microsoft.com/office/powerpoint/2010/main" spd="slow" p14:dur="2000">
+        <p159:morph option="byObject"/>
+      </p:transition>
+    </mc:Choice>
+    <mc:Fallback>
+      <p:transition spd="slow">
+        <p:fade/>
+      </p:transition>
+    </mc:Fallback>
+  </mc:AlternateContent>
+</p:sld>
+</file>
+
+<file path=ppt/slides/slide4.xml><?xml version="1.0" encoding="utf-8"?>
+<p:sld xmlns:a="http://schemas.openxmlformats.org/drawingml/2006/main" xmlns:r="http://schemas.openxmlformats.org/officeDocument/2006/relationships" xmlns:p="http://schemas.openxmlformats.org/presentationml/2006/main">
+  <p:cSld>
+    <p:bg>
+      <p:bgPr>
+        <a:solidFill>
+          <a:srgbClr val="0A0928"/>
+        </a:solidFill>
+        <a:effectLst/>
+      </p:bgPr>
+    </p:bg>
+    <p:spTree>
+      <p:nvGrpSpPr>
+        <p:cNvPr id="1" name=""/>
+        <p:cNvGrpSpPr/>
+        <p:nvPr/>
+      </p:nvGrpSpPr>
+      <p:grpSpPr>
+        <a:xfrm>
+          <a:off x="0" y="0"/>
+          <a:ext cx="0" cy="0"/>
+          <a:chOff x="0" y="0"/>
+          <a:chExt cx="0" cy="0"/>
+        </a:xfrm>
+      </p:grpSpPr>
+      <p:pic>
+        <p:nvPicPr>
+          <p:cNvPr id="10" name="Picture 2" descr="Programación (lógica y creatividad))">
+            <a:extLst>
+              <a:ext uri="{FF2B5EF4-FFF2-40B4-BE49-F238E27FC236}">
+                <a16:creationId xmlns:a16="http://schemas.microsoft.com/office/drawing/2014/main" id="{6102F3EC-7B40-4715-A5FF-469B216266E7}"/>
+              </a:ext>
+            </a:extLst>
+          </p:cNvPr>
+          <p:cNvPicPr>
+            <a:picLocks noChangeAspect="1" noChangeArrowheads="1"/>
+          </p:cNvPicPr>
+          <p:nvPr/>
+        </p:nvPicPr>
+        <p:blipFill rotWithShape="1">
+          <a:blip r:embed="rId2">
+            <a:extLst>
+              <a:ext uri="{28A0092B-C50C-407E-A947-70E740481C1C}">
+                <a14:useLocalDpi xmlns:a14="http://schemas.microsoft.com/office/drawing/2010/main" val="0"/>
+              </a:ext>
+            </a:extLst>
+          </a:blip>
+          <a:srcRect r="34631"/>
+          <a:stretch/>
+        </p:blipFill>
+        <p:spPr bwMode="auto">
+          <a:xfrm>
+            <a:off x="3786386" y="0"/>
+            <a:ext cx="8405614" cy="6858000"/>
+          </a:xfrm>
+          <a:prstGeom prst="rect">
+            <a:avLst/>
+          </a:prstGeom>
+          <a:noFill/>
+          <a:extLst>
+            <a:ext uri="{909E8E84-426E-40DD-AFC4-6F175D3DCCD1}">
+              <a14:hiddenFill xmlns:a14="http://schemas.microsoft.com/office/drawing/2010/main">
+                <a:solidFill>
+                  <a:srgbClr val="FFFFFF"/>
+                </a:solidFill>
+              </a14:hiddenFill>
+            </a:ext>
+          </a:extLst>
+        </p:spPr>
+      </p:pic>
+      <p:sp>
+        <p:nvSpPr>
+          <p:cNvPr id="2" name="CuadroTexto 1">
+            <a:extLst>
+              <a:ext uri="{FF2B5EF4-FFF2-40B4-BE49-F238E27FC236}">
+                <a16:creationId xmlns:a16="http://schemas.microsoft.com/office/drawing/2014/main" id="{7C4AD0E2-A8E1-4057-AEB6-A34959AFE323}"/>
+              </a:ext>
+            </a:extLst>
+          </p:cNvPr>
+          <p:cNvSpPr txBox="1"/>
+          <p:nvPr/>
+        </p:nvSpPr>
+        <p:spPr>
+          <a:xfrm>
+            <a:off x="554863" y="736606"/>
+            <a:ext cx="3335629" cy="523220"/>
+          </a:xfrm>
+          <a:prstGeom prst="rect">
+            <a:avLst/>
+          </a:prstGeom>
+          <a:noFill/>
+        </p:spPr>
+        <p:txBody>
+          <a:bodyPr wrap="square" rtlCol="0">
+            <a:spAutoFit/>
+          </a:bodyPr>
+          <a:lstStyle/>
+          <a:p>
+            <a:r>
+              <a:rPr lang="es-MX" sz="2800" b="1" dirty="0">
+                <a:solidFill>
+                  <a:schemeClr val="bg1"/>
+                </a:solidFill>
+              </a:rPr>
+              <a:t>Aplicaciones y usos </a:t>
+            </a:r>
+          </a:p>
+        </p:txBody>
+      </p:sp>
+      <p:sp>
+        <p:nvSpPr>
+          <p:cNvPr id="3" name="CuadroTexto 2">
+            <a:extLst>
+              <a:ext uri="{FF2B5EF4-FFF2-40B4-BE49-F238E27FC236}">
+                <a16:creationId xmlns:a16="http://schemas.microsoft.com/office/drawing/2014/main" id="{01F67C0E-9576-4A91-BCF6-A23A181B9D46}"/>
+              </a:ext>
+            </a:extLst>
+          </p:cNvPr>
+          <p:cNvSpPr txBox="1"/>
+          <p:nvPr/>
+        </p:nvSpPr>
+        <p:spPr>
+          <a:xfrm>
+            <a:off x="554864" y="1464159"/>
+            <a:ext cx="5602312" cy="1477328"/>
+          </a:xfrm>
+          <a:prstGeom prst="rect">
+            <a:avLst/>
+          </a:prstGeom>
+          <a:noFill/>
+        </p:spPr>
+        <p:txBody>
+          <a:bodyPr wrap="square" rtlCol="0">
+            <a:spAutoFit/>
+          </a:bodyPr>
+          <a:lstStyle/>
+          <a:p>
+            <a:r>
+              <a:rPr lang="es-MX" dirty="0">
+                <a:solidFill>
+                  <a:schemeClr val="bg1"/>
+                </a:solidFill>
+              </a:rPr>
+              <a:t>El uso y aplicaciones que tienen estas estructuras de datos son muy amplias, tanto así que según el tipo de lista que usemos serán las aplicaciones a efectuar. A modo general podemos desglosar los siguientes usos y aplicaciones.</a:t>
+            </a:r>
+          </a:p>
+        </p:txBody>
+      </p:sp>
+      <p:sp>
+        <p:nvSpPr>
+          <p:cNvPr id="5" name="CuadroTexto 4">
+            <a:extLst>
+              <a:ext uri="{FF2B5EF4-FFF2-40B4-BE49-F238E27FC236}">
+                <a16:creationId xmlns:a16="http://schemas.microsoft.com/office/drawing/2014/main" id="{DA98A6B8-0DC6-45F2-B652-B3AAF1015E48}"/>
+              </a:ext>
+            </a:extLst>
+          </p:cNvPr>
+          <p:cNvSpPr txBox="1"/>
+          <p:nvPr/>
+        </p:nvSpPr>
+        <p:spPr>
+          <a:xfrm>
+            <a:off x="605305" y="3675778"/>
+            <a:ext cx="6362163" cy="1200329"/>
+          </a:xfrm>
+          <a:prstGeom prst="rect">
+            <a:avLst/>
+          </a:prstGeom>
+          <a:noFill/>
+        </p:spPr>
+        <p:txBody>
+          <a:bodyPr wrap="square" rtlCol="0">
+            <a:spAutoFit/>
+          </a:bodyPr>
+          <a:lstStyle/>
+          <a:p>
+            <a:r>
+              <a:rPr lang="es-MX" dirty="0">
+                <a:solidFill>
+                  <a:schemeClr val="bg1"/>
+                </a:solidFill>
+              </a:rPr>
+              <a:t>Listas sencillas:</a:t>
+            </a:r>
+          </a:p>
+          <a:p>
+            <a:pPr marL="285750" indent="-285750">
+              <a:buFont typeface="Arial" panose="020B0604020202020204" pitchFamily="34" charset="0"/>
+              <a:buChar char="•"/>
+            </a:pPr>
+            <a:r>
+              <a:rPr lang="es-MX" dirty="0">
+                <a:solidFill>
+                  <a:schemeClr val="bg1"/>
+                </a:solidFill>
+              </a:rPr>
+              <a:t>Cronogramas de actividades </a:t>
+            </a:r>
+          </a:p>
+          <a:p>
+            <a:pPr marL="285750" indent="-285750">
+              <a:buFont typeface="Arial" panose="020B0604020202020204" pitchFamily="34" charset="0"/>
+              <a:buChar char="•"/>
+            </a:pPr>
+            <a:r>
+              <a:rPr lang="es-MX" dirty="0">
+                <a:solidFill>
+                  <a:schemeClr val="bg1"/>
+                </a:solidFill>
+              </a:rPr>
+              <a:t>Hallar elementos de una fila de personas</a:t>
+            </a:r>
+          </a:p>
+          <a:p>
+            <a:pPr marL="285750" indent="-285750">
+              <a:buFont typeface="Arial" panose="020B0604020202020204" pitchFamily="34" charset="0"/>
+              <a:buChar char="•"/>
+            </a:pPr>
+            <a:r>
+              <a:rPr lang="es-MX" dirty="0">
+                <a:solidFill>
+                  <a:schemeClr val="bg1"/>
+                </a:solidFill>
+              </a:rPr>
+              <a:t>Listas de compras</a:t>
+            </a:r>
+          </a:p>
+        </p:txBody>
+      </p:sp>
+      <p:sp>
+        <p:nvSpPr>
+          <p:cNvPr id="7" name="CuadroTexto 6">
+            <a:extLst>
+              <a:ext uri="{FF2B5EF4-FFF2-40B4-BE49-F238E27FC236}">
+                <a16:creationId xmlns:a16="http://schemas.microsoft.com/office/drawing/2014/main" id="{4A79BCC6-D2DF-4A84-8F95-E251EFEAAD54}"/>
+              </a:ext>
+            </a:extLst>
+          </p:cNvPr>
+          <p:cNvSpPr txBox="1"/>
+          <p:nvPr/>
+        </p:nvSpPr>
+        <p:spPr>
+          <a:xfrm>
+            <a:off x="605305" y="5073702"/>
+            <a:ext cx="6362163" cy="1200329"/>
+          </a:xfrm>
+          <a:prstGeom prst="rect">
+            <a:avLst/>
+          </a:prstGeom>
+          <a:noFill/>
+        </p:spPr>
+        <p:txBody>
+          <a:bodyPr wrap="square" rtlCol="0">
+            <a:spAutoFit/>
+          </a:bodyPr>
+          <a:lstStyle/>
+          <a:p>
+            <a:r>
+              <a:rPr lang="es-MX" dirty="0">
+                <a:solidFill>
+                  <a:schemeClr val="bg1"/>
+                </a:solidFill>
+              </a:rPr>
+              <a:t>Listas dobles:</a:t>
+            </a:r>
+          </a:p>
+          <a:p>
+            <a:pPr marL="285750" indent="-285750">
+              <a:buFont typeface="Arial" panose="020B0604020202020204" pitchFamily="34" charset="0"/>
+              <a:buChar char="•"/>
+            </a:pPr>
+            <a:r>
+              <a:rPr lang="es-MX" dirty="0">
+                <a:solidFill>
+                  <a:schemeClr val="bg1"/>
+                </a:solidFill>
+              </a:rPr>
+              <a:t>Medidor de combustible de un carro</a:t>
+            </a:r>
+          </a:p>
+          <a:p>
+            <a:pPr marL="285750" indent="-285750">
+              <a:buFont typeface="Arial" panose="020B0604020202020204" pitchFamily="34" charset="0"/>
+              <a:buChar char="•"/>
+            </a:pPr>
+            <a:r>
+              <a:rPr lang="es-MX" dirty="0">
+                <a:solidFill>
+                  <a:schemeClr val="bg1"/>
+                </a:solidFill>
+              </a:rPr>
+              <a:t>Almacenar información para un carrusel de imágenes</a:t>
+            </a:r>
+          </a:p>
+          <a:p>
+            <a:pPr marL="285750" indent="-285750">
+              <a:buFont typeface="Arial" panose="020B0604020202020204" pitchFamily="34" charset="0"/>
+              <a:buChar char="•"/>
+            </a:pPr>
+            <a:r>
+              <a:rPr lang="es-MX" dirty="0">
+                <a:solidFill>
+                  <a:schemeClr val="bg1"/>
+                </a:solidFill>
+              </a:rPr>
+              <a:t>Almacenar información para botones adelante y atrás</a:t>
+            </a:r>
+          </a:p>
+        </p:txBody>
+      </p:sp>
+      <p:sp>
+        <p:nvSpPr>
+          <p:cNvPr id="9" name="CuadroTexto 8">
+            <a:extLst>
+              <a:ext uri="{FF2B5EF4-FFF2-40B4-BE49-F238E27FC236}">
+                <a16:creationId xmlns:a16="http://schemas.microsoft.com/office/drawing/2014/main" id="{8E92587F-C28A-441E-A93F-1A3B97AEEE02}"/>
+              </a:ext>
+            </a:extLst>
+          </p:cNvPr>
+          <p:cNvSpPr txBox="1"/>
+          <p:nvPr/>
+        </p:nvSpPr>
+        <p:spPr>
+          <a:xfrm>
+            <a:off x="6096000" y="3675778"/>
+            <a:ext cx="6362163" cy="1477328"/>
+          </a:xfrm>
+          <a:prstGeom prst="rect">
+            <a:avLst/>
+          </a:prstGeom>
+          <a:noFill/>
+        </p:spPr>
+        <p:txBody>
+          <a:bodyPr wrap="square" rtlCol="0">
+            <a:spAutoFit/>
+          </a:bodyPr>
+          <a:lstStyle/>
+          <a:p>
+            <a:r>
+              <a:rPr lang="es-MX" dirty="0">
+                <a:solidFill>
+                  <a:schemeClr val="bg1"/>
+                </a:solidFill>
+              </a:rPr>
+              <a:t>Listas circulares:</a:t>
+            </a:r>
+          </a:p>
+          <a:p>
+            <a:pPr marL="285750" indent="-285750">
+              <a:buFont typeface="Arial" panose="020B0604020202020204" pitchFamily="34" charset="0"/>
+              <a:buChar char="•"/>
+            </a:pPr>
+            <a:r>
+              <a:rPr lang="es-MX" dirty="0">
+                <a:solidFill>
+                  <a:schemeClr val="bg1"/>
+                </a:solidFill>
+              </a:rPr>
+              <a:t>Canales de televisión</a:t>
+            </a:r>
+          </a:p>
+          <a:p>
+            <a:pPr marL="285750" indent="-285750">
+              <a:buFont typeface="Arial" panose="020B0604020202020204" pitchFamily="34" charset="0"/>
+              <a:buChar char="•"/>
+            </a:pPr>
+            <a:r>
+              <a:rPr lang="es-MX" dirty="0">
+                <a:solidFill>
+                  <a:schemeClr val="bg1"/>
+                </a:solidFill>
+              </a:rPr>
+              <a:t>Simulaciones cíclicas como el clima</a:t>
+            </a:r>
+          </a:p>
+          <a:p>
+            <a:pPr marL="285750" indent="-285750">
+              <a:buFont typeface="Arial" panose="020B0604020202020204" pitchFamily="34" charset="0"/>
+              <a:buChar char="•"/>
+            </a:pPr>
+            <a:r>
+              <a:rPr lang="es-MX" dirty="0">
+                <a:solidFill>
+                  <a:schemeClr val="bg1"/>
+                </a:solidFill>
+              </a:rPr>
+              <a:t>Funcionamiento de un reloj</a:t>
+            </a:r>
+          </a:p>
+          <a:p>
+            <a:pPr marL="285750" indent="-285750">
+              <a:buFont typeface="Arial" panose="020B0604020202020204" pitchFamily="34" charset="0"/>
+              <a:buChar char="•"/>
+            </a:pPr>
+            <a:endParaRPr lang="es-MX" dirty="0">
+              <a:solidFill>
+                <a:schemeClr val="bg1"/>
+              </a:solidFill>
+            </a:endParaRPr>
+          </a:p>
+        </p:txBody>
+      </p:sp>
+    </p:spTree>
+    <p:extLst>
+      <p:ext uri="{BB962C8B-B14F-4D97-AF65-F5344CB8AC3E}">
+        <p14:creationId xmlns:p14="http://schemas.microsoft.com/office/powerpoint/2010/main" val="3417466748"/>
+      </p:ext>
+    </p:extLst>
+  </p:cSld>
+  <p:clrMapOvr>
+    <a:masterClrMapping/>
+  </p:clrMapOvr>
+  <mc:AlternateContent xmlns:mc="http://schemas.openxmlformats.org/markup-compatibility/2006">
+    <mc:Choice xmlns:p14="http://schemas.microsoft.com/office/powerpoint/2010/main" Requires="p14">
+      <p:transition spd="slow" p14:dur="2000">
+        <p14:ferris dir="l"/>
+      </p:transition>
+    </mc:Choice>
+    <mc:Fallback>
+      <p:transition spd="slow">
+        <p:fade/>
+      </p:transition>
+    </mc:Fallback>
+  </mc:AlternateContent>
 </p:sld>
 </file>
 

--- a/Expo/Expo_Listas.pptx
+++ b/Expo/Expo_Listas.pptx
@@ -8,7 +8,8 @@
     <p:sldId id="256" r:id="rId2"/>
     <p:sldId id="257" r:id="rId3"/>
     <p:sldId id="258" r:id="rId4"/>
-    <p:sldId id="259" r:id="rId5"/>
+    <p:sldId id="260" r:id="rId5"/>
+    <p:sldId id="259" r:id="rId6"/>
   </p:sldIdLst>
   <p:sldSz cx="12192000" cy="6858000"/>
   <p:notesSz cx="6858000" cy="9144000"/>
@@ -3777,13 +3778,13 @@
   <p:clrMapOvr>
     <a:masterClrMapping/>
   </p:clrMapOvr>
-  <mc:AlternateContent xmlns:mc="http://schemas.openxmlformats.org/markup-compatibility/2006">
-    <mc:Choice xmlns:p159="http://schemas.microsoft.com/office/powerpoint/2015/09/main" Requires="p159">
+  <mc:AlternateContent xmlns:mc="http://schemas.openxmlformats.org/markup-compatibility/2006" xmlns:p159="http://schemas.microsoft.com/office/powerpoint/2015/09/main">
+    <mc:Choice Requires="p159">
       <p:transition xmlns:p14="http://schemas.microsoft.com/office/powerpoint/2010/main" spd="slow" p14:dur="2000">
         <p159:morph option="byObject"/>
       </p:transition>
     </mc:Choice>
-    <mc:Fallback>
+    <mc:Fallback xmlns="">
       <p:transition spd="slow">
         <p:fade/>
       </p:transition>
@@ -4254,13 +4255,13 @@
   <p:clrMapOvr>
     <a:masterClrMapping/>
   </p:clrMapOvr>
-  <mc:AlternateContent xmlns:mc="http://schemas.openxmlformats.org/markup-compatibility/2006">
-    <mc:Choice xmlns:p159="http://schemas.microsoft.com/office/powerpoint/2015/09/main" Requires="p159">
+  <mc:AlternateContent xmlns:mc="http://schemas.openxmlformats.org/markup-compatibility/2006" xmlns:p159="http://schemas.microsoft.com/office/powerpoint/2015/09/main">
+    <mc:Choice Requires="p159">
       <p:transition xmlns:p14="http://schemas.microsoft.com/office/powerpoint/2010/main" spd="slow" p14:dur="2000">
         <p159:morph option="byObject"/>
       </p:transition>
     </mc:Choice>
-    <mc:Fallback>
+    <mc:Fallback xmlns="">
       <p:transition spd="slow">
         <p:fade/>
       </p:transition>
@@ -4270,6 +4271,71 @@
 </file>
 
 <file path=ppt/slides/slide4.xml><?xml version="1.0" encoding="utf-8"?>
+<p:sld xmlns:a="http://schemas.openxmlformats.org/drawingml/2006/main" xmlns:r="http://schemas.openxmlformats.org/officeDocument/2006/relationships" xmlns:p="http://schemas.openxmlformats.org/presentationml/2006/main">
+  <p:cSld>
+    <p:spTree>
+      <p:nvGrpSpPr>
+        <p:cNvPr id="1" name=""/>
+        <p:cNvGrpSpPr/>
+        <p:nvPr/>
+      </p:nvGrpSpPr>
+      <p:grpSpPr>
+        <a:xfrm>
+          <a:off x="0" y="0"/>
+          <a:ext cx="0" cy="0"/>
+          <a:chOff x="0" y="0"/>
+          <a:chExt cx="0" cy="0"/>
+        </a:xfrm>
+      </p:grpSpPr>
+      <p:sp>
+        <p:nvSpPr>
+          <p:cNvPr id="2" name="CuadroTexto 1">
+            <a:extLst>
+              <a:ext uri="{FF2B5EF4-FFF2-40B4-BE49-F238E27FC236}">
+                <a16:creationId xmlns:a16="http://schemas.microsoft.com/office/drawing/2014/main" id="{6FB4BC07-7EA8-4EDB-A0DE-498DC2F8B992}"/>
+              </a:ext>
+            </a:extLst>
+          </p:cNvPr>
+          <p:cNvSpPr txBox="1"/>
+          <p:nvPr/>
+        </p:nvSpPr>
+        <p:spPr>
+          <a:xfrm>
+            <a:off x="1232452" y="622852"/>
+            <a:ext cx="3631096" cy="369332"/>
+          </a:xfrm>
+          <a:prstGeom prst="rect">
+            <a:avLst/>
+          </a:prstGeom>
+          <a:noFill/>
+        </p:spPr>
+        <p:txBody>
+          <a:bodyPr wrap="square" rtlCol="0">
+            <a:spAutoFit/>
+          </a:bodyPr>
+          <a:lstStyle/>
+          <a:p>
+            <a:r>
+              <a:rPr lang="es-MX" dirty="0"/>
+              <a:t>Ventajas y desventajas</a:t>
+            </a:r>
+          </a:p>
+        </p:txBody>
+      </p:sp>
+    </p:spTree>
+    <p:extLst>
+      <p:ext uri="{BB962C8B-B14F-4D97-AF65-F5344CB8AC3E}">
+        <p14:creationId xmlns:p14="http://schemas.microsoft.com/office/powerpoint/2010/main" val="3334425124"/>
+      </p:ext>
+    </p:extLst>
+  </p:cSld>
+  <p:clrMapOvr>
+    <a:masterClrMapping/>
+  </p:clrMapOvr>
+</p:sld>
+</file>
+
+<file path=ppt/slides/slide5.xml><?xml version="1.0" encoding="utf-8"?>
 <p:sld xmlns:a="http://schemas.openxmlformats.org/drawingml/2006/main" xmlns:r="http://schemas.openxmlformats.org/officeDocument/2006/relationships" xmlns:p="http://schemas.openxmlformats.org/presentationml/2006/main">
   <p:cSld>
     <p:bg>
@@ -4681,13 +4747,13 @@
   <p:clrMapOvr>
     <a:masterClrMapping/>
   </p:clrMapOvr>
-  <mc:AlternateContent xmlns:mc="http://schemas.openxmlformats.org/markup-compatibility/2006">
-    <mc:Choice xmlns:p14="http://schemas.microsoft.com/office/powerpoint/2010/main" Requires="p14">
+  <mc:AlternateContent xmlns:mc="http://schemas.openxmlformats.org/markup-compatibility/2006" xmlns:p14="http://schemas.microsoft.com/office/powerpoint/2010/main">
+    <mc:Choice Requires="p14">
       <p:transition spd="slow" p14:dur="2000">
         <p14:ferris dir="l"/>
       </p:transition>
     </mc:Choice>
-    <mc:Fallback>
+    <mc:Fallback xmlns="">
       <p:transition spd="slow">
         <p:fade/>
       </p:transition>

--- a/Expo/Expo_Listas.pptx
+++ b/Expo/Expo_Listas.pptx
@@ -9,7 +9,8 @@
     <p:sldId id="257" r:id="rId3"/>
     <p:sldId id="258" r:id="rId4"/>
     <p:sldId id="260" r:id="rId5"/>
-    <p:sldId id="259" r:id="rId6"/>
+    <p:sldId id="261" r:id="rId6"/>
+    <p:sldId id="259" r:id="rId7"/>
   </p:sldIdLst>
   <p:sldSz cx="12192000" cy="6858000"/>
   <p:notesSz cx="6858000" cy="9144000"/>
@@ -4301,8 +4302,8 @@
         </p:nvSpPr>
         <p:spPr>
           <a:xfrm>
-            <a:off x="1232452" y="622852"/>
-            <a:ext cx="3631096" cy="369332"/>
+            <a:off x="671342" y="459912"/>
+            <a:ext cx="3631096" cy="461665"/>
           </a:xfrm>
           <a:prstGeom prst="rect">
             <a:avLst/>
@@ -4316,12 +4317,185 @@
           <a:lstStyle/>
           <a:p>
             <a:r>
-              <a:rPr lang="es-MX" dirty="0"/>
-              <a:t>Ventajas y desventajas</a:t>
-            </a:r>
-          </a:p>
-        </p:txBody>
-      </p:sp>
+              <a:rPr lang="es-MX" sz="2400" b="1" dirty="0">
+                <a:latin typeface="Arial" panose="020B0604020202020204" pitchFamily="34" charset="0"/>
+                <a:cs typeface="Arial" panose="020B0604020202020204" pitchFamily="34" charset="0"/>
+              </a:rPr>
+              <a:t>Ventajas</a:t>
+            </a:r>
+          </a:p>
+        </p:txBody>
+      </p:sp>
+      <p:sp>
+        <p:nvSpPr>
+          <p:cNvPr id="3" name="CuadroTexto 2">
+            <a:extLst>
+              <a:ext uri="{FF2B5EF4-FFF2-40B4-BE49-F238E27FC236}">
+                <a16:creationId xmlns:a16="http://schemas.microsoft.com/office/drawing/2014/main" id="{9EABA929-D6BA-4285-8615-D9C35851968E}"/>
+              </a:ext>
+            </a:extLst>
+          </p:cNvPr>
+          <p:cNvSpPr txBox="1"/>
+          <p:nvPr/>
+        </p:nvSpPr>
+        <p:spPr>
+          <a:xfrm>
+            <a:off x="671342" y="1245980"/>
+            <a:ext cx="10168935" cy="3170099"/>
+          </a:xfrm>
+          <a:prstGeom prst="rect">
+            <a:avLst/>
+          </a:prstGeom>
+          <a:noFill/>
+        </p:spPr>
+        <p:txBody>
+          <a:bodyPr wrap="square" rtlCol="0">
+            <a:spAutoFit/>
+          </a:bodyPr>
+          <a:lstStyle/>
+          <a:p>
+            <a:pPr marL="285750" indent="-285750" algn="just">
+              <a:buFont typeface="Wingdings" panose="05000000000000000000" pitchFamily="2" charset="2"/>
+              <a:buChar char="Ø"/>
+            </a:pPr>
+            <a:r>
+              <a:rPr lang="es-MX" sz="2000" dirty="0">
+                <a:latin typeface="Arial" panose="020B0604020202020204" pitchFamily="34" charset="0"/>
+                <a:cs typeface="Arial" panose="020B0604020202020204" pitchFamily="34" charset="0"/>
+              </a:rPr>
+              <a:t>Son dinámicas, se pueden almacenar en ellas los elementos que sean necesarios siempre y cuando haya espacio suficiente en la computadora.</a:t>
+            </a:r>
+          </a:p>
+          <a:p>
+            <a:pPr algn="just"/>
+            <a:endParaRPr lang="es-MX" sz="1000" dirty="0">
+              <a:latin typeface="Arial" panose="020B0604020202020204" pitchFamily="34" charset="0"/>
+              <a:cs typeface="Arial" panose="020B0604020202020204" pitchFamily="34" charset="0"/>
+            </a:endParaRPr>
+          </a:p>
+          <a:p>
+            <a:pPr marL="285750" indent="-285750" algn="just">
+              <a:buFont typeface="Wingdings" panose="05000000000000000000" pitchFamily="2" charset="2"/>
+              <a:buChar char="Ø"/>
+            </a:pPr>
+            <a:r>
+              <a:rPr lang="es-MX" sz="2000" dirty="0">
+                <a:latin typeface="Arial" panose="020B0604020202020204" pitchFamily="34" charset="0"/>
+                <a:cs typeface="Arial" panose="020B0604020202020204" pitchFamily="34" charset="0"/>
+              </a:rPr>
+              <a:t>Al insertar un elemento, la operación tiene un tiempo constante independientemente de la posición en la que se inserto.</a:t>
+            </a:r>
+          </a:p>
+          <a:p>
+            <a:pPr algn="just"/>
+            <a:endParaRPr lang="es-MX" sz="1000" dirty="0">
+              <a:latin typeface="Arial" panose="020B0604020202020204" pitchFamily="34" charset="0"/>
+              <a:cs typeface="Arial" panose="020B0604020202020204" pitchFamily="34" charset="0"/>
+            </a:endParaRPr>
+          </a:p>
+          <a:p>
+            <a:pPr marL="285750" indent="-285750" algn="just">
+              <a:buFont typeface="Wingdings" panose="05000000000000000000" pitchFamily="2" charset="2"/>
+              <a:buChar char="Ø"/>
+            </a:pPr>
+            <a:r>
+              <a:rPr lang="es-MX" sz="2000" dirty="0">
+                <a:latin typeface="Arial" panose="020B0604020202020204" pitchFamily="34" charset="0"/>
+                <a:cs typeface="Arial" panose="020B0604020202020204" pitchFamily="34" charset="0"/>
+              </a:rPr>
+              <a:t>Al eliminar un elemento sucede el punto anterior.</a:t>
+            </a:r>
+          </a:p>
+          <a:p>
+            <a:pPr marL="285750" indent="-285750" algn="just">
+              <a:buFont typeface="Wingdings" panose="05000000000000000000" pitchFamily="2" charset="2"/>
+              <a:buChar char="Ø"/>
+            </a:pPr>
+            <a:endParaRPr lang="es-MX" sz="1000" dirty="0">
+              <a:latin typeface="Arial" panose="020B0604020202020204" pitchFamily="34" charset="0"/>
+              <a:cs typeface="Arial" panose="020B0604020202020204" pitchFamily="34" charset="0"/>
+            </a:endParaRPr>
+          </a:p>
+          <a:p>
+            <a:pPr marL="285750" indent="-285750" algn="just">
+              <a:buFont typeface="Wingdings" panose="05000000000000000000" pitchFamily="2" charset="2"/>
+              <a:buChar char="Ø"/>
+            </a:pPr>
+            <a:r>
+              <a:rPr lang="es-MX" sz="2000" dirty="0">
+                <a:latin typeface="Arial" panose="020B0604020202020204" pitchFamily="34" charset="0"/>
+                <a:cs typeface="Arial" panose="020B0604020202020204" pitchFamily="34" charset="0"/>
+              </a:rPr>
+              <a:t>No es preciso conocer la cantidad de elementos en tiempo de compilación.</a:t>
+            </a:r>
+          </a:p>
+          <a:p>
+            <a:pPr marL="285750" indent="-285750" algn="just">
+              <a:buFont typeface="Wingdings" panose="05000000000000000000" pitchFamily="2" charset="2"/>
+              <a:buChar char="Ø"/>
+            </a:pPr>
+            <a:endParaRPr lang="es-MX" sz="1000" dirty="0">
+              <a:latin typeface="Arial" panose="020B0604020202020204" pitchFamily="34" charset="0"/>
+              <a:cs typeface="Arial" panose="020B0604020202020204" pitchFamily="34" charset="0"/>
+            </a:endParaRPr>
+          </a:p>
+          <a:p>
+            <a:pPr marL="285750" indent="-285750" algn="just">
+              <a:buFont typeface="Wingdings" panose="05000000000000000000" pitchFamily="2" charset="2"/>
+              <a:buChar char="Ø"/>
+            </a:pPr>
+            <a:r>
+              <a:rPr lang="es-MX" sz="2000" dirty="0">
+                <a:latin typeface="Arial" panose="020B0604020202020204" pitchFamily="34" charset="0"/>
+                <a:cs typeface="Arial" panose="020B0604020202020204" pitchFamily="34" charset="0"/>
+              </a:rPr>
+              <a:t>Las inserciones  y eliminaciones no implican realizar corrimientos de los elementos de la lista.</a:t>
+            </a:r>
+          </a:p>
+        </p:txBody>
+      </p:sp>
+      <p:pic>
+        <p:nvPicPr>
+          <p:cNvPr id="4" name="Imagen 3">
+            <a:extLst>
+              <a:ext uri="{FF2B5EF4-FFF2-40B4-BE49-F238E27FC236}">
+                <a16:creationId xmlns:a16="http://schemas.microsoft.com/office/drawing/2014/main" id="{C0FB34ED-CB6D-4F77-A44D-E171F5B6C391}"/>
+              </a:ext>
+            </a:extLst>
+          </p:cNvPr>
+          <p:cNvPicPr>
+            <a:picLocks noChangeAspect="1"/>
+          </p:cNvPicPr>
+          <p:nvPr/>
+        </p:nvPicPr>
+        <p:blipFill>
+          <a:blip r:embed="rId2"/>
+          <a:stretch>
+            <a:fillRect/>
+          </a:stretch>
+        </p:blipFill>
+        <p:spPr>
+          <a:xfrm>
+            <a:off x="2543178" y="4740482"/>
+            <a:ext cx="6425261" cy="1779971"/>
+          </a:xfrm>
+          <a:prstGeom prst="rect">
+            <a:avLst/>
+          </a:prstGeom>
+          <a:ln w="88900" cap="sq" cmpd="thickThin">
+            <a:solidFill>
+              <a:srgbClr val="000000"/>
+            </a:solidFill>
+            <a:prstDash val="solid"/>
+            <a:miter lim="800000"/>
+          </a:ln>
+          <a:effectLst>
+            <a:innerShdw blurRad="76200">
+              <a:srgbClr val="000000"/>
+            </a:innerShdw>
+          </a:effectLst>
+        </p:spPr>
+      </p:pic>
     </p:spTree>
     <p:extLst>
       <p:ext uri="{BB962C8B-B14F-4D97-AF65-F5344CB8AC3E}">
@@ -4336,6 +4510,259 @@
 </file>
 
 <file path=ppt/slides/slide5.xml><?xml version="1.0" encoding="utf-8"?>
+<p:sld xmlns:a="http://schemas.openxmlformats.org/drawingml/2006/main" xmlns:r="http://schemas.openxmlformats.org/officeDocument/2006/relationships" xmlns:p="http://schemas.openxmlformats.org/presentationml/2006/main">
+  <p:cSld>
+    <p:spTree>
+      <p:nvGrpSpPr>
+        <p:cNvPr id="1" name=""/>
+        <p:cNvGrpSpPr/>
+        <p:nvPr/>
+      </p:nvGrpSpPr>
+      <p:grpSpPr>
+        <a:xfrm>
+          <a:off x="0" y="0"/>
+          <a:ext cx="0" cy="0"/>
+          <a:chOff x="0" y="0"/>
+          <a:chExt cx="0" cy="0"/>
+        </a:xfrm>
+      </p:grpSpPr>
+      <p:sp>
+        <p:nvSpPr>
+          <p:cNvPr id="2" name="CuadroTexto 1">
+            <a:extLst>
+              <a:ext uri="{FF2B5EF4-FFF2-40B4-BE49-F238E27FC236}">
+                <a16:creationId xmlns:a16="http://schemas.microsoft.com/office/drawing/2014/main" id="{CFB33D14-7D8B-4487-95AA-429DA117E962}"/>
+              </a:ext>
+            </a:extLst>
+          </p:cNvPr>
+          <p:cNvSpPr txBox="1"/>
+          <p:nvPr/>
+        </p:nvSpPr>
+        <p:spPr>
+          <a:xfrm>
+            <a:off x="644236" y="378933"/>
+            <a:ext cx="4322619" cy="461665"/>
+          </a:xfrm>
+          <a:prstGeom prst="rect">
+            <a:avLst/>
+          </a:prstGeom>
+          <a:noFill/>
+        </p:spPr>
+        <p:txBody>
+          <a:bodyPr wrap="square" rtlCol="0">
+            <a:spAutoFit/>
+          </a:bodyPr>
+          <a:lstStyle/>
+          <a:p>
+            <a:r>
+              <a:rPr lang="es-MX" sz="2400" b="1" dirty="0">
+                <a:latin typeface="Arial" panose="020B0604020202020204" pitchFamily="34" charset="0"/>
+                <a:cs typeface="Arial" panose="020B0604020202020204" pitchFamily="34" charset="0"/>
+              </a:rPr>
+              <a:t>Desventajas</a:t>
+            </a:r>
+            <a:endParaRPr lang="es-MX" b="1" dirty="0">
+              <a:latin typeface="Arial" panose="020B0604020202020204" pitchFamily="34" charset="0"/>
+              <a:cs typeface="Arial" panose="020B0604020202020204" pitchFamily="34" charset="0"/>
+            </a:endParaRPr>
+          </a:p>
+        </p:txBody>
+      </p:sp>
+      <p:sp>
+        <p:nvSpPr>
+          <p:cNvPr id="3" name="CuadroTexto 2">
+            <a:extLst>
+              <a:ext uri="{FF2B5EF4-FFF2-40B4-BE49-F238E27FC236}">
+                <a16:creationId xmlns:a16="http://schemas.microsoft.com/office/drawing/2014/main" id="{EBCA2D2D-6531-4387-BFD4-8D3A9AE2F3F1}"/>
+              </a:ext>
+            </a:extLst>
+          </p:cNvPr>
+          <p:cNvSpPr txBox="1"/>
+          <p:nvPr/>
+        </p:nvSpPr>
+        <p:spPr>
+          <a:xfrm>
+            <a:off x="644236" y="1026128"/>
+            <a:ext cx="9997260" cy="4093428"/>
+          </a:xfrm>
+          <a:prstGeom prst="rect">
+            <a:avLst/>
+          </a:prstGeom>
+          <a:noFill/>
+        </p:spPr>
+        <p:txBody>
+          <a:bodyPr wrap="square" rtlCol="0">
+            <a:spAutoFit/>
+          </a:bodyPr>
+          <a:lstStyle/>
+          <a:p>
+            <a:pPr marL="285750" indent="-285750" algn="just">
+              <a:buFont typeface="Wingdings" panose="05000000000000000000" pitchFamily="2" charset="2"/>
+              <a:buChar char="Ø"/>
+            </a:pPr>
+            <a:r>
+              <a:rPr lang="es-MX" sz="2000" dirty="0">
+                <a:latin typeface="Arial" panose="020B0604020202020204" pitchFamily="34" charset="0"/>
+                <a:cs typeface="Arial" panose="020B0604020202020204" pitchFamily="34" charset="0"/>
+              </a:rPr>
+              <a:t>El acceso a un elemento es mas lento, ya que la información no esta en posiciones contiguas en la memoria de la computadora.</a:t>
+            </a:r>
+          </a:p>
+          <a:p>
+            <a:pPr algn="just"/>
+            <a:endParaRPr lang="es-MX" sz="1000" dirty="0">
+              <a:latin typeface="Arial" panose="020B0604020202020204" pitchFamily="34" charset="0"/>
+              <a:cs typeface="Arial" panose="020B0604020202020204" pitchFamily="34" charset="0"/>
+            </a:endParaRPr>
+          </a:p>
+          <a:p>
+            <a:pPr marL="285750" indent="-285750" algn="just">
+              <a:buFont typeface="Wingdings" panose="05000000000000000000" pitchFamily="2" charset="2"/>
+              <a:buChar char="Ø"/>
+            </a:pPr>
+            <a:r>
+              <a:rPr lang="es-MX" sz="2000" dirty="0">
+                <a:latin typeface="Arial" panose="020B0604020202020204" pitchFamily="34" charset="0"/>
+                <a:cs typeface="Arial" panose="020B0604020202020204" pitchFamily="34" charset="0"/>
+              </a:rPr>
+              <a:t>No se puede acceder a un elemento con base a su posición como se hace en los arreglos.</a:t>
+            </a:r>
+          </a:p>
+          <a:p>
+            <a:pPr algn="just"/>
+            <a:endParaRPr lang="es-MX" sz="1000" dirty="0">
+              <a:latin typeface="Arial" panose="020B0604020202020204" pitchFamily="34" charset="0"/>
+              <a:cs typeface="Arial" panose="020B0604020202020204" pitchFamily="34" charset="0"/>
+            </a:endParaRPr>
+          </a:p>
+          <a:p>
+            <a:pPr marL="285750" indent="-285750" algn="just">
+              <a:buFont typeface="Wingdings" panose="05000000000000000000" pitchFamily="2" charset="2"/>
+              <a:buChar char="Ø"/>
+            </a:pPr>
+            <a:r>
+              <a:rPr lang="es-MX" sz="2000" dirty="0">
+                <a:latin typeface="Arial" panose="020B0604020202020204" pitchFamily="34" charset="0"/>
+                <a:cs typeface="Arial" panose="020B0604020202020204" pitchFamily="34" charset="0"/>
+              </a:rPr>
+              <a:t>Para hacer inserciones o eliminaciones frecuentes, hay que hacer corrimientos costosos.</a:t>
+            </a:r>
+          </a:p>
+          <a:p>
+            <a:pPr marL="285750" indent="-285750" algn="just">
+              <a:buFont typeface="Wingdings" panose="05000000000000000000" pitchFamily="2" charset="2"/>
+              <a:buChar char="Ø"/>
+            </a:pPr>
+            <a:endParaRPr lang="es-MX" sz="1000" dirty="0">
+              <a:latin typeface="Arial" panose="020B0604020202020204" pitchFamily="34" charset="0"/>
+              <a:cs typeface="Arial" panose="020B0604020202020204" pitchFamily="34" charset="0"/>
+            </a:endParaRPr>
+          </a:p>
+          <a:p>
+            <a:pPr marL="285750" indent="-285750" algn="just">
+              <a:buFont typeface="Wingdings" panose="05000000000000000000" pitchFamily="2" charset="2"/>
+              <a:buChar char="Ø"/>
+            </a:pPr>
+            <a:r>
+              <a:rPr lang="es-MX" sz="2000" dirty="0">
+                <a:latin typeface="Arial" panose="020B0604020202020204" pitchFamily="34" charset="0"/>
+                <a:cs typeface="Arial" panose="020B0604020202020204" pitchFamily="34" charset="0"/>
+              </a:rPr>
+              <a:t>No permite el acceso directo a un elemento arbitrario de la lista. Por ejemplo, para llegar al i-</a:t>
+            </a:r>
+            <a:r>
+              <a:rPr lang="es-MX" sz="2000" dirty="0" err="1">
+                <a:latin typeface="Arial" panose="020B0604020202020204" pitchFamily="34" charset="0"/>
+                <a:cs typeface="Arial" panose="020B0604020202020204" pitchFamily="34" charset="0"/>
+              </a:rPr>
+              <a:t>ésimo</a:t>
+            </a:r>
+            <a:r>
+              <a:rPr lang="es-MX" sz="2000" dirty="0">
+                <a:latin typeface="Arial" panose="020B0604020202020204" pitchFamily="34" charset="0"/>
+                <a:cs typeface="Arial" panose="020B0604020202020204" pitchFamily="34" charset="0"/>
+              </a:rPr>
+              <a:t> elemento, se debe recorrer la lista, iniciando con el primer nodo hasta llegar al elemento deseado.</a:t>
+            </a:r>
+          </a:p>
+          <a:p>
+            <a:pPr marL="285750" indent="-285750" algn="just">
+              <a:buFont typeface="Wingdings" panose="05000000000000000000" pitchFamily="2" charset="2"/>
+              <a:buChar char="Ø"/>
+            </a:pPr>
+            <a:endParaRPr lang="es-MX" sz="2000" dirty="0">
+              <a:latin typeface="Arial" panose="020B0604020202020204" pitchFamily="34" charset="0"/>
+              <a:cs typeface="Arial" panose="020B0604020202020204" pitchFamily="34" charset="0"/>
+            </a:endParaRPr>
+          </a:p>
+          <a:p>
+            <a:pPr marL="285750" indent="-285750" algn="just">
+              <a:buFont typeface="Wingdings" panose="05000000000000000000" pitchFamily="2" charset="2"/>
+              <a:buChar char="Ø"/>
+            </a:pPr>
+            <a:endParaRPr lang="es-MX" sz="2000" dirty="0">
+              <a:latin typeface="Arial" panose="020B0604020202020204" pitchFamily="34" charset="0"/>
+              <a:cs typeface="Arial" panose="020B0604020202020204" pitchFamily="34" charset="0"/>
+            </a:endParaRPr>
+          </a:p>
+        </p:txBody>
+      </p:sp>
+      <p:pic>
+        <p:nvPicPr>
+          <p:cNvPr id="4" name="Imagen 3">
+            <a:extLst>
+              <a:ext uri="{FF2B5EF4-FFF2-40B4-BE49-F238E27FC236}">
+                <a16:creationId xmlns:a16="http://schemas.microsoft.com/office/drawing/2014/main" id="{411F47FF-3CF3-481A-ACE5-1B6A87687FE3}"/>
+              </a:ext>
+            </a:extLst>
+          </p:cNvPr>
+          <p:cNvPicPr>
+            <a:picLocks noChangeAspect="1"/>
+          </p:cNvPicPr>
+          <p:nvPr/>
+        </p:nvPicPr>
+        <p:blipFill>
+          <a:blip r:embed="rId2"/>
+          <a:stretch>
+            <a:fillRect/>
+          </a:stretch>
+        </p:blipFill>
+        <p:spPr>
+          <a:xfrm>
+            <a:off x="3736407" y="4594355"/>
+            <a:ext cx="3812918" cy="1884712"/>
+          </a:xfrm>
+          <a:prstGeom prst="rect">
+            <a:avLst/>
+          </a:prstGeom>
+          <a:ln w="88900" cap="sq" cmpd="thickThin">
+            <a:solidFill>
+              <a:srgbClr val="000000"/>
+            </a:solidFill>
+            <a:prstDash val="solid"/>
+            <a:miter lim="800000"/>
+          </a:ln>
+          <a:effectLst>
+            <a:innerShdw blurRad="76200">
+              <a:srgbClr val="000000"/>
+            </a:innerShdw>
+          </a:effectLst>
+        </p:spPr>
+      </p:pic>
+    </p:spTree>
+    <p:extLst>
+      <p:ext uri="{BB962C8B-B14F-4D97-AF65-F5344CB8AC3E}">
+        <p14:creationId xmlns:p14="http://schemas.microsoft.com/office/powerpoint/2010/main" val="1334246462"/>
+      </p:ext>
+    </p:extLst>
+  </p:cSld>
+  <p:clrMapOvr>
+    <a:masterClrMapping/>
+  </p:clrMapOvr>
+</p:sld>
+</file>
+
+<file path=ppt/slides/slide6.xml><?xml version="1.0" encoding="utf-8"?>
 <p:sld xmlns:a="http://schemas.openxmlformats.org/drawingml/2006/main" xmlns:r="http://schemas.openxmlformats.org/officeDocument/2006/relationships" xmlns:p="http://schemas.openxmlformats.org/presentationml/2006/main">
   <p:cSld>
     <p:bg>

--- a/Expo/Expo_Listas.pptx
+++ b/Expo/Expo_Listas.pptx
@@ -4274,6 +4274,28 @@
 <file path=ppt/slides/slide4.xml><?xml version="1.0" encoding="utf-8"?>
 <p:sld xmlns:a="http://schemas.openxmlformats.org/drawingml/2006/main" xmlns:r="http://schemas.openxmlformats.org/officeDocument/2006/relationships" xmlns:p="http://schemas.openxmlformats.org/presentationml/2006/main">
   <p:cSld>
+    <p:bg>
+      <p:bgPr>
+        <a:gradFill>
+          <a:gsLst>
+            <a:gs pos="0">
+              <a:srgbClr val="070405"/>
+            </a:gs>
+            <a:gs pos="36000">
+              <a:srgbClr val="0A0929"/>
+            </a:gs>
+            <a:gs pos="67000">
+              <a:srgbClr val="141252"/>
+            </a:gs>
+            <a:gs pos="100000">
+              <a:srgbClr val="141252"/>
+            </a:gs>
+          </a:gsLst>
+          <a:lin ang="5400000" scaled="1"/>
+        </a:gradFill>
+        <a:effectLst/>
+      </p:bgPr>
+    </p:bg>
     <p:spTree>
       <p:nvGrpSpPr>
         <p:cNvPr id="1" name=""/>
@@ -4318,6 +4340,9 @@
           <a:p>
             <a:r>
               <a:rPr lang="es-MX" sz="2400" b="1" dirty="0">
+                <a:solidFill>
+                  <a:schemeClr val="bg1"/>
+                </a:solidFill>
                 <a:latin typeface="Arial" panose="020B0604020202020204" pitchFamily="34" charset="0"/>
                 <a:cs typeface="Arial" panose="020B0604020202020204" pitchFamily="34" charset="0"/>
               </a:rPr>
@@ -4360,6 +4385,9 @@
             </a:pPr>
             <a:r>
               <a:rPr lang="es-MX" sz="2000" dirty="0">
+                <a:solidFill>
+                  <a:schemeClr val="bg2"/>
+                </a:solidFill>
                 <a:latin typeface="Arial" panose="020B0604020202020204" pitchFamily="34" charset="0"/>
                 <a:cs typeface="Arial" panose="020B0604020202020204" pitchFamily="34" charset="0"/>
               </a:rPr>
@@ -4369,6 +4397,9 @@
           <a:p>
             <a:pPr algn="just"/>
             <a:endParaRPr lang="es-MX" sz="1000" dirty="0">
+              <a:solidFill>
+                <a:schemeClr val="bg2"/>
+              </a:solidFill>
               <a:latin typeface="Arial" panose="020B0604020202020204" pitchFamily="34" charset="0"/>
               <a:cs typeface="Arial" panose="020B0604020202020204" pitchFamily="34" charset="0"/>
             </a:endParaRPr>
@@ -4380,6 +4411,9 @@
             </a:pPr>
             <a:r>
               <a:rPr lang="es-MX" sz="2000" dirty="0">
+                <a:solidFill>
+                  <a:schemeClr val="bg2"/>
+                </a:solidFill>
                 <a:latin typeface="Arial" panose="020B0604020202020204" pitchFamily="34" charset="0"/>
                 <a:cs typeface="Arial" panose="020B0604020202020204" pitchFamily="34" charset="0"/>
               </a:rPr>
@@ -4389,6 +4423,9 @@
           <a:p>
             <a:pPr algn="just"/>
             <a:endParaRPr lang="es-MX" sz="1000" dirty="0">
+              <a:solidFill>
+                <a:schemeClr val="bg2"/>
+              </a:solidFill>
               <a:latin typeface="Arial" panose="020B0604020202020204" pitchFamily="34" charset="0"/>
               <a:cs typeface="Arial" panose="020B0604020202020204" pitchFamily="34" charset="0"/>
             </a:endParaRPr>
@@ -4400,6 +4437,9 @@
             </a:pPr>
             <a:r>
               <a:rPr lang="es-MX" sz="2000" dirty="0">
+                <a:solidFill>
+                  <a:schemeClr val="bg2"/>
+                </a:solidFill>
                 <a:latin typeface="Arial" panose="020B0604020202020204" pitchFamily="34" charset="0"/>
                 <a:cs typeface="Arial" panose="020B0604020202020204" pitchFamily="34" charset="0"/>
               </a:rPr>
@@ -4412,6 +4452,9 @@
               <a:buChar char="Ø"/>
             </a:pPr>
             <a:endParaRPr lang="es-MX" sz="1000" dirty="0">
+              <a:solidFill>
+                <a:schemeClr val="bg2"/>
+              </a:solidFill>
               <a:latin typeface="Arial" panose="020B0604020202020204" pitchFamily="34" charset="0"/>
               <a:cs typeface="Arial" panose="020B0604020202020204" pitchFamily="34" charset="0"/>
             </a:endParaRPr>
@@ -4423,6 +4466,9 @@
             </a:pPr>
             <a:r>
               <a:rPr lang="es-MX" sz="2000" dirty="0">
+                <a:solidFill>
+                  <a:schemeClr val="bg2"/>
+                </a:solidFill>
                 <a:latin typeface="Arial" panose="020B0604020202020204" pitchFamily="34" charset="0"/>
                 <a:cs typeface="Arial" panose="020B0604020202020204" pitchFamily="34" charset="0"/>
               </a:rPr>
@@ -4435,6 +4481,9 @@
               <a:buChar char="Ø"/>
             </a:pPr>
             <a:endParaRPr lang="es-MX" sz="1000" dirty="0">
+              <a:solidFill>
+                <a:schemeClr val="bg2"/>
+              </a:solidFill>
               <a:latin typeface="Arial" panose="020B0604020202020204" pitchFamily="34" charset="0"/>
               <a:cs typeface="Arial" panose="020B0604020202020204" pitchFamily="34" charset="0"/>
             </a:endParaRPr>
@@ -4446,6 +4495,9 @@
             </a:pPr>
             <a:r>
               <a:rPr lang="es-MX" sz="2000" dirty="0">
+                <a:solidFill>
+                  <a:schemeClr val="bg2"/>
+                </a:solidFill>
                 <a:latin typeface="Arial" panose="020B0604020202020204" pitchFamily="34" charset="0"/>
                 <a:cs typeface="Arial" panose="020B0604020202020204" pitchFamily="34" charset="0"/>
               </a:rPr>
@@ -4512,6 +4564,28 @@
 <file path=ppt/slides/slide5.xml><?xml version="1.0" encoding="utf-8"?>
 <p:sld xmlns:a="http://schemas.openxmlformats.org/drawingml/2006/main" xmlns:r="http://schemas.openxmlformats.org/officeDocument/2006/relationships" xmlns:p="http://schemas.openxmlformats.org/presentationml/2006/main">
   <p:cSld>
+    <p:bg>
+      <p:bgPr>
+        <a:gradFill>
+          <a:gsLst>
+            <a:gs pos="0">
+              <a:srgbClr val="070405"/>
+            </a:gs>
+            <a:gs pos="35000">
+              <a:srgbClr val="0A0929"/>
+            </a:gs>
+            <a:gs pos="67000">
+              <a:srgbClr val="141252"/>
+            </a:gs>
+            <a:gs pos="100000">
+              <a:srgbClr val="141252"/>
+            </a:gs>
+          </a:gsLst>
+          <a:lin ang="5400000" scaled="1"/>
+        </a:gradFill>
+        <a:effectLst/>
+      </p:bgPr>
+    </p:bg>
     <p:spTree>
       <p:nvGrpSpPr>
         <p:cNvPr id="1" name=""/>
@@ -4556,12 +4630,18 @@
           <a:p>
             <a:r>
               <a:rPr lang="es-MX" sz="2400" b="1" dirty="0">
+                <a:solidFill>
+                  <a:schemeClr val="bg1"/>
+                </a:solidFill>
                 <a:latin typeface="Arial" panose="020B0604020202020204" pitchFamily="34" charset="0"/>
                 <a:cs typeface="Arial" panose="020B0604020202020204" pitchFamily="34" charset="0"/>
               </a:rPr>
               <a:t>Desventajas</a:t>
             </a:r>
             <a:endParaRPr lang="es-MX" b="1" dirty="0">
+              <a:solidFill>
+                <a:schemeClr val="bg1"/>
+              </a:solidFill>
               <a:latin typeface="Arial" panose="020B0604020202020204" pitchFamily="34" charset="0"/>
               <a:cs typeface="Arial" panose="020B0604020202020204" pitchFamily="34" charset="0"/>
             </a:endParaRPr>
@@ -4602,6 +4682,9 @@
             </a:pPr>
             <a:r>
               <a:rPr lang="es-MX" sz="2000" dirty="0">
+                <a:solidFill>
+                  <a:schemeClr val="bg2"/>
+                </a:solidFill>
                 <a:latin typeface="Arial" panose="020B0604020202020204" pitchFamily="34" charset="0"/>
                 <a:cs typeface="Arial" panose="020B0604020202020204" pitchFamily="34" charset="0"/>
               </a:rPr>
@@ -4611,6 +4694,9 @@
           <a:p>
             <a:pPr algn="just"/>
             <a:endParaRPr lang="es-MX" sz="1000" dirty="0">
+              <a:solidFill>
+                <a:schemeClr val="bg2"/>
+              </a:solidFill>
               <a:latin typeface="Arial" panose="020B0604020202020204" pitchFamily="34" charset="0"/>
               <a:cs typeface="Arial" panose="020B0604020202020204" pitchFamily="34" charset="0"/>
             </a:endParaRPr>
@@ -4622,6 +4708,9 @@
             </a:pPr>
             <a:r>
               <a:rPr lang="es-MX" sz="2000" dirty="0">
+                <a:solidFill>
+                  <a:schemeClr val="bg2"/>
+                </a:solidFill>
                 <a:latin typeface="Arial" panose="020B0604020202020204" pitchFamily="34" charset="0"/>
                 <a:cs typeface="Arial" panose="020B0604020202020204" pitchFamily="34" charset="0"/>
               </a:rPr>
@@ -4631,6 +4720,9 @@
           <a:p>
             <a:pPr algn="just"/>
             <a:endParaRPr lang="es-MX" sz="1000" dirty="0">
+              <a:solidFill>
+                <a:schemeClr val="bg2"/>
+              </a:solidFill>
               <a:latin typeface="Arial" panose="020B0604020202020204" pitchFamily="34" charset="0"/>
               <a:cs typeface="Arial" panose="020B0604020202020204" pitchFamily="34" charset="0"/>
             </a:endParaRPr>
@@ -4642,6 +4734,9 @@
             </a:pPr>
             <a:r>
               <a:rPr lang="es-MX" sz="2000" dirty="0">
+                <a:solidFill>
+                  <a:schemeClr val="bg2"/>
+                </a:solidFill>
                 <a:latin typeface="Arial" panose="020B0604020202020204" pitchFamily="34" charset="0"/>
                 <a:cs typeface="Arial" panose="020B0604020202020204" pitchFamily="34" charset="0"/>
               </a:rPr>
@@ -4654,6 +4749,9 @@
               <a:buChar char="Ø"/>
             </a:pPr>
             <a:endParaRPr lang="es-MX" sz="1000" dirty="0">
+              <a:solidFill>
+                <a:schemeClr val="bg2"/>
+              </a:solidFill>
               <a:latin typeface="Arial" panose="020B0604020202020204" pitchFamily="34" charset="0"/>
               <a:cs typeface="Arial" panose="020B0604020202020204" pitchFamily="34" charset="0"/>
             </a:endParaRPr>
@@ -4665,6 +4763,9 @@
             </a:pPr>
             <a:r>
               <a:rPr lang="es-MX" sz="2000" dirty="0">
+                <a:solidFill>
+                  <a:schemeClr val="bg2"/>
+                </a:solidFill>
                 <a:latin typeface="Arial" panose="020B0604020202020204" pitchFamily="34" charset="0"/>
                 <a:cs typeface="Arial" panose="020B0604020202020204" pitchFamily="34" charset="0"/>
               </a:rPr>
@@ -4672,6 +4773,9 @@
             </a:r>
             <a:r>
               <a:rPr lang="es-MX" sz="2000" dirty="0" err="1">
+                <a:solidFill>
+                  <a:schemeClr val="bg2"/>
+                </a:solidFill>
                 <a:latin typeface="Arial" panose="020B0604020202020204" pitchFamily="34" charset="0"/>
                 <a:cs typeface="Arial" panose="020B0604020202020204" pitchFamily="34" charset="0"/>
               </a:rPr>
@@ -4679,6 +4783,9 @@
             </a:r>
             <a:r>
               <a:rPr lang="es-MX" sz="2000" dirty="0">
+                <a:solidFill>
+                  <a:schemeClr val="bg2"/>
+                </a:solidFill>
                 <a:latin typeface="Arial" panose="020B0604020202020204" pitchFamily="34" charset="0"/>
                 <a:cs typeface="Arial" panose="020B0604020202020204" pitchFamily="34" charset="0"/>
               </a:rPr>

--- a/Expo/Expo_Listas.pptx
+++ b/Expo/Expo_Listas.pptx
@@ -266,7 +266,7 @@
           <a:p>
             <a:fld id="{5F069921-8D55-4BEA-8BE8-79909F57DFDF}" type="datetimeFigureOut">
               <a:rPr lang="es-MX" smtClean="0"/>
-              <a:t>30/10/2020</a:t>
+              <a:t>31/10/2020</a:t>
             </a:fld>
             <a:endParaRPr lang="es-MX"/>
           </a:p>
@@ -466,7 +466,7 @@
           <a:p>
             <a:fld id="{5F069921-8D55-4BEA-8BE8-79909F57DFDF}" type="datetimeFigureOut">
               <a:rPr lang="es-MX" smtClean="0"/>
-              <a:t>30/10/2020</a:t>
+              <a:t>31/10/2020</a:t>
             </a:fld>
             <a:endParaRPr lang="es-MX"/>
           </a:p>
@@ -676,7 +676,7 @@
           <a:p>
             <a:fld id="{5F069921-8D55-4BEA-8BE8-79909F57DFDF}" type="datetimeFigureOut">
               <a:rPr lang="es-MX" smtClean="0"/>
-              <a:t>30/10/2020</a:t>
+              <a:t>31/10/2020</a:t>
             </a:fld>
             <a:endParaRPr lang="es-MX"/>
           </a:p>
@@ -876,7 +876,7 @@
           <a:p>
             <a:fld id="{5F069921-8D55-4BEA-8BE8-79909F57DFDF}" type="datetimeFigureOut">
               <a:rPr lang="es-MX" smtClean="0"/>
-              <a:t>30/10/2020</a:t>
+              <a:t>31/10/2020</a:t>
             </a:fld>
             <a:endParaRPr lang="es-MX"/>
           </a:p>
@@ -1152,7 +1152,7 @@
           <a:p>
             <a:fld id="{5F069921-8D55-4BEA-8BE8-79909F57DFDF}" type="datetimeFigureOut">
               <a:rPr lang="es-MX" smtClean="0"/>
-              <a:t>30/10/2020</a:t>
+              <a:t>31/10/2020</a:t>
             </a:fld>
             <a:endParaRPr lang="es-MX"/>
           </a:p>
@@ -1420,7 +1420,7 @@
           <a:p>
             <a:fld id="{5F069921-8D55-4BEA-8BE8-79909F57DFDF}" type="datetimeFigureOut">
               <a:rPr lang="es-MX" smtClean="0"/>
-              <a:t>30/10/2020</a:t>
+              <a:t>31/10/2020</a:t>
             </a:fld>
             <a:endParaRPr lang="es-MX"/>
           </a:p>
@@ -1835,7 +1835,7 @@
           <a:p>
             <a:fld id="{5F069921-8D55-4BEA-8BE8-79909F57DFDF}" type="datetimeFigureOut">
               <a:rPr lang="es-MX" smtClean="0"/>
-              <a:t>30/10/2020</a:t>
+              <a:t>31/10/2020</a:t>
             </a:fld>
             <a:endParaRPr lang="es-MX"/>
           </a:p>
@@ -1977,7 +1977,7 @@
           <a:p>
             <a:fld id="{5F069921-8D55-4BEA-8BE8-79909F57DFDF}" type="datetimeFigureOut">
               <a:rPr lang="es-MX" smtClean="0"/>
-              <a:t>30/10/2020</a:t>
+              <a:t>31/10/2020</a:t>
             </a:fld>
             <a:endParaRPr lang="es-MX"/>
           </a:p>
@@ -2090,7 +2090,7 @@
           <a:p>
             <a:fld id="{5F069921-8D55-4BEA-8BE8-79909F57DFDF}" type="datetimeFigureOut">
               <a:rPr lang="es-MX" smtClean="0"/>
-              <a:t>30/10/2020</a:t>
+              <a:t>31/10/2020</a:t>
             </a:fld>
             <a:endParaRPr lang="es-MX"/>
           </a:p>
@@ -2403,7 +2403,7 @@
           <a:p>
             <a:fld id="{5F069921-8D55-4BEA-8BE8-79909F57DFDF}" type="datetimeFigureOut">
               <a:rPr lang="es-MX" smtClean="0"/>
-              <a:t>30/10/2020</a:t>
+              <a:t>31/10/2020</a:t>
             </a:fld>
             <a:endParaRPr lang="es-MX"/>
           </a:p>
@@ -2692,7 +2692,7 @@
           <a:p>
             <a:fld id="{5F069921-8D55-4BEA-8BE8-79909F57DFDF}" type="datetimeFigureOut">
               <a:rPr lang="es-MX" smtClean="0"/>
-              <a:t>30/10/2020</a:t>
+              <a:t>31/10/2020</a:t>
             </a:fld>
             <a:endParaRPr lang="es-MX"/>
           </a:p>
@@ -2935,7 +2935,7 @@
           <a:p>
             <a:fld id="{5F069921-8D55-4BEA-8BE8-79909F57DFDF}" type="datetimeFigureOut">
               <a:rPr lang="es-MX" smtClean="0"/>
-              <a:t>30/10/2020</a:t>
+              <a:t>31/10/2020</a:t>
             </a:fld>
             <a:endParaRPr lang="es-MX"/>
           </a:p>
@@ -3779,13 +3779,13 @@
   <p:clrMapOvr>
     <a:masterClrMapping/>
   </p:clrMapOvr>
-  <mc:AlternateContent xmlns:mc="http://schemas.openxmlformats.org/markup-compatibility/2006" xmlns:p159="http://schemas.microsoft.com/office/powerpoint/2015/09/main">
-    <mc:Choice Requires="p159">
+  <mc:AlternateContent xmlns:mc="http://schemas.openxmlformats.org/markup-compatibility/2006">
+    <mc:Choice xmlns:p159="http://schemas.microsoft.com/office/powerpoint/2015/09/main" xmlns="" Requires="p159">
       <p:transition xmlns:p14="http://schemas.microsoft.com/office/powerpoint/2010/main" spd="slow" p14:dur="2000">
         <p159:morph option="byObject"/>
       </p:transition>
     </mc:Choice>
-    <mc:Fallback xmlns="">
+    <mc:Fallback>
       <p:transition spd="slow">
         <p:fade/>
       </p:transition>
@@ -3799,9 +3799,25 @@
   <p:cSld>
     <p:bg>
       <p:bgPr>
-        <a:solidFill>
-          <a:srgbClr val="0A0928"/>
-        </a:solidFill>
+        <a:gradFill flip="none" rotWithShape="1">
+          <a:gsLst>
+            <a:gs pos="54000">
+              <a:srgbClr val="0A0929"/>
+            </a:gs>
+            <a:gs pos="43000">
+              <a:srgbClr val="0E0D3A"/>
+            </a:gs>
+            <a:gs pos="43000">
+              <a:srgbClr val="141252">
+                <a:lumMod val="90000"/>
+              </a:srgbClr>
+            </a:gs>
+          </a:gsLst>
+          <a:path path="circle">
+            <a:fillToRect l="100000" t="100000"/>
+          </a:path>
+          <a:tileRect r="-100000" b="-100000"/>
+        </a:gradFill>
         <a:effectLst/>
       </p:bgPr>
     </p:bg>
@@ -4256,13 +4272,13 @@
   <p:clrMapOvr>
     <a:masterClrMapping/>
   </p:clrMapOvr>
-  <mc:AlternateContent xmlns:mc="http://schemas.openxmlformats.org/markup-compatibility/2006" xmlns:p159="http://schemas.microsoft.com/office/powerpoint/2015/09/main">
-    <mc:Choice Requires="p159">
+  <mc:AlternateContent xmlns:mc="http://schemas.openxmlformats.org/markup-compatibility/2006">
+    <mc:Choice xmlns:p159="http://schemas.microsoft.com/office/powerpoint/2015/09/main" xmlns="" Requires="p159">
       <p:transition xmlns:p14="http://schemas.microsoft.com/office/powerpoint/2010/main" spd="slow" p14:dur="2000">
         <p159:morph option="byObject"/>
       </p:transition>
     </mc:Choice>
-    <mc:Fallback xmlns="">
+    <mc:Fallback>
       <p:transition spd="slow">
         <p:fade/>
       </p:transition>

--- a/Expo/Expo_Listas.pptx
+++ b/Expo/Expo_Listas.pptx
@@ -11,6 +11,7 @@
     <p:sldId id="260" r:id="rId5"/>
     <p:sldId id="261" r:id="rId6"/>
     <p:sldId id="259" r:id="rId7"/>
+    <p:sldId id="262" r:id="rId8"/>
   </p:sldIdLst>
   <p:sldSz cx="12192000" cy="6858000"/>
   <p:notesSz cx="6858000" cy="9144000"/>
@@ -268,7 +269,7 @@
               <a:rPr lang="es-MX" smtClean="0"/>
               <a:t>31/10/2020</a:t>
             </a:fld>
-            <a:endParaRPr lang="es-MX"/>
+            <a:endParaRPr lang="es-MX" dirty="0"/>
           </a:p>
         </p:txBody>
       </p:sp>
@@ -293,7 +294,7 @@
           <a:bodyPr/>
           <a:lstStyle/>
           <a:p>
-            <a:endParaRPr lang="es-MX"/>
+            <a:endParaRPr lang="es-MX" dirty="0"/>
           </a:p>
         </p:txBody>
       </p:sp>
@@ -322,7 +323,7 @@
               <a:rPr lang="es-MX" smtClean="0"/>
               <a:t>‹Nº›</a:t>
             </a:fld>
-            <a:endParaRPr lang="es-MX"/>
+            <a:endParaRPr lang="es-MX" dirty="0"/>
           </a:p>
         </p:txBody>
       </p:sp>
@@ -468,7 +469,7 @@
               <a:rPr lang="es-MX" smtClean="0"/>
               <a:t>31/10/2020</a:t>
             </a:fld>
-            <a:endParaRPr lang="es-MX"/>
+            <a:endParaRPr lang="es-MX" dirty="0"/>
           </a:p>
         </p:txBody>
       </p:sp>
@@ -493,7 +494,7 @@
           <a:bodyPr/>
           <a:lstStyle/>
           <a:p>
-            <a:endParaRPr lang="es-MX"/>
+            <a:endParaRPr lang="es-MX" dirty="0"/>
           </a:p>
         </p:txBody>
       </p:sp>
@@ -522,7 +523,7 @@
               <a:rPr lang="es-MX" smtClean="0"/>
               <a:t>‹Nº›</a:t>
             </a:fld>
-            <a:endParaRPr lang="es-MX"/>
+            <a:endParaRPr lang="es-MX" dirty="0"/>
           </a:p>
         </p:txBody>
       </p:sp>
@@ -678,7 +679,7 @@
               <a:rPr lang="es-MX" smtClean="0"/>
               <a:t>31/10/2020</a:t>
             </a:fld>
-            <a:endParaRPr lang="es-MX"/>
+            <a:endParaRPr lang="es-MX" dirty="0"/>
           </a:p>
         </p:txBody>
       </p:sp>
@@ -703,7 +704,7 @@
           <a:bodyPr/>
           <a:lstStyle/>
           <a:p>
-            <a:endParaRPr lang="es-MX"/>
+            <a:endParaRPr lang="es-MX" dirty="0"/>
           </a:p>
         </p:txBody>
       </p:sp>
@@ -732,7 +733,7 @@
               <a:rPr lang="es-MX" smtClean="0"/>
               <a:t>‹Nº›</a:t>
             </a:fld>
-            <a:endParaRPr lang="es-MX"/>
+            <a:endParaRPr lang="es-MX" dirty="0"/>
           </a:p>
         </p:txBody>
       </p:sp>
@@ -878,7 +879,7 @@
               <a:rPr lang="es-MX" smtClean="0"/>
               <a:t>31/10/2020</a:t>
             </a:fld>
-            <a:endParaRPr lang="es-MX"/>
+            <a:endParaRPr lang="es-MX" dirty="0"/>
           </a:p>
         </p:txBody>
       </p:sp>
@@ -903,7 +904,7 @@
           <a:bodyPr/>
           <a:lstStyle/>
           <a:p>
-            <a:endParaRPr lang="es-MX"/>
+            <a:endParaRPr lang="es-MX" dirty="0"/>
           </a:p>
         </p:txBody>
       </p:sp>
@@ -932,7 +933,7 @@
               <a:rPr lang="es-MX" smtClean="0"/>
               <a:t>‹Nº›</a:t>
             </a:fld>
-            <a:endParaRPr lang="es-MX"/>
+            <a:endParaRPr lang="es-MX" dirty="0"/>
           </a:p>
         </p:txBody>
       </p:sp>
@@ -1154,7 +1155,7 @@
               <a:rPr lang="es-MX" smtClean="0"/>
               <a:t>31/10/2020</a:t>
             </a:fld>
-            <a:endParaRPr lang="es-MX"/>
+            <a:endParaRPr lang="es-MX" dirty="0"/>
           </a:p>
         </p:txBody>
       </p:sp>
@@ -1179,7 +1180,7 @@
           <a:bodyPr/>
           <a:lstStyle/>
           <a:p>
-            <a:endParaRPr lang="es-MX"/>
+            <a:endParaRPr lang="es-MX" dirty="0"/>
           </a:p>
         </p:txBody>
       </p:sp>
@@ -1208,7 +1209,7 @@
               <a:rPr lang="es-MX" smtClean="0"/>
               <a:t>‹Nº›</a:t>
             </a:fld>
-            <a:endParaRPr lang="es-MX"/>
+            <a:endParaRPr lang="es-MX" dirty="0"/>
           </a:p>
         </p:txBody>
       </p:sp>
@@ -1422,7 +1423,7 @@
               <a:rPr lang="es-MX" smtClean="0"/>
               <a:t>31/10/2020</a:t>
             </a:fld>
-            <a:endParaRPr lang="es-MX"/>
+            <a:endParaRPr lang="es-MX" dirty="0"/>
           </a:p>
         </p:txBody>
       </p:sp>
@@ -1447,7 +1448,7 @@
           <a:bodyPr/>
           <a:lstStyle/>
           <a:p>
-            <a:endParaRPr lang="es-MX"/>
+            <a:endParaRPr lang="es-MX" dirty="0"/>
           </a:p>
         </p:txBody>
       </p:sp>
@@ -1476,7 +1477,7 @@
               <a:rPr lang="es-MX" smtClean="0"/>
               <a:t>‹Nº›</a:t>
             </a:fld>
-            <a:endParaRPr lang="es-MX"/>
+            <a:endParaRPr lang="es-MX" dirty="0"/>
           </a:p>
         </p:txBody>
       </p:sp>
@@ -1837,7 +1838,7 @@
               <a:rPr lang="es-MX" smtClean="0"/>
               <a:t>31/10/2020</a:t>
             </a:fld>
-            <a:endParaRPr lang="es-MX"/>
+            <a:endParaRPr lang="es-MX" dirty="0"/>
           </a:p>
         </p:txBody>
       </p:sp>
@@ -1862,7 +1863,7 @@
           <a:bodyPr/>
           <a:lstStyle/>
           <a:p>
-            <a:endParaRPr lang="es-MX"/>
+            <a:endParaRPr lang="es-MX" dirty="0"/>
           </a:p>
         </p:txBody>
       </p:sp>
@@ -1891,7 +1892,7 @@
               <a:rPr lang="es-MX" smtClean="0"/>
               <a:t>‹Nº›</a:t>
             </a:fld>
-            <a:endParaRPr lang="es-MX"/>
+            <a:endParaRPr lang="es-MX" dirty="0"/>
           </a:p>
         </p:txBody>
       </p:sp>
@@ -1979,7 +1980,7 @@
               <a:rPr lang="es-MX" smtClean="0"/>
               <a:t>31/10/2020</a:t>
             </a:fld>
-            <a:endParaRPr lang="es-MX"/>
+            <a:endParaRPr lang="es-MX" dirty="0"/>
           </a:p>
         </p:txBody>
       </p:sp>
@@ -2004,7 +2005,7 @@
           <a:bodyPr/>
           <a:lstStyle/>
           <a:p>
-            <a:endParaRPr lang="es-MX"/>
+            <a:endParaRPr lang="es-MX" dirty="0"/>
           </a:p>
         </p:txBody>
       </p:sp>
@@ -2033,7 +2034,7 @@
               <a:rPr lang="es-MX" smtClean="0"/>
               <a:t>‹Nº›</a:t>
             </a:fld>
-            <a:endParaRPr lang="es-MX"/>
+            <a:endParaRPr lang="es-MX" dirty="0"/>
           </a:p>
         </p:txBody>
       </p:sp>
@@ -2092,7 +2093,7 @@
               <a:rPr lang="es-MX" smtClean="0"/>
               <a:t>31/10/2020</a:t>
             </a:fld>
-            <a:endParaRPr lang="es-MX"/>
+            <a:endParaRPr lang="es-MX" dirty="0"/>
           </a:p>
         </p:txBody>
       </p:sp>
@@ -2117,7 +2118,7 @@
           <a:bodyPr/>
           <a:lstStyle/>
           <a:p>
-            <a:endParaRPr lang="es-MX"/>
+            <a:endParaRPr lang="es-MX" dirty="0"/>
           </a:p>
         </p:txBody>
       </p:sp>
@@ -2146,7 +2147,7 @@
               <a:rPr lang="es-MX" smtClean="0"/>
               <a:t>‹Nº›</a:t>
             </a:fld>
-            <a:endParaRPr lang="es-MX"/>
+            <a:endParaRPr lang="es-MX" dirty="0"/>
           </a:p>
         </p:txBody>
       </p:sp>
@@ -2405,7 +2406,7 @@
               <a:rPr lang="es-MX" smtClean="0"/>
               <a:t>31/10/2020</a:t>
             </a:fld>
-            <a:endParaRPr lang="es-MX"/>
+            <a:endParaRPr lang="es-MX" dirty="0"/>
           </a:p>
         </p:txBody>
       </p:sp>
@@ -2430,7 +2431,7 @@
           <a:bodyPr/>
           <a:lstStyle/>
           <a:p>
-            <a:endParaRPr lang="es-MX"/>
+            <a:endParaRPr lang="es-MX" dirty="0"/>
           </a:p>
         </p:txBody>
       </p:sp>
@@ -2459,7 +2460,7 @@
               <a:rPr lang="es-MX" smtClean="0"/>
               <a:t>‹Nº›</a:t>
             </a:fld>
-            <a:endParaRPr lang="es-MX"/>
+            <a:endParaRPr lang="es-MX" dirty="0"/>
           </a:p>
         </p:txBody>
       </p:sp>
@@ -2594,7 +2595,7 @@
             </a:lvl9pPr>
           </a:lstStyle>
           <a:p>
-            <a:endParaRPr lang="es-MX"/>
+            <a:endParaRPr lang="es-MX" dirty="0"/>
           </a:p>
         </p:txBody>
       </p:sp>
@@ -2694,7 +2695,7 @@
               <a:rPr lang="es-MX" smtClean="0"/>
               <a:t>31/10/2020</a:t>
             </a:fld>
-            <a:endParaRPr lang="es-MX"/>
+            <a:endParaRPr lang="es-MX" dirty="0"/>
           </a:p>
         </p:txBody>
       </p:sp>
@@ -2719,7 +2720,7 @@
           <a:bodyPr/>
           <a:lstStyle/>
           <a:p>
-            <a:endParaRPr lang="es-MX"/>
+            <a:endParaRPr lang="es-MX" dirty="0"/>
           </a:p>
         </p:txBody>
       </p:sp>
@@ -2748,7 +2749,7 @@
               <a:rPr lang="es-MX" smtClean="0"/>
               <a:t>‹Nº›</a:t>
             </a:fld>
-            <a:endParaRPr lang="es-MX"/>
+            <a:endParaRPr lang="es-MX" dirty="0"/>
           </a:p>
         </p:txBody>
       </p:sp>
@@ -2937,7 +2938,7 @@
               <a:rPr lang="es-MX" smtClean="0"/>
               <a:t>31/10/2020</a:t>
             </a:fld>
-            <a:endParaRPr lang="es-MX"/>
+            <a:endParaRPr lang="es-MX" dirty="0"/>
           </a:p>
         </p:txBody>
       </p:sp>
@@ -2980,7 +2981,7 @@
             </a:lvl1pPr>
           </a:lstStyle>
           <a:p>
-            <a:endParaRPr lang="es-MX"/>
+            <a:endParaRPr lang="es-MX" dirty="0"/>
           </a:p>
         </p:txBody>
       </p:sp>
@@ -3027,7 +3028,7 @@
               <a:rPr lang="es-MX" smtClean="0"/>
               <a:t>‹Nº›</a:t>
             </a:fld>
-            <a:endParaRPr lang="es-MX"/>
+            <a:endParaRPr lang="es-MX" dirty="0"/>
           </a:p>
         </p:txBody>
       </p:sp>
@@ -3509,8 +3510,8 @@
         </p:nvSpPr>
         <p:spPr>
           <a:xfrm>
-            <a:off x="491544" y="4674617"/>
-            <a:ext cx="3088783" cy="1655762"/>
+            <a:off x="491544" y="4176793"/>
+            <a:ext cx="3654253" cy="2153586"/>
           </a:xfrm>
           <a:prstGeom prst="rect">
             <a:avLst/>
@@ -3518,7 +3519,7 @@
         </p:spPr>
         <p:txBody>
           <a:bodyPr vert="horz" lIns="91440" tIns="45720" rIns="91440" bIns="45720" rtlCol="0">
-            <a:normAutofit fontScale="92500" lnSpcReduction="10000"/>
+            <a:normAutofit fontScale="92500" lnSpcReduction="20000"/>
           </a:bodyPr>
           <a:lstStyle>
             <a:lvl1pPr marL="0" indent="0" algn="ctr" defTabSz="914400" rtl="0" eaLnBrk="1" latinLnBrk="0" hangingPunct="1">
@@ -3758,7 +3759,35 @@
               </a:rPr>
               <a:t>VELAZQUEZ BOBADILLA GIBRAN ALEJANDRO</a:t>
             </a:r>
-            <a:endParaRPr lang="es-MX" sz="1400" dirty="0">
+          </a:p>
+          <a:p>
+            <a:pPr algn="just"/>
+            <a:r>
+              <a:rPr lang="es-MX" sz="1500" dirty="0">
+                <a:solidFill>
+                  <a:schemeClr val="bg1"/>
+                </a:solidFill>
+                <a:latin typeface="Roboto" panose="02000000000000000000" pitchFamily="2" charset="0"/>
+                <a:ea typeface="Roboto" panose="02000000000000000000" pitchFamily="2" charset="0"/>
+                <a:cs typeface="Roboto" panose="02000000000000000000" pitchFamily="2" charset="0"/>
+              </a:rPr>
+              <a:t>Yañez  Castañeda Adiel Heriberto</a:t>
+            </a:r>
+          </a:p>
+          <a:p>
+            <a:pPr algn="just"/>
+            <a:r>
+              <a:rPr lang="es-MX" sz="1500" dirty="0">
+                <a:solidFill>
+                  <a:schemeClr val="bg1"/>
+                </a:solidFill>
+                <a:latin typeface="Roboto" panose="02000000000000000000" pitchFamily="2" charset="0"/>
+                <a:ea typeface="Roboto" panose="02000000000000000000" pitchFamily="2" charset="0"/>
+                <a:cs typeface="Roboto" panose="02000000000000000000" pitchFamily="2" charset="0"/>
+              </a:rPr>
+              <a:t>Zavalza Peña Yareli Magdalena</a:t>
+            </a:r>
+            <a:endParaRPr lang="es-MX" sz="2300" dirty="0">
               <a:solidFill>
                 <a:schemeClr val="bg1"/>
               </a:solidFill>
@@ -3779,13 +3808,13 @@
   <p:clrMapOvr>
     <a:masterClrMapping/>
   </p:clrMapOvr>
-  <mc:AlternateContent xmlns:mc="http://schemas.openxmlformats.org/markup-compatibility/2006">
-    <mc:Choice xmlns:p159="http://schemas.microsoft.com/office/powerpoint/2015/09/main" xmlns="" Requires="p159">
+  <mc:AlternateContent xmlns:mc="http://schemas.openxmlformats.org/markup-compatibility/2006" xmlns:p159="http://schemas.microsoft.com/office/powerpoint/2015/09/main">
+    <mc:Choice Requires="p159">
       <p:transition xmlns:p14="http://schemas.microsoft.com/office/powerpoint/2010/main" spd="slow" p14:dur="2000">
         <p159:morph option="byObject"/>
       </p:transition>
     </mc:Choice>
-    <mc:Fallback>
+    <mc:Fallback xmlns="">
       <p:transition spd="slow">
         <p:fade/>
       </p:transition>
@@ -3888,7 +3917,7 @@
           </a:bodyPr>
           <a:lstStyle/>
           <a:p>
-            <a:pPr marL="0" indent="0">
+            <a:pPr marL="0" indent="0" algn="just">
               <a:buNone/>
             </a:pPr>
             <a:r>
@@ -3995,7 +4024,7 @@
           <a:lstStyle/>
           <a:p>
             <a:pPr algn="ctr"/>
-            <a:endParaRPr lang="es-ES"/>
+            <a:endParaRPr lang="es-ES" dirty="0"/>
           </a:p>
         </p:txBody>
       </p:sp>
@@ -4056,7 +4085,7 @@
           </a:bodyPr>
           <a:lstStyle/>
           <a:p>
-            <a:pPr lvl="0"/>
+            <a:pPr lvl="0" algn="just"/>
             <a:r>
               <a:rPr lang="es-ES" sz="2000" dirty="0">
                 <a:solidFill>
@@ -4075,7 +4104,7 @@
             </a:endParaRPr>
           </a:p>
           <a:p>
-            <a:pPr marL="285750" lvl="0" indent="-285750">
+            <a:pPr marL="285750" lvl="0" indent="-285750" algn="just">
               <a:buFont typeface="Arial" panose="020B0604020202020204" pitchFamily="34" charset="0"/>
               <a:buChar char="•"/>
             </a:pPr>
@@ -4100,7 +4129,7 @@
             </a:endParaRPr>
           </a:p>
           <a:p>
-            <a:pPr marL="285750" lvl="0" indent="-285750">
+            <a:pPr marL="285750" lvl="0" indent="-285750" algn="just">
               <a:buFont typeface="Arial" panose="020B0604020202020204" pitchFamily="34" charset="0"/>
               <a:buChar char="•"/>
             </a:pPr>
@@ -4110,39 +4139,7 @@
                   <a:schemeClr val="bg1"/>
                 </a:solidFill>
               </a:rPr>
-              <a:t>Pueden ser implementadas en muchos lenguajes, lenguajes tales como </a:t>
-            </a:r>
-            <a:r>
-              <a:rPr lang="es-ES" dirty="0" err="1">
-                <a:solidFill>
-                  <a:schemeClr val="bg1"/>
-                </a:solidFill>
-              </a:rPr>
-              <a:t>Lisp</a:t>
-            </a:r>
-            <a:r>
-              <a:rPr lang="es-ES" dirty="0">
-                <a:solidFill>
-                  <a:schemeClr val="bg1"/>
-                </a:solidFill>
-              </a:rPr>
-              <a:t> y </a:t>
-            </a:r>
-            <a:r>
-              <a:rPr lang="es-ES" dirty="0" err="1">
-                <a:solidFill>
-                  <a:schemeClr val="bg1"/>
-                </a:solidFill>
-              </a:rPr>
-              <a:t>Scheme</a:t>
-            </a:r>
-            <a:r>
-              <a:rPr lang="es-ES" dirty="0">
-                <a:solidFill>
-                  <a:schemeClr val="bg1"/>
-                </a:solidFill>
-              </a:rPr>
-              <a:t> tiene estructuras de datos ya construidas, junto con operaciones para acceder a las listas enlazadas. Lenguaje imperativos u orientados a objetos tales como C o C++ y Java, respectiva, disponen de referencias para crear lisas enlazadas. </a:t>
+              <a:t>Pueden ser implementadas en muchos lenguajes, lenguajes tales como Lisp y Scheme tiene estructuras de datos ya construidas, junto con operaciones para acceder a las listas enlazadas. Lenguaje imperativos u orientados a objetos tales como C o C++ y Java, respectiva, disponen de referencias para crear lisas enlazadas. </a:t>
             </a:r>
           </a:p>
           <a:p>
@@ -4154,7 +4151,7 @@
             </a:endParaRPr>
           </a:p>
           <a:p>
-            <a:pPr marL="285750" lvl="0" indent="-285750">
+            <a:pPr marL="285750" lvl="0" indent="-285750" algn="just">
               <a:buFont typeface="Arial" panose="020B0604020202020204" pitchFamily="34" charset="0"/>
               <a:buChar char="•"/>
             </a:pPr>
@@ -4197,7 +4194,7 @@
           </a:bodyPr>
           <a:lstStyle/>
           <a:p>
-            <a:pPr marL="285750" lvl="0" indent="-285750">
+            <a:pPr marL="285750" lvl="0" indent="-285750" algn="just">
               <a:buFont typeface="Arial" panose="020B0604020202020204" pitchFamily="34" charset="0"/>
               <a:buChar char="•"/>
             </a:pPr>
@@ -4222,7 +4219,7 @@
             </a:endParaRPr>
           </a:p>
           <a:p>
-            <a:pPr marL="285750" lvl="0" indent="-285750">
+            <a:pPr marL="285750" lvl="0" indent="-285750" algn="just">
               <a:buFont typeface="Arial" panose="020B0604020202020204" pitchFamily="34" charset="0"/>
               <a:buChar char="•"/>
             </a:pPr>
@@ -4247,7 +4244,7 @@
             </a:endParaRPr>
           </a:p>
           <a:p>
-            <a:pPr marL="285750" lvl="0" indent="-285750">
+            <a:pPr marL="285750" lvl="0" indent="-285750" algn="just">
               <a:buFont typeface="Arial" panose="020B0604020202020204" pitchFamily="34" charset="0"/>
               <a:buChar char="•"/>
             </a:pPr>
@@ -4272,13 +4269,13 @@
   <p:clrMapOvr>
     <a:masterClrMapping/>
   </p:clrMapOvr>
-  <mc:AlternateContent xmlns:mc="http://schemas.openxmlformats.org/markup-compatibility/2006">
-    <mc:Choice xmlns:p159="http://schemas.microsoft.com/office/powerpoint/2015/09/main" xmlns="" Requires="p159">
+  <mc:AlternateContent xmlns:mc="http://schemas.openxmlformats.org/markup-compatibility/2006" xmlns:p159="http://schemas.microsoft.com/office/powerpoint/2015/09/main">
+    <mc:Choice Requires="p159">
       <p:transition xmlns:p14="http://schemas.microsoft.com/office/powerpoint/2010/main" spd="slow" p14:dur="2000">
         <p159:morph option="byObject"/>
       </p:transition>
     </mc:Choice>
-    <mc:Fallback>
+    <mc:Fallback xmlns="">
       <p:transition spd="slow">
         <p:fade/>
       </p:transition>
@@ -4574,6 +4571,18 @@
   <p:clrMapOvr>
     <a:masterClrMapping/>
   </p:clrMapOvr>
+  <mc:AlternateContent xmlns:mc="http://schemas.openxmlformats.org/markup-compatibility/2006">
+    <mc:Choice xmlns:p14="http://schemas.microsoft.com/office/powerpoint/2010/main" Requires="p14">
+      <p:transition spd="slow" p14:dur="2000">
+        <p14:prism isContent="1"/>
+      </p:transition>
+    </mc:Choice>
+    <mc:Fallback>
+      <p:transition spd="slow">
+        <p:fade/>
+      </p:transition>
+    </mc:Fallback>
+  </mc:AlternateContent>
 </p:sld>
 </file>
 
@@ -4785,27 +4794,7 @@
                 <a:latin typeface="Arial" panose="020B0604020202020204" pitchFamily="34" charset="0"/>
                 <a:cs typeface="Arial" panose="020B0604020202020204" pitchFamily="34" charset="0"/>
               </a:rPr>
-              <a:t>No permite el acceso directo a un elemento arbitrario de la lista. Por ejemplo, para llegar al i-</a:t>
-            </a:r>
-            <a:r>
-              <a:rPr lang="es-MX" sz="2000" dirty="0" err="1">
-                <a:solidFill>
-                  <a:schemeClr val="bg2"/>
-                </a:solidFill>
-                <a:latin typeface="Arial" panose="020B0604020202020204" pitchFamily="34" charset="0"/>
-                <a:cs typeface="Arial" panose="020B0604020202020204" pitchFamily="34" charset="0"/>
-              </a:rPr>
-              <a:t>ésimo</a:t>
-            </a:r>
-            <a:r>
-              <a:rPr lang="es-MX" sz="2000" dirty="0">
-                <a:solidFill>
-                  <a:schemeClr val="bg2"/>
-                </a:solidFill>
-                <a:latin typeface="Arial" panose="020B0604020202020204" pitchFamily="34" charset="0"/>
-                <a:cs typeface="Arial" panose="020B0604020202020204" pitchFamily="34" charset="0"/>
-              </a:rPr>
-              <a:t> elemento, se debe recorrer la lista, iniciando con el primer nodo hasta llegar al elemento deseado.</a:t>
+              <a:t>No permite el acceso directo a un elemento arbitrario de la lista. Por ejemplo, para llegar al i-ésimo elemento, se debe recorrer la lista, iniciando con el primer nodo hasta llegar al elemento deseado.</a:t>
             </a:r>
           </a:p>
           <a:p>
@@ -4882,6 +4871,18 @@
   <p:clrMapOvr>
     <a:masterClrMapping/>
   </p:clrMapOvr>
+  <mc:AlternateContent xmlns:mc="http://schemas.openxmlformats.org/markup-compatibility/2006">
+    <mc:Choice xmlns:p14="http://schemas.microsoft.com/office/powerpoint/2010/main" Requires="p14">
+      <p:transition spd="slow" p14:dur="1600">
+        <p14:conveyor dir="l"/>
+      </p:transition>
+    </mc:Choice>
+    <mc:Fallback>
+      <p:transition spd="slow">
+        <p:fade/>
+      </p:transition>
+    </mc:Fallback>
+  </mc:AlternateContent>
 </p:sld>
 </file>
 
@@ -5022,6 +5023,7 @@
           </a:bodyPr>
           <a:lstStyle/>
           <a:p>
+            <a:pPr algn="just"/>
             <a:r>
               <a:rPr lang="es-MX" dirty="0">
                 <a:solidFill>
@@ -5071,7 +5073,7 @@
             </a:r>
           </a:p>
           <a:p>
-            <a:pPr marL="285750" indent="-285750">
+            <a:pPr marL="285750" indent="-285750" algn="just">
               <a:buFont typeface="Arial" panose="020B0604020202020204" pitchFamily="34" charset="0"/>
               <a:buChar char="•"/>
             </a:pPr>
@@ -5085,7 +5087,7 @@
             </a:r>
           </a:p>
           <a:p>
-            <a:pPr marL="285750" indent="-285750">
+            <a:pPr marL="285750" indent="-285750" algn="just">
               <a:buFont typeface="Arial" panose="020B0604020202020204" pitchFamily="34" charset="0"/>
               <a:buChar char="•"/>
             </a:pPr>
@@ -5166,7 +5168,7 @@
             </a:r>
           </a:p>
           <a:p>
-            <a:pPr marL="285750" indent="-285750">
+            <a:pPr marL="285750" indent="-285750" algn="just">
               <a:buFont typeface="Arial" panose="020B0604020202020204" pitchFamily="34" charset="0"/>
               <a:buChar char="•"/>
             </a:pPr>
@@ -5180,7 +5182,7 @@
             </a:r>
           </a:p>
           <a:p>
-            <a:pPr marL="285750" indent="-285750">
+            <a:pPr marL="285750" indent="-285750" algn="just">
               <a:buFont typeface="Arial" panose="020B0604020202020204" pitchFamily="34" charset="0"/>
               <a:buChar char="•"/>
             </a:pPr>
@@ -5247,7 +5249,7 @@
             </a:r>
           </a:p>
           <a:p>
-            <a:pPr marL="285750" indent="-285750">
+            <a:pPr marL="285750" indent="-285750" algn="just">
               <a:buFont typeface="Arial" panose="020B0604020202020204" pitchFamily="34" charset="0"/>
               <a:buChar char="•"/>
             </a:pPr>
@@ -5304,6 +5306,540 @@
       </p:transition>
     </mc:Choice>
     <mc:Fallback xmlns="">
+      <p:transition spd="slow">
+        <p:fade/>
+      </p:transition>
+    </mc:Fallback>
+  </mc:AlternateContent>
+</p:sld>
+</file>
+
+<file path=ppt/slides/slide7.xml><?xml version="1.0" encoding="utf-8"?>
+<p:sld xmlns:a="http://schemas.openxmlformats.org/drawingml/2006/main" xmlns:r="http://schemas.openxmlformats.org/officeDocument/2006/relationships" xmlns:p="http://schemas.openxmlformats.org/presentationml/2006/main">
+  <p:cSld>
+    <p:bg>
+      <p:bgPr>
+        <a:solidFill>
+          <a:srgbClr val="0A0928"/>
+        </a:solidFill>
+        <a:effectLst/>
+      </p:bgPr>
+    </p:bg>
+    <p:spTree>
+      <p:nvGrpSpPr>
+        <p:cNvPr id="1" name=""/>
+        <p:cNvGrpSpPr/>
+        <p:nvPr/>
+      </p:nvGrpSpPr>
+      <p:grpSpPr>
+        <a:xfrm>
+          <a:off x="0" y="0"/>
+          <a:ext cx="0" cy="0"/>
+          <a:chOff x="0" y="0"/>
+          <a:chExt cx="0" cy="0"/>
+        </a:xfrm>
+      </p:grpSpPr>
+      <p:pic>
+        <p:nvPicPr>
+          <p:cNvPr id="10" name="Picture 2" descr="Programación (lógica y creatividad))">
+            <a:extLst>
+              <a:ext uri="{FF2B5EF4-FFF2-40B4-BE49-F238E27FC236}">
+                <a16:creationId xmlns:a16="http://schemas.microsoft.com/office/drawing/2014/main" id="{6102F3EC-7B40-4715-A5FF-469B216266E7}"/>
+              </a:ext>
+            </a:extLst>
+          </p:cNvPr>
+          <p:cNvPicPr>
+            <a:picLocks noChangeAspect="1" noChangeArrowheads="1"/>
+          </p:cNvPicPr>
+          <p:nvPr/>
+        </p:nvPicPr>
+        <p:blipFill rotWithShape="1">
+          <a:blip r:embed="rId2">
+            <a:extLst>
+              <a:ext uri="{28A0092B-C50C-407E-A947-70E740481C1C}">
+                <a14:useLocalDpi xmlns:a14="http://schemas.microsoft.com/office/drawing/2010/main" val="0"/>
+              </a:ext>
+            </a:extLst>
+          </a:blip>
+          <a:srcRect r="34631"/>
+          <a:stretch/>
+        </p:blipFill>
+        <p:spPr bwMode="auto">
+          <a:xfrm>
+            <a:off x="3786386" y="0"/>
+            <a:ext cx="8405614" cy="6858000"/>
+          </a:xfrm>
+          <a:prstGeom prst="rect">
+            <a:avLst/>
+          </a:prstGeom>
+          <a:noFill/>
+          <a:extLst>
+            <a:ext uri="{909E8E84-426E-40DD-AFC4-6F175D3DCCD1}">
+              <a14:hiddenFill xmlns:a14="http://schemas.microsoft.com/office/drawing/2010/main">
+                <a:solidFill>
+                  <a:srgbClr val="FFFFFF"/>
+                </a:solidFill>
+              </a14:hiddenFill>
+            </a:ext>
+          </a:extLst>
+        </p:spPr>
+      </p:pic>
+      <p:sp>
+        <p:nvSpPr>
+          <p:cNvPr id="2" name="CuadroTexto 1">
+            <a:extLst>
+              <a:ext uri="{FF2B5EF4-FFF2-40B4-BE49-F238E27FC236}">
+                <a16:creationId xmlns:a16="http://schemas.microsoft.com/office/drawing/2014/main" id="{7C4AD0E2-A8E1-4057-AEB6-A34959AFE323}"/>
+              </a:ext>
+            </a:extLst>
+          </p:cNvPr>
+          <p:cNvSpPr txBox="1"/>
+          <p:nvPr/>
+        </p:nvSpPr>
+        <p:spPr>
+          <a:xfrm>
+            <a:off x="450756" y="31434"/>
+            <a:ext cx="3335629" cy="523220"/>
+          </a:xfrm>
+          <a:prstGeom prst="rect">
+            <a:avLst/>
+          </a:prstGeom>
+          <a:noFill/>
+        </p:spPr>
+        <p:txBody>
+          <a:bodyPr wrap="square" rtlCol="0">
+            <a:spAutoFit/>
+          </a:bodyPr>
+          <a:lstStyle/>
+          <a:p>
+            <a:r>
+              <a:rPr lang="es-MX" sz="2800" b="1" dirty="0">
+                <a:solidFill>
+                  <a:schemeClr val="bg1"/>
+                </a:solidFill>
+              </a:rPr>
+              <a:t>Tipos</a:t>
+            </a:r>
+          </a:p>
+        </p:txBody>
+      </p:sp>
+      <p:sp>
+        <p:nvSpPr>
+          <p:cNvPr id="5" name="CuadroTexto 4">
+            <a:extLst>
+              <a:ext uri="{FF2B5EF4-FFF2-40B4-BE49-F238E27FC236}">
+                <a16:creationId xmlns:a16="http://schemas.microsoft.com/office/drawing/2014/main" id="{DA98A6B8-0DC6-45F2-B652-B3AAF1015E48}"/>
+              </a:ext>
+            </a:extLst>
+          </p:cNvPr>
+          <p:cNvSpPr txBox="1"/>
+          <p:nvPr/>
+        </p:nvSpPr>
+        <p:spPr>
+          <a:xfrm>
+            <a:off x="450756" y="896714"/>
+            <a:ext cx="6362163" cy="1200329"/>
+          </a:xfrm>
+          <a:prstGeom prst="rect">
+            <a:avLst/>
+          </a:prstGeom>
+          <a:noFill/>
+        </p:spPr>
+        <p:txBody>
+          <a:bodyPr wrap="square" rtlCol="0">
+            <a:spAutoFit/>
+          </a:bodyPr>
+          <a:lstStyle/>
+          <a:p>
+            <a:r>
+              <a:rPr lang="es-MX" b="1" i="1" dirty="0">
+                <a:solidFill>
+                  <a:schemeClr val="bg1"/>
+                </a:solidFill>
+              </a:rPr>
+              <a:t>Listas Simplemente Enlazada:</a:t>
+            </a:r>
+          </a:p>
+          <a:p>
+            <a:pPr marL="285750" indent="-285750" algn="just">
+              <a:buFont typeface="Arial" panose="020B0604020202020204" pitchFamily="34" charset="0"/>
+              <a:buChar char="•"/>
+            </a:pPr>
+            <a:r>
+              <a:rPr lang="es-MX" dirty="0">
+                <a:solidFill>
+                  <a:schemeClr val="bg1"/>
+                </a:solidFill>
+              </a:rPr>
+              <a:t>Cada nodo de la estructura tiene un único campo de enlace que apunta al siguiente nodo en la lista. El ultimo nodo en la lista apunta NULL (vacío).</a:t>
+            </a:r>
+          </a:p>
+        </p:txBody>
+      </p:sp>
+      <p:sp>
+        <p:nvSpPr>
+          <p:cNvPr id="7" name="CuadroTexto 6">
+            <a:extLst>
+              <a:ext uri="{FF2B5EF4-FFF2-40B4-BE49-F238E27FC236}">
+                <a16:creationId xmlns:a16="http://schemas.microsoft.com/office/drawing/2014/main" id="{4A79BCC6-D2DF-4A84-8F95-E251EFEAAD54}"/>
+              </a:ext>
+            </a:extLst>
+          </p:cNvPr>
+          <p:cNvSpPr txBox="1"/>
+          <p:nvPr/>
+        </p:nvSpPr>
+        <p:spPr>
+          <a:xfrm>
+            <a:off x="450755" y="2337577"/>
+            <a:ext cx="6362163" cy="1477328"/>
+          </a:xfrm>
+          <a:prstGeom prst="rect">
+            <a:avLst/>
+          </a:prstGeom>
+          <a:noFill/>
+        </p:spPr>
+        <p:txBody>
+          <a:bodyPr wrap="square" rtlCol="0">
+            <a:spAutoFit/>
+          </a:bodyPr>
+          <a:lstStyle/>
+          <a:p>
+            <a:r>
+              <a:rPr lang="es-MX" b="1" i="1" dirty="0">
+                <a:solidFill>
+                  <a:schemeClr val="bg1"/>
+                </a:solidFill>
+              </a:rPr>
+              <a:t>Listas Doblemente Enlazada:</a:t>
+            </a:r>
+          </a:p>
+          <a:p>
+            <a:pPr marL="285750" indent="-285750" algn="just">
+              <a:buFont typeface="Arial" panose="020B0604020202020204" pitchFamily="34" charset="0"/>
+              <a:buChar char="•"/>
+            </a:pPr>
+            <a:r>
+              <a:rPr lang="es-MX" dirty="0">
+                <a:solidFill>
+                  <a:schemeClr val="bg1"/>
+                </a:solidFill>
+              </a:rPr>
+              <a:t>Cada nodo de la estructura tiene un campo de enlace que apunta al siguiente nodo en la lista y un campo de enlace que apunta al nodo anterior de la lista. El ultimo y primer nodo en la lista apunta a NULL.</a:t>
+            </a:r>
+          </a:p>
+        </p:txBody>
+      </p:sp>
+      <p:sp>
+        <p:nvSpPr>
+          <p:cNvPr id="9" name="CuadroTexto 8">
+            <a:extLst>
+              <a:ext uri="{FF2B5EF4-FFF2-40B4-BE49-F238E27FC236}">
+                <a16:creationId xmlns:a16="http://schemas.microsoft.com/office/drawing/2014/main" id="{8E92587F-C28A-441E-A93F-1A3B97AEEE02}"/>
+              </a:ext>
+            </a:extLst>
+          </p:cNvPr>
+          <p:cNvSpPr txBox="1"/>
+          <p:nvPr/>
+        </p:nvSpPr>
+        <p:spPr>
+          <a:xfrm>
+            <a:off x="450754" y="4136123"/>
+            <a:ext cx="6362163" cy="1200329"/>
+          </a:xfrm>
+          <a:prstGeom prst="rect">
+            <a:avLst/>
+          </a:prstGeom>
+          <a:noFill/>
+        </p:spPr>
+        <p:txBody>
+          <a:bodyPr wrap="square" rtlCol="0">
+            <a:spAutoFit/>
+          </a:bodyPr>
+          <a:lstStyle/>
+          <a:p>
+            <a:r>
+              <a:rPr lang="es-MX" b="1" i="1" dirty="0">
+                <a:solidFill>
+                  <a:schemeClr val="bg1"/>
+                </a:solidFill>
+              </a:rPr>
+              <a:t>Listas Circulares Simple:</a:t>
+            </a:r>
+          </a:p>
+          <a:p>
+            <a:pPr marL="285750" indent="-285750">
+              <a:buFont typeface="Arial" panose="020B0604020202020204" pitchFamily="34" charset="0"/>
+              <a:buChar char="•"/>
+            </a:pPr>
+            <a:r>
+              <a:rPr lang="es-MX" dirty="0">
+                <a:solidFill>
+                  <a:schemeClr val="bg1"/>
+                </a:solidFill>
+              </a:rPr>
+              <a:t>Es una lista simple en la que el ultimo nodo apunta al primero en lugar de a NULL.</a:t>
+            </a:r>
+          </a:p>
+          <a:p>
+            <a:pPr marL="285750" indent="-285750">
+              <a:buFont typeface="Arial" panose="020B0604020202020204" pitchFamily="34" charset="0"/>
+              <a:buChar char="•"/>
+            </a:pPr>
+            <a:endParaRPr lang="es-MX" dirty="0">
+              <a:solidFill>
+                <a:schemeClr val="bg1"/>
+              </a:solidFill>
+            </a:endParaRPr>
+          </a:p>
+        </p:txBody>
+      </p:sp>
+      <p:sp>
+        <p:nvSpPr>
+          <p:cNvPr id="4" name="CuadroTexto 3">
+            <a:extLst>
+              <a:ext uri="{FF2B5EF4-FFF2-40B4-BE49-F238E27FC236}">
+                <a16:creationId xmlns:a16="http://schemas.microsoft.com/office/drawing/2014/main" id="{FFA259BA-456F-43C5-BED5-9BD179AD0C3B}"/>
+              </a:ext>
+            </a:extLst>
+          </p:cNvPr>
+          <p:cNvSpPr txBox="1"/>
+          <p:nvPr/>
+        </p:nvSpPr>
+        <p:spPr>
+          <a:xfrm>
+            <a:off x="450754" y="5497061"/>
+            <a:ext cx="6362163" cy="1200329"/>
+          </a:xfrm>
+          <a:prstGeom prst="rect">
+            <a:avLst/>
+          </a:prstGeom>
+          <a:noFill/>
+        </p:spPr>
+        <p:txBody>
+          <a:bodyPr wrap="square" rtlCol="0">
+            <a:spAutoFit/>
+          </a:bodyPr>
+          <a:lstStyle/>
+          <a:p>
+            <a:r>
+              <a:rPr lang="es-MX" b="1" i="1" dirty="0">
+                <a:solidFill>
+                  <a:schemeClr val="bg1"/>
+                </a:solidFill>
+              </a:rPr>
+              <a:t>Listas Circulares Doble</a:t>
+            </a:r>
+          </a:p>
+          <a:p>
+            <a:pPr marL="285750" indent="-285750">
+              <a:buFont typeface="Arial" panose="020B0604020202020204" pitchFamily="34" charset="0"/>
+              <a:buChar char="•"/>
+            </a:pPr>
+            <a:r>
+              <a:rPr lang="es-MX" dirty="0">
+                <a:solidFill>
+                  <a:schemeClr val="bg1"/>
+                </a:solidFill>
+              </a:rPr>
+              <a:t>Es una lista enlazada doble en la que el ultimo nodo apunta al primero y el primero nodo apunta al ultimo.</a:t>
+            </a:r>
+          </a:p>
+          <a:p>
+            <a:pPr marL="285750" indent="-285750">
+              <a:buFont typeface="Arial" panose="020B0604020202020204" pitchFamily="34" charset="0"/>
+              <a:buChar char="•"/>
+            </a:pPr>
+            <a:endParaRPr lang="es-MX" dirty="0">
+              <a:solidFill>
+                <a:schemeClr val="bg1"/>
+              </a:solidFill>
+            </a:endParaRPr>
+          </a:p>
+        </p:txBody>
+      </p:sp>
+      <p:pic>
+        <p:nvPicPr>
+          <p:cNvPr id="11" name="Imagen 10">
+            <a:extLst>
+              <a:ext uri="{FF2B5EF4-FFF2-40B4-BE49-F238E27FC236}">
+                <a16:creationId xmlns:a16="http://schemas.microsoft.com/office/drawing/2014/main" id="{D4504C07-CFEA-47D0-9ADA-A2ECC6B08535}"/>
+              </a:ext>
+            </a:extLst>
+          </p:cNvPr>
+          <p:cNvPicPr>
+            <a:picLocks noChangeAspect="1"/>
+          </p:cNvPicPr>
+          <p:nvPr/>
+        </p:nvPicPr>
+        <p:blipFill rotWithShape="1">
+          <a:blip r:embed="rId3">
+            <a:extLst>
+              <a:ext uri="{28A0092B-C50C-407E-A947-70E740481C1C}">
+                <a14:useLocalDpi xmlns:a14="http://schemas.microsoft.com/office/drawing/2010/main" val="0"/>
+              </a:ext>
+            </a:extLst>
+          </a:blip>
+          <a:srcRect t="25171"/>
+          <a:stretch/>
+        </p:blipFill>
+        <p:spPr>
+          <a:xfrm>
+            <a:off x="7028934" y="1011893"/>
+            <a:ext cx="4577146" cy="997057"/>
+          </a:xfrm>
+          <a:prstGeom prst="rect">
+            <a:avLst/>
+          </a:prstGeom>
+          <a:ln>
+            <a:noFill/>
+          </a:ln>
+          <a:effectLst>
+            <a:softEdge rad="112500"/>
+          </a:effectLst>
+        </p:spPr>
+      </p:pic>
+      <p:pic>
+        <p:nvPicPr>
+          <p:cNvPr id="13" name="Imagen 12">
+            <a:extLst>
+              <a:ext uri="{FF2B5EF4-FFF2-40B4-BE49-F238E27FC236}">
+                <a16:creationId xmlns:a16="http://schemas.microsoft.com/office/drawing/2014/main" id="{A75C9CD4-26B1-41FA-8393-7FD0315D3C1F}"/>
+              </a:ext>
+            </a:extLst>
+          </p:cNvPr>
+          <p:cNvPicPr>
+            <a:picLocks noChangeAspect="1"/>
+          </p:cNvPicPr>
+          <p:nvPr/>
+        </p:nvPicPr>
+        <p:blipFill>
+          <a:blip r:embed="rId4">
+            <a:extLst>
+              <a:ext uri="{28A0092B-C50C-407E-A947-70E740481C1C}">
+                <a14:useLocalDpi xmlns:a14="http://schemas.microsoft.com/office/drawing/2010/main" val="0"/>
+              </a:ext>
+            </a:extLst>
+          </a:blip>
+          <a:stretch>
+            <a:fillRect/>
+          </a:stretch>
+        </p:blipFill>
+        <p:spPr>
+          <a:xfrm>
+            <a:off x="7028934" y="2562501"/>
+            <a:ext cx="4457459" cy="1313659"/>
+          </a:xfrm>
+          <a:prstGeom prst="rect">
+            <a:avLst/>
+          </a:prstGeom>
+          <a:ln>
+            <a:noFill/>
+          </a:ln>
+          <a:effectLst>
+            <a:softEdge rad="112500"/>
+          </a:effectLst>
+        </p:spPr>
+      </p:pic>
+      <p:pic>
+        <p:nvPicPr>
+          <p:cNvPr id="15" name="Imagen 14">
+            <a:extLst>
+              <a:ext uri="{FF2B5EF4-FFF2-40B4-BE49-F238E27FC236}">
+                <a16:creationId xmlns:a16="http://schemas.microsoft.com/office/drawing/2014/main" id="{A5788055-F334-4FFE-9034-10CD991D5B13}"/>
+              </a:ext>
+            </a:extLst>
+          </p:cNvPr>
+          <p:cNvPicPr>
+            <a:picLocks noChangeAspect="1"/>
+          </p:cNvPicPr>
+          <p:nvPr/>
+        </p:nvPicPr>
+        <p:blipFill rotWithShape="1">
+          <a:blip r:embed="rId5">
+            <a:extLst>
+              <a:ext uri="{28A0092B-C50C-407E-A947-70E740481C1C}">
+                <a14:useLocalDpi xmlns:a14="http://schemas.microsoft.com/office/drawing/2010/main" val="0"/>
+              </a:ext>
+            </a:extLst>
+          </a:blip>
+          <a:srcRect t="22775"/>
+          <a:stretch/>
+        </p:blipFill>
+        <p:spPr>
+          <a:xfrm>
+            <a:off x="7888638" y="4135125"/>
+            <a:ext cx="2968599" cy="1081911"/>
+          </a:xfrm>
+          <a:prstGeom prst="rect">
+            <a:avLst/>
+          </a:prstGeom>
+          <a:ln>
+            <a:noFill/>
+          </a:ln>
+          <a:effectLst>
+            <a:softEdge rad="112500"/>
+          </a:effectLst>
+        </p:spPr>
+      </p:pic>
+      <p:pic>
+        <p:nvPicPr>
+          <p:cNvPr id="17" name="Imagen 16">
+            <a:extLst>
+              <a:ext uri="{FF2B5EF4-FFF2-40B4-BE49-F238E27FC236}">
+                <a16:creationId xmlns:a16="http://schemas.microsoft.com/office/drawing/2014/main" id="{88CE5CB5-E08B-492F-9995-F847E67A7DC1}"/>
+              </a:ext>
+            </a:extLst>
+          </p:cNvPr>
+          <p:cNvPicPr>
+            <a:picLocks noChangeAspect="1"/>
+          </p:cNvPicPr>
+          <p:nvPr/>
+        </p:nvPicPr>
+        <p:blipFill>
+          <a:blip r:embed="rId6">
+            <a:extLst>
+              <a:ext uri="{28A0092B-C50C-407E-A947-70E740481C1C}">
+                <a14:useLocalDpi xmlns:a14="http://schemas.microsoft.com/office/drawing/2010/main" val="0"/>
+              </a:ext>
+            </a:extLst>
+          </a:blip>
+          <a:stretch>
+            <a:fillRect/>
+          </a:stretch>
+        </p:blipFill>
+        <p:spPr>
+          <a:xfrm>
+            <a:off x="7088778" y="5476001"/>
+            <a:ext cx="4160878" cy="1048346"/>
+          </a:xfrm>
+          <a:prstGeom prst="rect">
+            <a:avLst/>
+          </a:prstGeom>
+          <a:ln>
+            <a:noFill/>
+          </a:ln>
+          <a:effectLst>
+            <a:softEdge rad="112500"/>
+          </a:effectLst>
+        </p:spPr>
+      </p:pic>
+    </p:spTree>
+    <p:extLst>
+      <p:ext uri="{BB962C8B-B14F-4D97-AF65-F5344CB8AC3E}">
+        <p14:creationId xmlns:p14="http://schemas.microsoft.com/office/powerpoint/2010/main" val="3033439569"/>
+      </p:ext>
+    </p:extLst>
+  </p:cSld>
+  <p:clrMapOvr>
+    <a:masterClrMapping/>
+  </p:clrMapOvr>
+  <mc:AlternateContent xmlns:mc="http://schemas.openxmlformats.org/markup-compatibility/2006">
+    <mc:Choice xmlns:p14="http://schemas.microsoft.com/office/powerpoint/2010/main" Requires="p14">
+      <p:transition spd="slow" p14:dur="1500">
+        <p14:window dir="vert"/>
+      </p:transition>
+    </mc:Choice>
+    <mc:Fallback>
       <p:transition spd="slow">
         <p:fade/>
       </p:transition>

--- a/Expo/Expo_Listas.pptx
+++ b/Expo/Expo_Listas.pptx
@@ -2,7 +2,7 @@
 <file path=ppt/presentation.xml><?xml version="1.0" encoding="utf-8"?>
 <p:presentation xmlns:a="http://schemas.openxmlformats.org/drawingml/2006/main" xmlns:r="http://schemas.openxmlformats.org/officeDocument/2006/relationships" xmlns:p="http://schemas.openxmlformats.org/presentationml/2006/main" saveSubsetFonts="1">
   <p:sldMasterIdLst>
-    <p:sldMasterId id="2147483648" r:id="rId1"/>
+    <p:sldMasterId id="2147483720" r:id="rId1"/>
   </p:sldMasterIdLst>
   <p:sldIdLst>
     <p:sldId id="256" r:id="rId2"/>
@@ -11,7 +11,8 @@
     <p:sldId id="260" r:id="rId5"/>
     <p:sldId id="261" r:id="rId6"/>
     <p:sldId id="259" r:id="rId7"/>
-    <p:sldId id="262" r:id="rId8"/>
+    <p:sldId id="263" r:id="rId8"/>
+    <p:sldId id="262" r:id="rId9"/>
   </p:sldIdLst>
   <p:sldSz cx="12192000" cy="6858000"/>
   <p:notesSz cx="6858000" cy="9144000"/>
@@ -137,13 +138,7 @@
       </p:grpSpPr>
       <p:sp>
         <p:nvSpPr>
-          <p:cNvPr id="2" name="Título 1">
-            <a:extLst>
-              <a:ext uri="{FF2B5EF4-FFF2-40B4-BE49-F238E27FC236}">
-                <a16:creationId xmlns:a16="http://schemas.microsoft.com/office/drawing/2014/main" id="{BFA2417F-432A-4428-9D0A-97FE1A6C1A4B}"/>
-              </a:ext>
-            </a:extLst>
-          </p:cNvPr>
+          <p:cNvPr id="2" name="Title 1"/>
           <p:cNvSpPr>
             <a:spLocks noGrp="1"/>
           </p:cNvSpPr>
@@ -166,22 +161,16 @@
           </a:lstStyle>
           <a:p>
             <a:r>
-              <a:rPr lang="es-ES"/>
+              <a:rPr lang="es-ES" smtClean="0"/>
               <a:t>Haga clic para modificar el estilo de título del patrón</a:t>
             </a:r>
-            <a:endParaRPr lang="es-MX"/>
-          </a:p>
-        </p:txBody>
-      </p:sp>
-      <p:sp>
-        <p:nvSpPr>
-          <p:cNvPr id="3" name="Subtítulo 2">
-            <a:extLst>
-              <a:ext uri="{FF2B5EF4-FFF2-40B4-BE49-F238E27FC236}">
-                <a16:creationId xmlns:a16="http://schemas.microsoft.com/office/drawing/2014/main" id="{009CB6A6-FC5D-45F7-BCCF-937361459FD5}"/>
-              </a:ext>
-            </a:extLst>
-          </p:cNvPr>
+            <a:endParaRPr lang="en-US" dirty="0"/>
+          </a:p>
+        </p:txBody>
+      </p:sp>
+      <p:sp>
+        <p:nvSpPr>
+          <p:cNvPr id="3" name="Subtitle 2"/>
           <p:cNvSpPr>
             <a:spLocks noGrp="1"/>
           </p:cNvSpPr>
@@ -237,22 +226,16 @@
           </a:lstStyle>
           <a:p>
             <a:r>
-              <a:rPr lang="es-ES"/>
-              <a:t>Haga clic para modificar el estilo de subtítulo del patrón</a:t>
-            </a:r>
-            <a:endParaRPr lang="es-MX"/>
-          </a:p>
-        </p:txBody>
-      </p:sp>
-      <p:sp>
-        <p:nvSpPr>
-          <p:cNvPr id="4" name="Marcador de fecha 3">
-            <a:extLst>
-              <a:ext uri="{FF2B5EF4-FFF2-40B4-BE49-F238E27FC236}">
-                <a16:creationId xmlns:a16="http://schemas.microsoft.com/office/drawing/2014/main" id="{CA670B32-F03B-4E94-BB6A-472A0CE58B74}"/>
-              </a:ext>
-            </a:extLst>
-          </p:cNvPr>
+              <a:rPr lang="es-ES" smtClean="0"/>
+              <a:t>Haga clic para editar el estilo de subtítulo del patrón</a:t>
+            </a:r>
+            <a:endParaRPr lang="en-US" dirty="0"/>
+          </a:p>
+        </p:txBody>
+      </p:sp>
+      <p:sp>
+        <p:nvSpPr>
+          <p:cNvPr id="4" name="Date Placeholder 3"/>
           <p:cNvSpPr>
             <a:spLocks noGrp="1"/>
           </p:cNvSpPr>
@@ -267,7 +250,7 @@
           <a:p>
             <a:fld id="{5F069921-8D55-4BEA-8BE8-79909F57DFDF}" type="datetimeFigureOut">
               <a:rPr lang="es-MX" smtClean="0"/>
-              <a:t>31/10/2020</a:t>
+              <a:t>02/11/2020</a:t>
             </a:fld>
             <a:endParaRPr lang="es-MX" dirty="0"/>
           </a:p>
@@ -275,13 +258,7 @@
       </p:sp>
       <p:sp>
         <p:nvSpPr>
-          <p:cNvPr id="5" name="Marcador de pie de página 4">
-            <a:extLst>
-              <a:ext uri="{FF2B5EF4-FFF2-40B4-BE49-F238E27FC236}">
-                <a16:creationId xmlns:a16="http://schemas.microsoft.com/office/drawing/2014/main" id="{B59CBECB-A28F-49CE-B784-4652F67B3045}"/>
-              </a:ext>
-            </a:extLst>
-          </p:cNvPr>
+          <p:cNvPr id="5" name="Footer Placeholder 4"/>
           <p:cNvSpPr>
             <a:spLocks noGrp="1"/>
           </p:cNvSpPr>
@@ -300,13 +277,7 @@
       </p:sp>
       <p:sp>
         <p:nvSpPr>
-          <p:cNvPr id="6" name="Marcador de número de diapositiva 5">
-            <a:extLst>
-              <a:ext uri="{FF2B5EF4-FFF2-40B4-BE49-F238E27FC236}">
-                <a16:creationId xmlns:a16="http://schemas.microsoft.com/office/drawing/2014/main" id="{4FFA3779-8B73-4DB9-B53B-0684AA8A9270}"/>
-              </a:ext>
-            </a:extLst>
-          </p:cNvPr>
+          <p:cNvPr id="6" name="Slide Number Placeholder 5"/>
           <p:cNvSpPr>
             <a:spLocks noGrp="1"/>
           </p:cNvSpPr>
@@ -330,7 +301,7 @@
     </p:spTree>
     <p:extLst>
       <p:ext uri="{BB962C8B-B14F-4D97-AF65-F5344CB8AC3E}">
-        <p14:creationId xmlns:p14="http://schemas.microsoft.com/office/powerpoint/2010/main" val="2800214434"/>
+        <p14:creationId xmlns:p14="http://schemas.microsoft.com/office/powerpoint/2010/main" val="3878365535"/>
       </p:ext>
     </p:extLst>
   </p:cSld>
@@ -359,13 +330,7 @@
       </p:grpSpPr>
       <p:sp>
         <p:nvSpPr>
-          <p:cNvPr id="2" name="Título 1">
-            <a:extLst>
-              <a:ext uri="{FF2B5EF4-FFF2-40B4-BE49-F238E27FC236}">
-                <a16:creationId xmlns:a16="http://schemas.microsoft.com/office/drawing/2014/main" id="{FE583557-E636-481C-8A9F-4D3A96A53FC5}"/>
-              </a:ext>
-            </a:extLst>
-          </p:cNvPr>
+          <p:cNvPr id="2" name="Title 1"/>
           <p:cNvSpPr>
             <a:spLocks noGrp="1"/>
           </p:cNvSpPr>
@@ -379,22 +344,16 @@
           <a:lstStyle/>
           <a:p>
             <a:r>
-              <a:rPr lang="es-ES"/>
+              <a:rPr lang="es-ES" smtClean="0"/>
               <a:t>Haga clic para modificar el estilo de título del patrón</a:t>
             </a:r>
-            <a:endParaRPr lang="es-MX"/>
-          </a:p>
-        </p:txBody>
-      </p:sp>
-      <p:sp>
-        <p:nvSpPr>
-          <p:cNvPr id="3" name="Marcador de texto vertical 2">
-            <a:extLst>
-              <a:ext uri="{FF2B5EF4-FFF2-40B4-BE49-F238E27FC236}">
-                <a16:creationId xmlns:a16="http://schemas.microsoft.com/office/drawing/2014/main" id="{75237ED8-4F75-40D2-8BFB-1F02F30D9DCE}"/>
-              </a:ext>
-            </a:extLst>
-          </p:cNvPr>
+            <a:endParaRPr lang="en-US" dirty="0"/>
+          </a:p>
+        </p:txBody>
+      </p:sp>
+      <p:sp>
+        <p:nvSpPr>
+          <p:cNvPr id="3" name="Vertical Text Placeholder 2"/>
           <p:cNvSpPr>
             <a:spLocks noGrp="1"/>
           </p:cNvSpPr>
@@ -409,50 +368,44 @@
           <a:p>
             <a:pPr lvl="0"/>
             <a:r>
-              <a:rPr lang="es-ES"/>
-              <a:t>Haga clic para modificar los estilos de texto del patrón</a:t>
+              <a:rPr lang="es-ES" smtClean="0"/>
+              <a:t>Editar el estilo de texto del patrón</a:t>
             </a:r>
           </a:p>
           <a:p>
             <a:pPr lvl="1"/>
             <a:r>
-              <a:rPr lang="es-ES"/>
+              <a:rPr lang="es-ES" smtClean="0"/>
               <a:t>Segundo nivel</a:t>
             </a:r>
           </a:p>
           <a:p>
             <a:pPr lvl="2"/>
             <a:r>
-              <a:rPr lang="es-ES"/>
+              <a:rPr lang="es-ES" smtClean="0"/>
               <a:t>Tercer nivel</a:t>
             </a:r>
           </a:p>
           <a:p>
             <a:pPr lvl="3"/>
             <a:r>
-              <a:rPr lang="es-ES"/>
+              <a:rPr lang="es-ES" smtClean="0"/>
               <a:t>Cuarto nivel</a:t>
             </a:r>
           </a:p>
           <a:p>
             <a:pPr lvl="4"/>
             <a:r>
-              <a:rPr lang="es-ES"/>
+              <a:rPr lang="es-ES" smtClean="0"/>
               <a:t>Quinto nivel</a:t>
             </a:r>
-            <a:endParaRPr lang="es-MX"/>
-          </a:p>
-        </p:txBody>
-      </p:sp>
-      <p:sp>
-        <p:nvSpPr>
-          <p:cNvPr id="4" name="Marcador de fecha 3">
-            <a:extLst>
-              <a:ext uri="{FF2B5EF4-FFF2-40B4-BE49-F238E27FC236}">
-                <a16:creationId xmlns:a16="http://schemas.microsoft.com/office/drawing/2014/main" id="{AFDC6A99-1495-4F5C-8994-5ADF37930311}"/>
-              </a:ext>
-            </a:extLst>
-          </p:cNvPr>
+            <a:endParaRPr lang="en-US" dirty="0"/>
+          </a:p>
+        </p:txBody>
+      </p:sp>
+      <p:sp>
+        <p:nvSpPr>
+          <p:cNvPr id="4" name="Date Placeholder 3"/>
           <p:cNvSpPr>
             <a:spLocks noGrp="1"/>
           </p:cNvSpPr>
@@ -467,7 +420,7 @@
           <a:p>
             <a:fld id="{5F069921-8D55-4BEA-8BE8-79909F57DFDF}" type="datetimeFigureOut">
               <a:rPr lang="es-MX" smtClean="0"/>
-              <a:t>31/10/2020</a:t>
+              <a:t>02/11/2020</a:t>
             </a:fld>
             <a:endParaRPr lang="es-MX" dirty="0"/>
           </a:p>
@@ -475,13 +428,7 @@
       </p:sp>
       <p:sp>
         <p:nvSpPr>
-          <p:cNvPr id="5" name="Marcador de pie de página 4">
-            <a:extLst>
-              <a:ext uri="{FF2B5EF4-FFF2-40B4-BE49-F238E27FC236}">
-                <a16:creationId xmlns:a16="http://schemas.microsoft.com/office/drawing/2014/main" id="{A72C048B-BDAA-46A5-9242-7340BE856474}"/>
-              </a:ext>
-            </a:extLst>
-          </p:cNvPr>
+          <p:cNvPr id="5" name="Footer Placeholder 4"/>
           <p:cNvSpPr>
             <a:spLocks noGrp="1"/>
           </p:cNvSpPr>
@@ -500,13 +447,7 @@
       </p:sp>
       <p:sp>
         <p:nvSpPr>
-          <p:cNvPr id="6" name="Marcador de número de diapositiva 5">
-            <a:extLst>
-              <a:ext uri="{FF2B5EF4-FFF2-40B4-BE49-F238E27FC236}">
-                <a16:creationId xmlns:a16="http://schemas.microsoft.com/office/drawing/2014/main" id="{8FD90A3D-9228-452D-A113-47A0E8D822CD}"/>
-              </a:ext>
-            </a:extLst>
-          </p:cNvPr>
+          <p:cNvPr id="6" name="Slide Number Placeholder 5"/>
           <p:cNvSpPr>
             <a:spLocks noGrp="1"/>
           </p:cNvSpPr>
@@ -530,7 +471,7 @@
     </p:spTree>
     <p:extLst>
       <p:ext uri="{BB962C8B-B14F-4D97-AF65-F5344CB8AC3E}">
-        <p14:creationId xmlns:p14="http://schemas.microsoft.com/office/powerpoint/2010/main" val="922985938"/>
+        <p14:creationId xmlns:p14="http://schemas.microsoft.com/office/powerpoint/2010/main" val="3937843336"/>
       </p:ext>
     </p:extLst>
   </p:cSld>
@@ -559,13 +500,7 @@
       </p:grpSpPr>
       <p:sp>
         <p:nvSpPr>
-          <p:cNvPr id="2" name="Título vertical 1">
-            <a:extLst>
-              <a:ext uri="{FF2B5EF4-FFF2-40B4-BE49-F238E27FC236}">
-                <a16:creationId xmlns:a16="http://schemas.microsoft.com/office/drawing/2014/main" id="{EB5DF6A0-C7A9-4AA0-A803-BFADD7152F91}"/>
-              </a:ext>
-            </a:extLst>
-          </p:cNvPr>
+          <p:cNvPr id="2" name="Vertical Title 1"/>
           <p:cNvSpPr>
             <a:spLocks noGrp="1"/>
           </p:cNvSpPr>
@@ -584,22 +519,16 @@
           <a:lstStyle/>
           <a:p>
             <a:r>
-              <a:rPr lang="es-ES"/>
+              <a:rPr lang="es-ES" smtClean="0"/>
               <a:t>Haga clic para modificar el estilo de título del patrón</a:t>
             </a:r>
-            <a:endParaRPr lang="es-MX"/>
-          </a:p>
-        </p:txBody>
-      </p:sp>
-      <p:sp>
-        <p:nvSpPr>
-          <p:cNvPr id="3" name="Marcador de texto vertical 2">
-            <a:extLst>
-              <a:ext uri="{FF2B5EF4-FFF2-40B4-BE49-F238E27FC236}">
-                <a16:creationId xmlns:a16="http://schemas.microsoft.com/office/drawing/2014/main" id="{55C10B50-2E82-43BD-9B66-7544834B499B}"/>
-              </a:ext>
-            </a:extLst>
-          </p:cNvPr>
+            <a:endParaRPr lang="en-US" dirty="0"/>
+          </a:p>
+        </p:txBody>
+      </p:sp>
+      <p:sp>
+        <p:nvSpPr>
+          <p:cNvPr id="3" name="Vertical Text Placeholder 2"/>
           <p:cNvSpPr>
             <a:spLocks noGrp="1"/>
           </p:cNvSpPr>
@@ -619,50 +548,44 @@
           <a:p>
             <a:pPr lvl="0"/>
             <a:r>
-              <a:rPr lang="es-ES"/>
-              <a:t>Haga clic para modificar los estilos de texto del patrón</a:t>
+              <a:rPr lang="es-ES" smtClean="0"/>
+              <a:t>Editar el estilo de texto del patrón</a:t>
             </a:r>
           </a:p>
           <a:p>
             <a:pPr lvl="1"/>
             <a:r>
-              <a:rPr lang="es-ES"/>
+              <a:rPr lang="es-ES" smtClean="0"/>
               <a:t>Segundo nivel</a:t>
             </a:r>
           </a:p>
           <a:p>
             <a:pPr lvl="2"/>
             <a:r>
-              <a:rPr lang="es-ES"/>
+              <a:rPr lang="es-ES" smtClean="0"/>
               <a:t>Tercer nivel</a:t>
             </a:r>
           </a:p>
           <a:p>
             <a:pPr lvl="3"/>
             <a:r>
-              <a:rPr lang="es-ES"/>
+              <a:rPr lang="es-ES" smtClean="0"/>
               <a:t>Cuarto nivel</a:t>
             </a:r>
           </a:p>
           <a:p>
             <a:pPr lvl="4"/>
             <a:r>
-              <a:rPr lang="es-ES"/>
+              <a:rPr lang="es-ES" smtClean="0"/>
               <a:t>Quinto nivel</a:t>
             </a:r>
-            <a:endParaRPr lang="es-MX"/>
-          </a:p>
-        </p:txBody>
-      </p:sp>
-      <p:sp>
-        <p:nvSpPr>
-          <p:cNvPr id="4" name="Marcador de fecha 3">
-            <a:extLst>
-              <a:ext uri="{FF2B5EF4-FFF2-40B4-BE49-F238E27FC236}">
-                <a16:creationId xmlns:a16="http://schemas.microsoft.com/office/drawing/2014/main" id="{18EAF548-D1A9-4DE9-8700-FB0DF3482913}"/>
-              </a:ext>
-            </a:extLst>
-          </p:cNvPr>
+            <a:endParaRPr lang="en-US" dirty="0"/>
+          </a:p>
+        </p:txBody>
+      </p:sp>
+      <p:sp>
+        <p:nvSpPr>
+          <p:cNvPr id="4" name="Date Placeholder 3"/>
           <p:cNvSpPr>
             <a:spLocks noGrp="1"/>
           </p:cNvSpPr>
@@ -677,7 +600,7 @@
           <a:p>
             <a:fld id="{5F069921-8D55-4BEA-8BE8-79909F57DFDF}" type="datetimeFigureOut">
               <a:rPr lang="es-MX" smtClean="0"/>
-              <a:t>31/10/2020</a:t>
+              <a:t>02/11/2020</a:t>
             </a:fld>
             <a:endParaRPr lang="es-MX" dirty="0"/>
           </a:p>
@@ -685,13 +608,7 @@
       </p:sp>
       <p:sp>
         <p:nvSpPr>
-          <p:cNvPr id="5" name="Marcador de pie de página 4">
-            <a:extLst>
-              <a:ext uri="{FF2B5EF4-FFF2-40B4-BE49-F238E27FC236}">
-                <a16:creationId xmlns:a16="http://schemas.microsoft.com/office/drawing/2014/main" id="{19D67512-D0A1-484D-AD0C-236BB6CDD65B}"/>
-              </a:ext>
-            </a:extLst>
-          </p:cNvPr>
+          <p:cNvPr id="5" name="Footer Placeholder 4"/>
           <p:cNvSpPr>
             <a:spLocks noGrp="1"/>
           </p:cNvSpPr>
@@ -710,13 +627,7 @@
       </p:sp>
       <p:sp>
         <p:nvSpPr>
-          <p:cNvPr id="6" name="Marcador de número de diapositiva 5">
-            <a:extLst>
-              <a:ext uri="{FF2B5EF4-FFF2-40B4-BE49-F238E27FC236}">
-                <a16:creationId xmlns:a16="http://schemas.microsoft.com/office/drawing/2014/main" id="{851351FD-B6D5-46F0-B9B8-FEA849B42B08}"/>
-              </a:ext>
-            </a:extLst>
-          </p:cNvPr>
+          <p:cNvPr id="6" name="Slide Number Placeholder 5"/>
           <p:cNvSpPr>
             <a:spLocks noGrp="1"/>
           </p:cNvSpPr>
@@ -740,7 +651,7 @@
     </p:spTree>
     <p:extLst>
       <p:ext uri="{BB962C8B-B14F-4D97-AF65-F5344CB8AC3E}">
-        <p14:creationId xmlns:p14="http://schemas.microsoft.com/office/powerpoint/2010/main" val="3126060986"/>
+        <p14:creationId xmlns:p14="http://schemas.microsoft.com/office/powerpoint/2010/main" val="428207336"/>
       </p:ext>
     </p:extLst>
   </p:cSld>
@@ -769,13 +680,7 @@
       </p:grpSpPr>
       <p:sp>
         <p:nvSpPr>
-          <p:cNvPr id="2" name="Título 1">
-            <a:extLst>
-              <a:ext uri="{FF2B5EF4-FFF2-40B4-BE49-F238E27FC236}">
-                <a16:creationId xmlns:a16="http://schemas.microsoft.com/office/drawing/2014/main" id="{972406BE-A8FD-404F-A1AE-8EB2F0B02E0D}"/>
-              </a:ext>
-            </a:extLst>
-          </p:cNvPr>
+          <p:cNvPr id="2" name="Title 1"/>
           <p:cNvSpPr>
             <a:spLocks noGrp="1"/>
           </p:cNvSpPr>
@@ -789,22 +694,16 @@
           <a:lstStyle/>
           <a:p>
             <a:r>
-              <a:rPr lang="es-ES"/>
+              <a:rPr lang="es-ES" smtClean="0"/>
               <a:t>Haga clic para modificar el estilo de título del patrón</a:t>
             </a:r>
-            <a:endParaRPr lang="es-MX"/>
-          </a:p>
-        </p:txBody>
-      </p:sp>
-      <p:sp>
-        <p:nvSpPr>
-          <p:cNvPr id="3" name="Marcador de contenido 2">
-            <a:extLst>
-              <a:ext uri="{FF2B5EF4-FFF2-40B4-BE49-F238E27FC236}">
-                <a16:creationId xmlns:a16="http://schemas.microsoft.com/office/drawing/2014/main" id="{6255652E-F547-491E-8A3B-17AB76BF8F85}"/>
-              </a:ext>
-            </a:extLst>
-          </p:cNvPr>
+            <a:endParaRPr lang="en-US" dirty="0"/>
+          </a:p>
+        </p:txBody>
+      </p:sp>
+      <p:sp>
+        <p:nvSpPr>
+          <p:cNvPr id="3" name="Content Placeholder 2"/>
           <p:cNvSpPr>
             <a:spLocks noGrp="1"/>
           </p:cNvSpPr>
@@ -819,50 +718,44 @@
           <a:p>
             <a:pPr lvl="0"/>
             <a:r>
-              <a:rPr lang="es-ES"/>
-              <a:t>Haga clic para modificar los estilos de texto del patrón</a:t>
+              <a:rPr lang="es-ES" smtClean="0"/>
+              <a:t>Editar el estilo de texto del patrón</a:t>
             </a:r>
           </a:p>
           <a:p>
             <a:pPr lvl="1"/>
             <a:r>
-              <a:rPr lang="es-ES"/>
+              <a:rPr lang="es-ES" smtClean="0"/>
               <a:t>Segundo nivel</a:t>
             </a:r>
           </a:p>
           <a:p>
             <a:pPr lvl="2"/>
             <a:r>
-              <a:rPr lang="es-ES"/>
+              <a:rPr lang="es-ES" smtClean="0"/>
               <a:t>Tercer nivel</a:t>
             </a:r>
           </a:p>
           <a:p>
             <a:pPr lvl="3"/>
             <a:r>
-              <a:rPr lang="es-ES"/>
+              <a:rPr lang="es-ES" smtClean="0"/>
               <a:t>Cuarto nivel</a:t>
             </a:r>
           </a:p>
           <a:p>
             <a:pPr lvl="4"/>
             <a:r>
-              <a:rPr lang="es-ES"/>
+              <a:rPr lang="es-ES" smtClean="0"/>
               <a:t>Quinto nivel</a:t>
             </a:r>
-            <a:endParaRPr lang="es-MX"/>
-          </a:p>
-        </p:txBody>
-      </p:sp>
-      <p:sp>
-        <p:nvSpPr>
-          <p:cNvPr id="4" name="Marcador de fecha 3">
-            <a:extLst>
-              <a:ext uri="{FF2B5EF4-FFF2-40B4-BE49-F238E27FC236}">
-                <a16:creationId xmlns:a16="http://schemas.microsoft.com/office/drawing/2014/main" id="{E58FCE32-F61E-499E-B727-FC22F8339F64}"/>
-              </a:ext>
-            </a:extLst>
-          </p:cNvPr>
+            <a:endParaRPr lang="en-US" dirty="0"/>
+          </a:p>
+        </p:txBody>
+      </p:sp>
+      <p:sp>
+        <p:nvSpPr>
+          <p:cNvPr id="4" name="Date Placeholder 3"/>
           <p:cNvSpPr>
             <a:spLocks noGrp="1"/>
           </p:cNvSpPr>
@@ -877,7 +770,7 @@
           <a:p>
             <a:fld id="{5F069921-8D55-4BEA-8BE8-79909F57DFDF}" type="datetimeFigureOut">
               <a:rPr lang="es-MX" smtClean="0"/>
-              <a:t>31/10/2020</a:t>
+              <a:t>02/11/2020</a:t>
             </a:fld>
             <a:endParaRPr lang="es-MX" dirty="0"/>
           </a:p>
@@ -885,13 +778,7 @@
       </p:sp>
       <p:sp>
         <p:nvSpPr>
-          <p:cNvPr id="5" name="Marcador de pie de página 4">
-            <a:extLst>
-              <a:ext uri="{FF2B5EF4-FFF2-40B4-BE49-F238E27FC236}">
-                <a16:creationId xmlns:a16="http://schemas.microsoft.com/office/drawing/2014/main" id="{15CBE7A6-B473-43DB-9194-59BA07466526}"/>
-              </a:ext>
-            </a:extLst>
-          </p:cNvPr>
+          <p:cNvPr id="5" name="Footer Placeholder 4"/>
           <p:cNvSpPr>
             <a:spLocks noGrp="1"/>
           </p:cNvSpPr>
@@ -910,13 +797,7 @@
       </p:sp>
       <p:sp>
         <p:nvSpPr>
-          <p:cNvPr id="6" name="Marcador de número de diapositiva 5">
-            <a:extLst>
-              <a:ext uri="{FF2B5EF4-FFF2-40B4-BE49-F238E27FC236}">
-                <a16:creationId xmlns:a16="http://schemas.microsoft.com/office/drawing/2014/main" id="{AD6A5499-9E35-4A56-BEAF-94474355D1CA}"/>
-              </a:ext>
-            </a:extLst>
-          </p:cNvPr>
+          <p:cNvPr id="6" name="Slide Number Placeholder 5"/>
           <p:cNvSpPr>
             <a:spLocks noGrp="1"/>
           </p:cNvSpPr>
@@ -940,7 +821,7 @@
     </p:spTree>
     <p:extLst>
       <p:ext uri="{BB962C8B-B14F-4D97-AF65-F5344CB8AC3E}">
-        <p14:creationId xmlns:p14="http://schemas.microsoft.com/office/powerpoint/2010/main" val="2422034033"/>
+        <p14:creationId xmlns:p14="http://schemas.microsoft.com/office/powerpoint/2010/main" val="1484123193"/>
       </p:ext>
     </p:extLst>
   </p:cSld>
@@ -969,13 +850,7 @@
       </p:grpSpPr>
       <p:sp>
         <p:nvSpPr>
-          <p:cNvPr id="2" name="Título 1">
-            <a:extLst>
-              <a:ext uri="{FF2B5EF4-FFF2-40B4-BE49-F238E27FC236}">
-                <a16:creationId xmlns:a16="http://schemas.microsoft.com/office/drawing/2014/main" id="{89F27C54-D3D7-4495-9B5E-0D67468AA44D}"/>
-              </a:ext>
-            </a:extLst>
-          </p:cNvPr>
+          <p:cNvPr id="2" name="Title 1"/>
           <p:cNvSpPr>
             <a:spLocks noGrp="1"/>
           </p:cNvSpPr>
@@ -998,22 +873,16 @@
           </a:lstStyle>
           <a:p>
             <a:r>
-              <a:rPr lang="es-ES"/>
+              <a:rPr lang="es-ES" smtClean="0"/>
               <a:t>Haga clic para modificar el estilo de título del patrón</a:t>
             </a:r>
-            <a:endParaRPr lang="es-MX"/>
-          </a:p>
-        </p:txBody>
-      </p:sp>
-      <p:sp>
-        <p:nvSpPr>
-          <p:cNvPr id="3" name="Marcador de texto 2">
-            <a:extLst>
-              <a:ext uri="{FF2B5EF4-FFF2-40B4-BE49-F238E27FC236}">
-                <a16:creationId xmlns:a16="http://schemas.microsoft.com/office/drawing/2014/main" id="{C35DFBC7-9FF0-4A78-AED2-E3F1CB30D4DF}"/>
-              </a:ext>
-            </a:extLst>
-          </p:cNvPr>
+            <a:endParaRPr lang="en-US" dirty="0"/>
+          </a:p>
+        </p:txBody>
+      </p:sp>
+      <p:sp>
+        <p:nvSpPr>
+          <p:cNvPr id="3" name="Text Placeholder 2"/>
           <p:cNvSpPr>
             <a:spLocks noGrp="1"/>
           </p:cNvSpPr>
@@ -1124,21 +993,15 @@
           <a:p>
             <a:pPr lvl="0"/>
             <a:r>
-              <a:rPr lang="es-ES"/>
-              <a:t>Haga clic para modificar los estilos de texto del patrón</a:t>
-            </a:r>
-          </a:p>
-        </p:txBody>
-      </p:sp>
-      <p:sp>
-        <p:nvSpPr>
-          <p:cNvPr id="4" name="Marcador de fecha 3">
-            <a:extLst>
-              <a:ext uri="{FF2B5EF4-FFF2-40B4-BE49-F238E27FC236}">
-                <a16:creationId xmlns:a16="http://schemas.microsoft.com/office/drawing/2014/main" id="{5046F270-7ED8-49BF-9A41-55F8DC60B36A}"/>
-              </a:ext>
-            </a:extLst>
-          </p:cNvPr>
+              <a:rPr lang="es-ES" smtClean="0"/>
+              <a:t>Editar el estilo de texto del patrón</a:t>
+            </a:r>
+          </a:p>
+        </p:txBody>
+      </p:sp>
+      <p:sp>
+        <p:nvSpPr>
+          <p:cNvPr id="4" name="Date Placeholder 3"/>
           <p:cNvSpPr>
             <a:spLocks noGrp="1"/>
           </p:cNvSpPr>
@@ -1153,7 +1016,7 @@
           <a:p>
             <a:fld id="{5F069921-8D55-4BEA-8BE8-79909F57DFDF}" type="datetimeFigureOut">
               <a:rPr lang="es-MX" smtClean="0"/>
-              <a:t>31/10/2020</a:t>
+              <a:t>02/11/2020</a:t>
             </a:fld>
             <a:endParaRPr lang="es-MX" dirty="0"/>
           </a:p>
@@ -1161,13 +1024,7 @@
       </p:sp>
       <p:sp>
         <p:nvSpPr>
-          <p:cNvPr id="5" name="Marcador de pie de página 4">
-            <a:extLst>
-              <a:ext uri="{FF2B5EF4-FFF2-40B4-BE49-F238E27FC236}">
-                <a16:creationId xmlns:a16="http://schemas.microsoft.com/office/drawing/2014/main" id="{19BA4971-C2A9-4F35-9D49-BFC27E5B013E}"/>
-              </a:ext>
-            </a:extLst>
-          </p:cNvPr>
+          <p:cNvPr id="5" name="Footer Placeholder 4"/>
           <p:cNvSpPr>
             <a:spLocks noGrp="1"/>
           </p:cNvSpPr>
@@ -1186,13 +1043,7 @@
       </p:sp>
       <p:sp>
         <p:nvSpPr>
-          <p:cNvPr id="6" name="Marcador de número de diapositiva 5">
-            <a:extLst>
-              <a:ext uri="{FF2B5EF4-FFF2-40B4-BE49-F238E27FC236}">
-                <a16:creationId xmlns:a16="http://schemas.microsoft.com/office/drawing/2014/main" id="{4D71204B-50FD-41C8-956B-F28036141284}"/>
-              </a:ext>
-            </a:extLst>
-          </p:cNvPr>
+          <p:cNvPr id="6" name="Slide Number Placeholder 5"/>
           <p:cNvSpPr>
             <a:spLocks noGrp="1"/>
           </p:cNvSpPr>
@@ -1216,7 +1067,7 @@
     </p:spTree>
     <p:extLst>
       <p:ext uri="{BB962C8B-B14F-4D97-AF65-F5344CB8AC3E}">
-        <p14:creationId xmlns:p14="http://schemas.microsoft.com/office/powerpoint/2010/main" val="888982860"/>
+        <p14:creationId xmlns:p14="http://schemas.microsoft.com/office/powerpoint/2010/main" val="85785094"/>
       </p:ext>
     </p:extLst>
   </p:cSld>
@@ -1245,13 +1096,7 @@
       </p:grpSpPr>
       <p:sp>
         <p:nvSpPr>
-          <p:cNvPr id="2" name="Título 1">
-            <a:extLst>
-              <a:ext uri="{FF2B5EF4-FFF2-40B4-BE49-F238E27FC236}">
-                <a16:creationId xmlns:a16="http://schemas.microsoft.com/office/drawing/2014/main" id="{33CCF00C-254A-4430-8CF6-312C60311638}"/>
-              </a:ext>
-            </a:extLst>
-          </p:cNvPr>
+          <p:cNvPr id="2" name="Title 1"/>
           <p:cNvSpPr>
             <a:spLocks noGrp="1"/>
           </p:cNvSpPr>
@@ -1265,22 +1110,16 @@
           <a:lstStyle/>
           <a:p>
             <a:r>
-              <a:rPr lang="es-ES"/>
+              <a:rPr lang="es-ES" smtClean="0"/>
               <a:t>Haga clic para modificar el estilo de título del patrón</a:t>
             </a:r>
-            <a:endParaRPr lang="es-MX"/>
-          </a:p>
-        </p:txBody>
-      </p:sp>
-      <p:sp>
-        <p:nvSpPr>
-          <p:cNvPr id="3" name="Marcador de contenido 2">
-            <a:extLst>
-              <a:ext uri="{FF2B5EF4-FFF2-40B4-BE49-F238E27FC236}">
-                <a16:creationId xmlns:a16="http://schemas.microsoft.com/office/drawing/2014/main" id="{999C96A4-54F3-4A66-B452-765F6E3097CE}"/>
-              </a:ext>
-            </a:extLst>
-          </p:cNvPr>
+            <a:endParaRPr lang="en-US" dirty="0"/>
+          </a:p>
+        </p:txBody>
+      </p:sp>
+      <p:sp>
+        <p:nvSpPr>
+          <p:cNvPr id="3" name="Content Placeholder 2"/>
           <p:cNvSpPr>
             <a:spLocks noGrp="1"/>
           </p:cNvSpPr>
@@ -1300,50 +1139,44 @@
           <a:p>
             <a:pPr lvl="0"/>
             <a:r>
-              <a:rPr lang="es-ES"/>
-              <a:t>Haga clic para modificar los estilos de texto del patrón</a:t>
+              <a:rPr lang="es-ES" smtClean="0"/>
+              <a:t>Editar el estilo de texto del patrón</a:t>
             </a:r>
           </a:p>
           <a:p>
             <a:pPr lvl="1"/>
             <a:r>
-              <a:rPr lang="es-ES"/>
+              <a:rPr lang="es-ES" smtClean="0"/>
               <a:t>Segundo nivel</a:t>
             </a:r>
           </a:p>
           <a:p>
             <a:pPr lvl="2"/>
             <a:r>
-              <a:rPr lang="es-ES"/>
+              <a:rPr lang="es-ES" smtClean="0"/>
               <a:t>Tercer nivel</a:t>
             </a:r>
           </a:p>
           <a:p>
             <a:pPr lvl="3"/>
             <a:r>
-              <a:rPr lang="es-ES"/>
+              <a:rPr lang="es-ES" smtClean="0"/>
               <a:t>Cuarto nivel</a:t>
             </a:r>
           </a:p>
           <a:p>
             <a:pPr lvl="4"/>
             <a:r>
-              <a:rPr lang="es-ES"/>
+              <a:rPr lang="es-ES" smtClean="0"/>
               <a:t>Quinto nivel</a:t>
             </a:r>
-            <a:endParaRPr lang="es-MX"/>
-          </a:p>
-        </p:txBody>
-      </p:sp>
-      <p:sp>
-        <p:nvSpPr>
-          <p:cNvPr id="4" name="Marcador de contenido 3">
-            <a:extLst>
-              <a:ext uri="{FF2B5EF4-FFF2-40B4-BE49-F238E27FC236}">
-                <a16:creationId xmlns:a16="http://schemas.microsoft.com/office/drawing/2014/main" id="{24BF14BD-85F3-4F8B-BF0D-BD2B04DB650B}"/>
-              </a:ext>
-            </a:extLst>
-          </p:cNvPr>
+            <a:endParaRPr lang="en-US" dirty="0"/>
+          </a:p>
+        </p:txBody>
+      </p:sp>
+      <p:sp>
+        <p:nvSpPr>
+          <p:cNvPr id="4" name="Content Placeholder 3"/>
           <p:cNvSpPr>
             <a:spLocks noGrp="1"/>
           </p:cNvSpPr>
@@ -1363,50 +1196,44 @@
           <a:p>
             <a:pPr lvl="0"/>
             <a:r>
-              <a:rPr lang="es-ES"/>
-              <a:t>Haga clic para modificar los estilos de texto del patrón</a:t>
+              <a:rPr lang="es-ES" smtClean="0"/>
+              <a:t>Editar el estilo de texto del patrón</a:t>
             </a:r>
           </a:p>
           <a:p>
             <a:pPr lvl="1"/>
             <a:r>
-              <a:rPr lang="es-ES"/>
+              <a:rPr lang="es-ES" smtClean="0"/>
               <a:t>Segundo nivel</a:t>
             </a:r>
           </a:p>
           <a:p>
             <a:pPr lvl="2"/>
             <a:r>
-              <a:rPr lang="es-ES"/>
+              <a:rPr lang="es-ES" smtClean="0"/>
               <a:t>Tercer nivel</a:t>
             </a:r>
           </a:p>
           <a:p>
             <a:pPr lvl="3"/>
             <a:r>
-              <a:rPr lang="es-ES"/>
+              <a:rPr lang="es-ES" smtClean="0"/>
               <a:t>Cuarto nivel</a:t>
             </a:r>
           </a:p>
           <a:p>
             <a:pPr lvl="4"/>
             <a:r>
-              <a:rPr lang="es-ES"/>
+              <a:rPr lang="es-ES" smtClean="0"/>
               <a:t>Quinto nivel</a:t>
             </a:r>
-            <a:endParaRPr lang="es-MX"/>
-          </a:p>
-        </p:txBody>
-      </p:sp>
-      <p:sp>
-        <p:nvSpPr>
-          <p:cNvPr id="5" name="Marcador de fecha 4">
-            <a:extLst>
-              <a:ext uri="{FF2B5EF4-FFF2-40B4-BE49-F238E27FC236}">
-                <a16:creationId xmlns:a16="http://schemas.microsoft.com/office/drawing/2014/main" id="{DD2FC486-2127-4BAB-BD43-648656AF4A1A}"/>
-              </a:ext>
-            </a:extLst>
-          </p:cNvPr>
+            <a:endParaRPr lang="en-US" dirty="0"/>
+          </a:p>
+        </p:txBody>
+      </p:sp>
+      <p:sp>
+        <p:nvSpPr>
+          <p:cNvPr id="5" name="Date Placeholder 4"/>
           <p:cNvSpPr>
             <a:spLocks noGrp="1"/>
           </p:cNvSpPr>
@@ -1421,7 +1248,7 @@
           <a:p>
             <a:fld id="{5F069921-8D55-4BEA-8BE8-79909F57DFDF}" type="datetimeFigureOut">
               <a:rPr lang="es-MX" smtClean="0"/>
-              <a:t>31/10/2020</a:t>
+              <a:t>02/11/2020</a:t>
             </a:fld>
             <a:endParaRPr lang="es-MX" dirty="0"/>
           </a:p>
@@ -1429,13 +1256,7 @@
       </p:sp>
       <p:sp>
         <p:nvSpPr>
-          <p:cNvPr id="6" name="Marcador de pie de página 5">
-            <a:extLst>
-              <a:ext uri="{FF2B5EF4-FFF2-40B4-BE49-F238E27FC236}">
-                <a16:creationId xmlns:a16="http://schemas.microsoft.com/office/drawing/2014/main" id="{49BCEF8C-5917-4DBF-B908-D672EC2C3EDF}"/>
-              </a:ext>
-            </a:extLst>
-          </p:cNvPr>
+          <p:cNvPr id="6" name="Footer Placeholder 5"/>
           <p:cNvSpPr>
             <a:spLocks noGrp="1"/>
           </p:cNvSpPr>
@@ -1454,13 +1275,7 @@
       </p:sp>
       <p:sp>
         <p:nvSpPr>
-          <p:cNvPr id="7" name="Marcador de número de diapositiva 6">
-            <a:extLst>
-              <a:ext uri="{FF2B5EF4-FFF2-40B4-BE49-F238E27FC236}">
-                <a16:creationId xmlns:a16="http://schemas.microsoft.com/office/drawing/2014/main" id="{C9615D85-1733-4B3E-8354-1DC585D09810}"/>
-              </a:ext>
-            </a:extLst>
-          </p:cNvPr>
+          <p:cNvPr id="7" name="Slide Number Placeholder 6"/>
           <p:cNvSpPr>
             <a:spLocks noGrp="1"/>
           </p:cNvSpPr>
@@ -1484,7 +1299,7 @@
     </p:spTree>
     <p:extLst>
       <p:ext uri="{BB962C8B-B14F-4D97-AF65-F5344CB8AC3E}">
-        <p14:creationId xmlns:p14="http://schemas.microsoft.com/office/powerpoint/2010/main" val="1003528040"/>
+        <p14:creationId xmlns:p14="http://schemas.microsoft.com/office/powerpoint/2010/main" val="1532844621"/>
       </p:ext>
     </p:extLst>
   </p:cSld>
@@ -1513,13 +1328,7 @@
       </p:grpSpPr>
       <p:sp>
         <p:nvSpPr>
-          <p:cNvPr id="2" name="Título 1">
-            <a:extLst>
-              <a:ext uri="{FF2B5EF4-FFF2-40B4-BE49-F238E27FC236}">
-                <a16:creationId xmlns:a16="http://schemas.microsoft.com/office/drawing/2014/main" id="{D1C2517A-C6B1-4B53-80AB-5A61378C06CF}"/>
-              </a:ext>
-            </a:extLst>
-          </p:cNvPr>
+          <p:cNvPr id="2" name="Title 1"/>
           <p:cNvSpPr>
             <a:spLocks noGrp="1"/>
           </p:cNvSpPr>
@@ -1538,22 +1347,16 @@
           <a:lstStyle/>
           <a:p>
             <a:r>
-              <a:rPr lang="es-ES"/>
+              <a:rPr lang="es-ES" smtClean="0"/>
               <a:t>Haga clic para modificar el estilo de título del patrón</a:t>
             </a:r>
-            <a:endParaRPr lang="es-MX"/>
-          </a:p>
-        </p:txBody>
-      </p:sp>
-      <p:sp>
-        <p:nvSpPr>
-          <p:cNvPr id="3" name="Marcador de texto 2">
-            <a:extLst>
-              <a:ext uri="{FF2B5EF4-FFF2-40B4-BE49-F238E27FC236}">
-                <a16:creationId xmlns:a16="http://schemas.microsoft.com/office/drawing/2014/main" id="{76BE6FD6-B8AB-404C-BFD5-C15A572F434D}"/>
-              </a:ext>
-            </a:extLst>
-          </p:cNvPr>
+            <a:endParaRPr lang="en-US" dirty="0"/>
+          </a:p>
+        </p:txBody>
+      </p:sp>
+      <p:sp>
+        <p:nvSpPr>
+          <p:cNvPr id="3" name="Text Placeholder 2"/>
           <p:cNvSpPr>
             <a:spLocks noGrp="1"/>
           </p:cNvSpPr>
@@ -1610,21 +1413,15 @@
           <a:p>
             <a:pPr lvl="0"/>
             <a:r>
-              <a:rPr lang="es-ES"/>
-              <a:t>Haga clic para modificar los estilos de texto del patrón</a:t>
-            </a:r>
-          </a:p>
-        </p:txBody>
-      </p:sp>
-      <p:sp>
-        <p:nvSpPr>
-          <p:cNvPr id="4" name="Marcador de contenido 3">
-            <a:extLst>
-              <a:ext uri="{FF2B5EF4-FFF2-40B4-BE49-F238E27FC236}">
-                <a16:creationId xmlns:a16="http://schemas.microsoft.com/office/drawing/2014/main" id="{C0B8BBD1-DCD9-4179-996C-823467EB3C49}"/>
-              </a:ext>
-            </a:extLst>
-          </p:cNvPr>
+              <a:rPr lang="es-ES" smtClean="0"/>
+              <a:t>Editar el estilo de texto del patrón</a:t>
+            </a:r>
+          </a:p>
+        </p:txBody>
+      </p:sp>
+      <p:sp>
+        <p:nvSpPr>
+          <p:cNvPr id="4" name="Content Placeholder 3"/>
           <p:cNvSpPr>
             <a:spLocks noGrp="1"/>
           </p:cNvSpPr>
@@ -1644,50 +1441,44 @@
           <a:p>
             <a:pPr lvl="0"/>
             <a:r>
-              <a:rPr lang="es-ES"/>
-              <a:t>Haga clic para modificar los estilos de texto del patrón</a:t>
+              <a:rPr lang="es-ES" smtClean="0"/>
+              <a:t>Editar el estilo de texto del patrón</a:t>
             </a:r>
           </a:p>
           <a:p>
             <a:pPr lvl="1"/>
             <a:r>
-              <a:rPr lang="es-ES"/>
+              <a:rPr lang="es-ES" smtClean="0"/>
               <a:t>Segundo nivel</a:t>
             </a:r>
           </a:p>
           <a:p>
             <a:pPr lvl="2"/>
             <a:r>
-              <a:rPr lang="es-ES"/>
+              <a:rPr lang="es-ES" smtClean="0"/>
               <a:t>Tercer nivel</a:t>
             </a:r>
           </a:p>
           <a:p>
             <a:pPr lvl="3"/>
             <a:r>
-              <a:rPr lang="es-ES"/>
+              <a:rPr lang="es-ES" smtClean="0"/>
               <a:t>Cuarto nivel</a:t>
             </a:r>
           </a:p>
           <a:p>
             <a:pPr lvl="4"/>
             <a:r>
-              <a:rPr lang="es-ES"/>
+              <a:rPr lang="es-ES" smtClean="0"/>
               <a:t>Quinto nivel</a:t>
             </a:r>
-            <a:endParaRPr lang="es-MX"/>
-          </a:p>
-        </p:txBody>
-      </p:sp>
-      <p:sp>
-        <p:nvSpPr>
-          <p:cNvPr id="5" name="Marcador de texto 4">
-            <a:extLst>
-              <a:ext uri="{FF2B5EF4-FFF2-40B4-BE49-F238E27FC236}">
-                <a16:creationId xmlns:a16="http://schemas.microsoft.com/office/drawing/2014/main" id="{FF2AD627-BF22-4605-A266-7C63A2A2FD2B}"/>
-              </a:ext>
-            </a:extLst>
-          </p:cNvPr>
+            <a:endParaRPr lang="en-US" dirty="0"/>
+          </a:p>
+        </p:txBody>
+      </p:sp>
+      <p:sp>
+        <p:nvSpPr>
+          <p:cNvPr id="5" name="Text Placeholder 4"/>
           <p:cNvSpPr>
             <a:spLocks noGrp="1"/>
           </p:cNvSpPr>
@@ -1744,21 +1535,15 @@
           <a:p>
             <a:pPr lvl="0"/>
             <a:r>
-              <a:rPr lang="es-ES"/>
-              <a:t>Haga clic para modificar los estilos de texto del patrón</a:t>
-            </a:r>
-          </a:p>
-        </p:txBody>
-      </p:sp>
-      <p:sp>
-        <p:nvSpPr>
-          <p:cNvPr id="6" name="Marcador de contenido 5">
-            <a:extLst>
-              <a:ext uri="{FF2B5EF4-FFF2-40B4-BE49-F238E27FC236}">
-                <a16:creationId xmlns:a16="http://schemas.microsoft.com/office/drawing/2014/main" id="{A0FFFBB7-86C5-40CF-88D4-38781F4FCF4D}"/>
-              </a:ext>
-            </a:extLst>
-          </p:cNvPr>
+              <a:rPr lang="es-ES" smtClean="0"/>
+              <a:t>Editar el estilo de texto del patrón</a:t>
+            </a:r>
+          </a:p>
+        </p:txBody>
+      </p:sp>
+      <p:sp>
+        <p:nvSpPr>
+          <p:cNvPr id="6" name="Content Placeholder 5"/>
           <p:cNvSpPr>
             <a:spLocks noGrp="1"/>
           </p:cNvSpPr>
@@ -1778,50 +1563,44 @@
           <a:p>
             <a:pPr lvl="0"/>
             <a:r>
-              <a:rPr lang="es-ES"/>
-              <a:t>Haga clic para modificar los estilos de texto del patrón</a:t>
+              <a:rPr lang="es-ES" smtClean="0"/>
+              <a:t>Editar el estilo de texto del patrón</a:t>
             </a:r>
           </a:p>
           <a:p>
             <a:pPr lvl="1"/>
             <a:r>
-              <a:rPr lang="es-ES"/>
+              <a:rPr lang="es-ES" smtClean="0"/>
               <a:t>Segundo nivel</a:t>
             </a:r>
           </a:p>
           <a:p>
             <a:pPr lvl="2"/>
             <a:r>
-              <a:rPr lang="es-ES"/>
+              <a:rPr lang="es-ES" smtClean="0"/>
               <a:t>Tercer nivel</a:t>
             </a:r>
           </a:p>
           <a:p>
             <a:pPr lvl="3"/>
             <a:r>
-              <a:rPr lang="es-ES"/>
+              <a:rPr lang="es-ES" smtClean="0"/>
               <a:t>Cuarto nivel</a:t>
             </a:r>
           </a:p>
           <a:p>
             <a:pPr lvl="4"/>
             <a:r>
-              <a:rPr lang="es-ES"/>
+              <a:rPr lang="es-ES" smtClean="0"/>
               <a:t>Quinto nivel</a:t>
             </a:r>
-            <a:endParaRPr lang="es-MX"/>
-          </a:p>
-        </p:txBody>
-      </p:sp>
-      <p:sp>
-        <p:nvSpPr>
-          <p:cNvPr id="7" name="Marcador de fecha 6">
-            <a:extLst>
-              <a:ext uri="{FF2B5EF4-FFF2-40B4-BE49-F238E27FC236}">
-                <a16:creationId xmlns:a16="http://schemas.microsoft.com/office/drawing/2014/main" id="{9F35E85F-26A5-432C-AED1-C2893C8E15D2}"/>
-              </a:ext>
-            </a:extLst>
-          </p:cNvPr>
+            <a:endParaRPr lang="en-US" dirty="0"/>
+          </a:p>
+        </p:txBody>
+      </p:sp>
+      <p:sp>
+        <p:nvSpPr>
+          <p:cNvPr id="7" name="Date Placeholder 6"/>
           <p:cNvSpPr>
             <a:spLocks noGrp="1"/>
           </p:cNvSpPr>
@@ -1836,7 +1615,7 @@
           <a:p>
             <a:fld id="{5F069921-8D55-4BEA-8BE8-79909F57DFDF}" type="datetimeFigureOut">
               <a:rPr lang="es-MX" smtClean="0"/>
-              <a:t>31/10/2020</a:t>
+              <a:t>02/11/2020</a:t>
             </a:fld>
             <a:endParaRPr lang="es-MX" dirty="0"/>
           </a:p>
@@ -1844,13 +1623,7 @@
       </p:sp>
       <p:sp>
         <p:nvSpPr>
-          <p:cNvPr id="8" name="Marcador de pie de página 7">
-            <a:extLst>
-              <a:ext uri="{FF2B5EF4-FFF2-40B4-BE49-F238E27FC236}">
-                <a16:creationId xmlns:a16="http://schemas.microsoft.com/office/drawing/2014/main" id="{FFE2DF77-6144-4689-9A06-FE17A902150E}"/>
-              </a:ext>
-            </a:extLst>
-          </p:cNvPr>
+          <p:cNvPr id="8" name="Footer Placeholder 7"/>
           <p:cNvSpPr>
             <a:spLocks noGrp="1"/>
           </p:cNvSpPr>
@@ -1869,13 +1642,7 @@
       </p:sp>
       <p:sp>
         <p:nvSpPr>
-          <p:cNvPr id="9" name="Marcador de número de diapositiva 8">
-            <a:extLst>
-              <a:ext uri="{FF2B5EF4-FFF2-40B4-BE49-F238E27FC236}">
-                <a16:creationId xmlns:a16="http://schemas.microsoft.com/office/drawing/2014/main" id="{47C9FD70-DD9E-434A-B00C-E85356758FDC}"/>
-              </a:ext>
-            </a:extLst>
-          </p:cNvPr>
+          <p:cNvPr id="9" name="Slide Number Placeholder 8"/>
           <p:cNvSpPr>
             <a:spLocks noGrp="1"/>
           </p:cNvSpPr>
@@ -1899,7 +1666,7 @@
     </p:spTree>
     <p:extLst>
       <p:ext uri="{BB962C8B-B14F-4D97-AF65-F5344CB8AC3E}">
-        <p14:creationId xmlns:p14="http://schemas.microsoft.com/office/powerpoint/2010/main" val="3434700129"/>
+        <p14:creationId xmlns:p14="http://schemas.microsoft.com/office/powerpoint/2010/main" val="3947703336"/>
       </p:ext>
     </p:extLst>
   </p:cSld>
@@ -1928,13 +1695,7 @@
       </p:grpSpPr>
       <p:sp>
         <p:nvSpPr>
-          <p:cNvPr id="2" name="Título 1">
-            <a:extLst>
-              <a:ext uri="{FF2B5EF4-FFF2-40B4-BE49-F238E27FC236}">
-                <a16:creationId xmlns:a16="http://schemas.microsoft.com/office/drawing/2014/main" id="{E5CD6A92-F174-4C4C-AE8E-B328D65FC695}"/>
-              </a:ext>
-            </a:extLst>
-          </p:cNvPr>
+          <p:cNvPr id="2" name="Title 1"/>
           <p:cNvSpPr>
             <a:spLocks noGrp="1"/>
           </p:cNvSpPr>
@@ -1948,22 +1709,16 @@
           <a:lstStyle/>
           <a:p>
             <a:r>
-              <a:rPr lang="es-ES"/>
+              <a:rPr lang="es-ES" smtClean="0"/>
               <a:t>Haga clic para modificar el estilo de título del patrón</a:t>
             </a:r>
-            <a:endParaRPr lang="es-MX"/>
-          </a:p>
-        </p:txBody>
-      </p:sp>
-      <p:sp>
-        <p:nvSpPr>
-          <p:cNvPr id="3" name="Marcador de fecha 2">
-            <a:extLst>
-              <a:ext uri="{FF2B5EF4-FFF2-40B4-BE49-F238E27FC236}">
-                <a16:creationId xmlns:a16="http://schemas.microsoft.com/office/drawing/2014/main" id="{D12AAE43-0FB7-4418-8FE1-AA56E217DB77}"/>
-              </a:ext>
-            </a:extLst>
-          </p:cNvPr>
+            <a:endParaRPr lang="en-US" dirty="0"/>
+          </a:p>
+        </p:txBody>
+      </p:sp>
+      <p:sp>
+        <p:nvSpPr>
+          <p:cNvPr id="3" name="Date Placeholder 2"/>
           <p:cNvSpPr>
             <a:spLocks noGrp="1"/>
           </p:cNvSpPr>
@@ -1978,7 +1733,7 @@
           <a:p>
             <a:fld id="{5F069921-8D55-4BEA-8BE8-79909F57DFDF}" type="datetimeFigureOut">
               <a:rPr lang="es-MX" smtClean="0"/>
-              <a:t>31/10/2020</a:t>
+              <a:t>02/11/2020</a:t>
             </a:fld>
             <a:endParaRPr lang="es-MX" dirty="0"/>
           </a:p>
@@ -1986,13 +1741,7 @@
       </p:sp>
       <p:sp>
         <p:nvSpPr>
-          <p:cNvPr id="4" name="Marcador de pie de página 3">
-            <a:extLst>
-              <a:ext uri="{FF2B5EF4-FFF2-40B4-BE49-F238E27FC236}">
-                <a16:creationId xmlns:a16="http://schemas.microsoft.com/office/drawing/2014/main" id="{A56C7516-A66E-4B2E-9A2B-2C7A04F74A1F}"/>
-              </a:ext>
-            </a:extLst>
-          </p:cNvPr>
+          <p:cNvPr id="4" name="Footer Placeholder 3"/>
           <p:cNvSpPr>
             <a:spLocks noGrp="1"/>
           </p:cNvSpPr>
@@ -2011,13 +1760,7 @@
       </p:sp>
       <p:sp>
         <p:nvSpPr>
-          <p:cNvPr id="5" name="Marcador de número de diapositiva 4">
-            <a:extLst>
-              <a:ext uri="{FF2B5EF4-FFF2-40B4-BE49-F238E27FC236}">
-                <a16:creationId xmlns:a16="http://schemas.microsoft.com/office/drawing/2014/main" id="{B70F8EF4-D134-46FF-A0F9-61F7D4C482DA}"/>
-              </a:ext>
-            </a:extLst>
-          </p:cNvPr>
+          <p:cNvPr id="5" name="Slide Number Placeholder 4"/>
           <p:cNvSpPr>
             <a:spLocks noGrp="1"/>
           </p:cNvSpPr>
@@ -2041,7 +1784,7 @@
     </p:spTree>
     <p:extLst>
       <p:ext uri="{BB962C8B-B14F-4D97-AF65-F5344CB8AC3E}">
-        <p14:creationId xmlns:p14="http://schemas.microsoft.com/office/powerpoint/2010/main" val="3885233292"/>
+        <p14:creationId xmlns:p14="http://schemas.microsoft.com/office/powerpoint/2010/main" val="271753116"/>
       </p:ext>
     </p:extLst>
   </p:cSld>
@@ -2070,13 +1813,7 @@
       </p:grpSpPr>
       <p:sp>
         <p:nvSpPr>
-          <p:cNvPr id="2" name="Marcador de fecha 1">
-            <a:extLst>
-              <a:ext uri="{FF2B5EF4-FFF2-40B4-BE49-F238E27FC236}">
-                <a16:creationId xmlns:a16="http://schemas.microsoft.com/office/drawing/2014/main" id="{7D3DDB73-CE80-4038-ABF5-93FFBB7FD14C}"/>
-              </a:ext>
-            </a:extLst>
-          </p:cNvPr>
+          <p:cNvPr id="2" name="Date Placeholder 1"/>
           <p:cNvSpPr>
             <a:spLocks noGrp="1"/>
           </p:cNvSpPr>
@@ -2091,7 +1828,7 @@
           <a:p>
             <a:fld id="{5F069921-8D55-4BEA-8BE8-79909F57DFDF}" type="datetimeFigureOut">
               <a:rPr lang="es-MX" smtClean="0"/>
-              <a:t>31/10/2020</a:t>
+              <a:t>02/11/2020</a:t>
             </a:fld>
             <a:endParaRPr lang="es-MX" dirty="0"/>
           </a:p>
@@ -2099,13 +1836,7 @@
       </p:sp>
       <p:sp>
         <p:nvSpPr>
-          <p:cNvPr id="3" name="Marcador de pie de página 2">
-            <a:extLst>
-              <a:ext uri="{FF2B5EF4-FFF2-40B4-BE49-F238E27FC236}">
-                <a16:creationId xmlns:a16="http://schemas.microsoft.com/office/drawing/2014/main" id="{6B497119-B0C5-429F-87A9-85AD05FDEA8D}"/>
-              </a:ext>
-            </a:extLst>
-          </p:cNvPr>
+          <p:cNvPr id="3" name="Footer Placeholder 2"/>
           <p:cNvSpPr>
             <a:spLocks noGrp="1"/>
           </p:cNvSpPr>
@@ -2124,13 +1855,7 @@
       </p:sp>
       <p:sp>
         <p:nvSpPr>
-          <p:cNvPr id="4" name="Marcador de número de diapositiva 3">
-            <a:extLst>
-              <a:ext uri="{FF2B5EF4-FFF2-40B4-BE49-F238E27FC236}">
-                <a16:creationId xmlns:a16="http://schemas.microsoft.com/office/drawing/2014/main" id="{0C610DB8-CC8A-4B60-960F-C8D67E5D276F}"/>
-              </a:ext>
-            </a:extLst>
-          </p:cNvPr>
+          <p:cNvPr id="4" name="Slide Number Placeholder 3"/>
           <p:cNvSpPr>
             <a:spLocks noGrp="1"/>
           </p:cNvSpPr>
@@ -2154,7 +1879,7 @@
     </p:spTree>
     <p:extLst>
       <p:ext uri="{BB962C8B-B14F-4D97-AF65-F5344CB8AC3E}">
-        <p14:creationId xmlns:p14="http://schemas.microsoft.com/office/powerpoint/2010/main" val="1720798192"/>
+        <p14:creationId xmlns:p14="http://schemas.microsoft.com/office/powerpoint/2010/main" val="1275101551"/>
       </p:ext>
     </p:extLst>
   </p:cSld>
@@ -2183,13 +1908,7 @@
       </p:grpSpPr>
       <p:sp>
         <p:nvSpPr>
-          <p:cNvPr id="2" name="Título 1">
-            <a:extLst>
-              <a:ext uri="{FF2B5EF4-FFF2-40B4-BE49-F238E27FC236}">
-                <a16:creationId xmlns:a16="http://schemas.microsoft.com/office/drawing/2014/main" id="{1D370677-C8F4-4770-8574-1C22C6C08F23}"/>
-              </a:ext>
-            </a:extLst>
-          </p:cNvPr>
+          <p:cNvPr id="2" name="Title 1"/>
           <p:cNvSpPr>
             <a:spLocks noGrp="1"/>
           </p:cNvSpPr>
@@ -2212,22 +1931,16 @@
           </a:lstStyle>
           <a:p>
             <a:r>
-              <a:rPr lang="es-ES"/>
+              <a:rPr lang="es-ES" smtClean="0"/>
               <a:t>Haga clic para modificar el estilo de título del patrón</a:t>
             </a:r>
-            <a:endParaRPr lang="es-MX"/>
-          </a:p>
-        </p:txBody>
-      </p:sp>
-      <p:sp>
-        <p:nvSpPr>
-          <p:cNvPr id="3" name="Marcador de contenido 2">
-            <a:extLst>
-              <a:ext uri="{FF2B5EF4-FFF2-40B4-BE49-F238E27FC236}">
-                <a16:creationId xmlns:a16="http://schemas.microsoft.com/office/drawing/2014/main" id="{6E3C2F8C-D5DD-40BE-839F-C1A7D424FAAC}"/>
-              </a:ext>
-            </a:extLst>
-          </p:cNvPr>
+            <a:endParaRPr lang="en-US" dirty="0"/>
+          </a:p>
+        </p:txBody>
+      </p:sp>
+      <p:sp>
+        <p:nvSpPr>
+          <p:cNvPr id="3" name="Content Placeholder 2"/>
           <p:cNvSpPr>
             <a:spLocks noGrp="1"/>
           </p:cNvSpPr>
@@ -2275,50 +1988,44 @@
           <a:p>
             <a:pPr lvl="0"/>
             <a:r>
-              <a:rPr lang="es-ES"/>
-              <a:t>Haga clic para modificar los estilos de texto del patrón</a:t>
+              <a:rPr lang="es-ES" smtClean="0"/>
+              <a:t>Editar el estilo de texto del patrón</a:t>
             </a:r>
           </a:p>
           <a:p>
             <a:pPr lvl="1"/>
             <a:r>
-              <a:rPr lang="es-ES"/>
+              <a:rPr lang="es-ES" smtClean="0"/>
               <a:t>Segundo nivel</a:t>
             </a:r>
           </a:p>
           <a:p>
             <a:pPr lvl="2"/>
             <a:r>
-              <a:rPr lang="es-ES"/>
+              <a:rPr lang="es-ES" smtClean="0"/>
               <a:t>Tercer nivel</a:t>
             </a:r>
           </a:p>
           <a:p>
             <a:pPr lvl="3"/>
             <a:r>
-              <a:rPr lang="es-ES"/>
+              <a:rPr lang="es-ES" smtClean="0"/>
               <a:t>Cuarto nivel</a:t>
             </a:r>
           </a:p>
           <a:p>
             <a:pPr lvl="4"/>
             <a:r>
-              <a:rPr lang="es-ES"/>
+              <a:rPr lang="es-ES" smtClean="0"/>
               <a:t>Quinto nivel</a:t>
             </a:r>
-            <a:endParaRPr lang="es-MX"/>
-          </a:p>
-        </p:txBody>
-      </p:sp>
-      <p:sp>
-        <p:nvSpPr>
-          <p:cNvPr id="4" name="Marcador de texto 3">
-            <a:extLst>
-              <a:ext uri="{FF2B5EF4-FFF2-40B4-BE49-F238E27FC236}">
-                <a16:creationId xmlns:a16="http://schemas.microsoft.com/office/drawing/2014/main" id="{C63C45AA-00E1-44CF-8901-B9558E2E8A7B}"/>
-              </a:ext>
-            </a:extLst>
-          </p:cNvPr>
+            <a:endParaRPr lang="en-US" dirty="0"/>
+          </a:p>
+        </p:txBody>
+      </p:sp>
+      <p:sp>
+        <p:nvSpPr>
+          <p:cNvPr id="4" name="Text Placeholder 3"/>
           <p:cNvSpPr>
             <a:spLocks noGrp="1"/>
           </p:cNvSpPr>
@@ -2375,21 +2082,15 @@
           <a:p>
             <a:pPr lvl="0"/>
             <a:r>
-              <a:rPr lang="es-ES"/>
-              <a:t>Haga clic para modificar los estilos de texto del patrón</a:t>
-            </a:r>
-          </a:p>
-        </p:txBody>
-      </p:sp>
-      <p:sp>
-        <p:nvSpPr>
-          <p:cNvPr id="5" name="Marcador de fecha 4">
-            <a:extLst>
-              <a:ext uri="{FF2B5EF4-FFF2-40B4-BE49-F238E27FC236}">
-                <a16:creationId xmlns:a16="http://schemas.microsoft.com/office/drawing/2014/main" id="{A7EE92FD-3B9C-4D81-9F70-406B4C6A9F16}"/>
-              </a:ext>
-            </a:extLst>
-          </p:cNvPr>
+              <a:rPr lang="es-ES" smtClean="0"/>
+              <a:t>Editar el estilo de texto del patrón</a:t>
+            </a:r>
+          </a:p>
+        </p:txBody>
+      </p:sp>
+      <p:sp>
+        <p:nvSpPr>
+          <p:cNvPr id="5" name="Date Placeholder 4"/>
           <p:cNvSpPr>
             <a:spLocks noGrp="1"/>
           </p:cNvSpPr>
@@ -2404,7 +2105,7 @@
           <a:p>
             <a:fld id="{5F069921-8D55-4BEA-8BE8-79909F57DFDF}" type="datetimeFigureOut">
               <a:rPr lang="es-MX" smtClean="0"/>
-              <a:t>31/10/2020</a:t>
+              <a:t>02/11/2020</a:t>
             </a:fld>
             <a:endParaRPr lang="es-MX" dirty="0"/>
           </a:p>
@@ -2412,13 +2113,7 @@
       </p:sp>
       <p:sp>
         <p:nvSpPr>
-          <p:cNvPr id="6" name="Marcador de pie de página 5">
-            <a:extLst>
-              <a:ext uri="{FF2B5EF4-FFF2-40B4-BE49-F238E27FC236}">
-                <a16:creationId xmlns:a16="http://schemas.microsoft.com/office/drawing/2014/main" id="{AE9B31F3-2349-432D-9E99-DABBEA9A4F35}"/>
-              </a:ext>
-            </a:extLst>
-          </p:cNvPr>
+          <p:cNvPr id="6" name="Footer Placeholder 5"/>
           <p:cNvSpPr>
             <a:spLocks noGrp="1"/>
           </p:cNvSpPr>
@@ -2437,13 +2132,7 @@
       </p:sp>
       <p:sp>
         <p:nvSpPr>
-          <p:cNvPr id="7" name="Marcador de número de diapositiva 6">
-            <a:extLst>
-              <a:ext uri="{FF2B5EF4-FFF2-40B4-BE49-F238E27FC236}">
-                <a16:creationId xmlns:a16="http://schemas.microsoft.com/office/drawing/2014/main" id="{7B5EA685-8D8B-4359-A721-A017DCAF9B65}"/>
-              </a:ext>
-            </a:extLst>
-          </p:cNvPr>
+          <p:cNvPr id="7" name="Slide Number Placeholder 6"/>
           <p:cNvSpPr>
             <a:spLocks noGrp="1"/>
           </p:cNvSpPr>
@@ -2467,7 +2156,7 @@
     </p:spTree>
     <p:extLst>
       <p:ext uri="{BB962C8B-B14F-4D97-AF65-F5344CB8AC3E}">
-        <p14:creationId xmlns:p14="http://schemas.microsoft.com/office/powerpoint/2010/main" val="1532010491"/>
+        <p14:creationId xmlns:p14="http://schemas.microsoft.com/office/powerpoint/2010/main" val="1194672029"/>
       </p:ext>
     </p:extLst>
   </p:cSld>
@@ -2496,13 +2185,7 @@
       </p:grpSpPr>
       <p:sp>
         <p:nvSpPr>
-          <p:cNvPr id="2" name="Título 1">
-            <a:extLst>
-              <a:ext uri="{FF2B5EF4-FFF2-40B4-BE49-F238E27FC236}">
-                <a16:creationId xmlns:a16="http://schemas.microsoft.com/office/drawing/2014/main" id="{877BE71F-1996-42DB-91D6-35874C109F00}"/>
-              </a:ext>
-            </a:extLst>
-          </p:cNvPr>
+          <p:cNvPr id="2" name="Title 1"/>
           <p:cNvSpPr>
             <a:spLocks noGrp="1"/>
           </p:cNvSpPr>
@@ -2525,24 +2208,18 @@
           </a:lstStyle>
           <a:p>
             <a:r>
-              <a:rPr lang="es-ES"/>
+              <a:rPr lang="es-ES" smtClean="0"/>
               <a:t>Haga clic para modificar el estilo de título del patrón</a:t>
             </a:r>
-            <a:endParaRPr lang="es-MX"/>
-          </a:p>
-        </p:txBody>
-      </p:sp>
-      <p:sp>
-        <p:nvSpPr>
-          <p:cNvPr id="3" name="Marcador de posición de imagen 2">
-            <a:extLst>
-              <a:ext uri="{FF2B5EF4-FFF2-40B4-BE49-F238E27FC236}">
-                <a16:creationId xmlns:a16="http://schemas.microsoft.com/office/drawing/2014/main" id="{339546E4-F646-41E5-AB51-4F669DAA37D6}"/>
-              </a:ext>
-            </a:extLst>
-          </p:cNvPr>
-          <p:cNvSpPr>
-            <a:spLocks noGrp="1"/>
+            <a:endParaRPr lang="en-US" dirty="0"/>
+          </a:p>
+        </p:txBody>
+      </p:sp>
+      <p:sp>
+        <p:nvSpPr>
+          <p:cNvPr id="3" name="Picture Placeholder 2"/>
+          <p:cNvSpPr>
+            <a:spLocks noGrp="1" noChangeAspect="1"/>
           </p:cNvSpPr>
           <p:nvPr>
             <p:ph type="pic" idx="1"/>
@@ -2552,6 +2229,71 @@
           <a:xfrm>
             <a:off x="5183188" y="987425"/>
             <a:ext cx="6172200" cy="4873625"/>
+          </a:xfrm>
+        </p:spPr>
+        <p:txBody>
+          <a:bodyPr anchor="t"/>
+          <a:lstStyle>
+            <a:lvl1pPr marL="0" indent="0">
+              <a:buNone/>
+              <a:defRPr sz="3200"/>
+            </a:lvl1pPr>
+            <a:lvl2pPr marL="457200" indent="0">
+              <a:buNone/>
+              <a:defRPr sz="2800"/>
+            </a:lvl2pPr>
+            <a:lvl3pPr marL="914400" indent="0">
+              <a:buNone/>
+              <a:defRPr sz="2400"/>
+            </a:lvl3pPr>
+            <a:lvl4pPr marL="1371600" indent="0">
+              <a:buNone/>
+              <a:defRPr sz="2000"/>
+            </a:lvl4pPr>
+            <a:lvl5pPr marL="1828800" indent="0">
+              <a:buNone/>
+              <a:defRPr sz="2000"/>
+            </a:lvl5pPr>
+            <a:lvl6pPr marL="2286000" indent="0">
+              <a:buNone/>
+              <a:defRPr sz="2000"/>
+            </a:lvl6pPr>
+            <a:lvl7pPr marL="2743200" indent="0">
+              <a:buNone/>
+              <a:defRPr sz="2000"/>
+            </a:lvl7pPr>
+            <a:lvl8pPr marL="3200400" indent="0">
+              <a:buNone/>
+              <a:defRPr sz="2000"/>
+            </a:lvl8pPr>
+            <a:lvl9pPr marL="3657600" indent="0">
+              <a:buNone/>
+              <a:defRPr sz="2000"/>
+            </a:lvl9pPr>
+          </a:lstStyle>
+          <a:p>
+            <a:r>
+              <a:rPr lang="es-ES" smtClean="0"/>
+              <a:t>Haga clic en el icono para agregar una imagen</a:t>
+            </a:r>
+            <a:endParaRPr lang="en-US" dirty="0"/>
+          </a:p>
+        </p:txBody>
+      </p:sp>
+      <p:sp>
+        <p:nvSpPr>
+          <p:cNvPr id="4" name="Text Placeholder 3"/>
+          <p:cNvSpPr>
+            <a:spLocks noGrp="1"/>
+          </p:cNvSpPr>
+          <p:nvPr>
+            <p:ph type="body" sz="half" idx="2"/>
+          </p:nvPr>
+        </p:nvSpPr>
+        <p:spPr>
+          <a:xfrm>
+            <a:off x="839788" y="2057400"/>
+            <a:ext cx="3932237" cy="3811588"/>
           </a:xfrm>
         </p:spPr>
         <p:txBody>
@@ -2559,73 +2301,6 @@
           <a:lstStyle>
             <a:lvl1pPr marL="0" indent="0">
               <a:buNone/>
-              <a:defRPr sz="3200"/>
-            </a:lvl1pPr>
-            <a:lvl2pPr marL="457200" indent="0">
-              <a:buNone/>
-              <a:defRPr sz="2800"/>
-            </a:lvl2pPr>
-            <a:lvl3pPr marL="914400" indent="0">
-              <a:buNone/>
-              <a:defRPr sz="2400"/>
-            </a:lvl3pPr>
-            <a:lvl4pPr marL="1371600" indent="0">
-              <a:buNone/>
-              <a:defRPr sz="2000"/>
-            </a:lvl4pPr>
-            <a:lvl5pPr marL="1828800" indent="0">
-              <a:buNone/>
-              <a:defRPr sz="2000"/>
-            </a:lvl5pPr>
-            <a:lvl6pPr marL="2286000" indent="0">
-              <a:buNone/>
-              <a:defRPr sz="2000"/>
-            </a:lvl6pPr>
-            <a:lvl7pPr marL="2743200" indent="0">
-              <a:buNone/>
-              <a:defRPr sz="2000"/>
-            </a:lvl7pPr>
-            <a:lvl8pPr marL="3200400" indent="0">
-              <a:buNone/>
-              <a:defRPr sz="2000"/>
-            </a:lvl8pPr>
-            <a:lvl9pPr marL="3657600" indent="0">
-              <a:buNone/>
-              <a:defRPr sz="2000"/>
-            </a:lvl9pPr>
-          </a:lstStyle>
-          <a:p>
-            <a:endParaRPr lang="es-MX" dirty="0"/>
-          </a:p>
-        </p:txBody>
-      </p:sp>
-      <p:sp>
-        <p:nvSpPr>
-          <p:cNvPr id="4" name="Marcador de texto 3">
-            <a:extLst>
-              <a:ext uri="{FF2B5EF4-FFF2-40B4-BE49-F238E27FC236}">
-                <a16:creationId xmlns:a16="http://schemas.microsoft.com/office/drawing/2014/main" id="{CD64F69F-3079-441D-9028-BCF6E9032431}"/>
-              </a:ext>
-            </a:extLst>
-          </p:cNvPr>
-          <p:cNvSpPr>
-            <a:spLocks noGrp="1"/>
-          </p:cNvSpPr>
-          <p:nvPr>
-            <p:ph type="body" sz="half" idx="2"/>
-          </p:nvPr>
-        </p:nvSpPr>
-        <p:spPr>
-          <a:xfrm>
-            <a:off x="839788" y="2057400"/>
-            <a:ext cx="3932237" cy="3811588"/>
-          </a:xfrm>
-        </p:spPr>
-        <p:txBody>
-          <a:bodyPr/>
-          <a:lstStyle>
-            <a:lvl1pPr marL="0" indent="0">
-              <a:buNone/>
               <a:defRPr sz="1600"/>
             </a:lvl1pPr>
             <a:lvl2pPr marL="457200" indent="0">
@@ -2664,21 +2339,15 @@
           <a:p>
             <a:pPr lvl="0"/>
             <a:r>
-              <a:rPr lang="es-ES"/>
-              <a:t>Haga clic para modificar los estilos de texto del patrón</a:t>
-            </a:r>
-          </a:p>
-        </p:txBody>
-      </p:sp>
-      <p:sp>
-        <p:nvSpPr>
-          <p:cNvPr id="5" name="Marcador de fecha 4">
-            <a:extLst>
-              <a:ext uri="{FF2B5EF4-FFF2-40B4-BE49-F238E27FC236}">
-                <a16:creationId xmlns:a16="http://schemas.microsoft.com/office/drawing/2014/main" id="{AEFB755D-9BB3-4BDF-A6A0-D713B1FFF298}"/>
-              </a:ext>
-            </a:extLst>
-          </p:cNvPr>
+              <a:rPr lang="es-ES" smtClean="0"/>
+              <a:t>Editar el estilo de texto del patrón</a:t>
+            </a:r>
+          </a:p>
+        </p:txBody>
+      </p:sp>
+      <p:sp>
+        <p:nvSpPr>
+          <p:cNvPr id="5" name="Date Placeholder 4"/>
           <p:cNvSpPr>
             <a:spLocks noGrp="1"/>
           </p:cNvSpPr>
@@ -2693,7 +2362,7 @@
           <a:p>
             <a:fld id="{5F069921-8D55-4BEA-8BE8-79909F57DFDF}" type="datetimeFigureOut">
               <a:rPr lang="es-MX" smtClean="0"/>
-              <a:t>31/10/2020</a:t>
+              <a:t>02/11/2020</a:t>
             </a:fld>
             <a:endParaRPr lang="es-MX" dirty="0"/>
           </a:p>
@@ -2701,13 +2370,7 @@
       </p:sp>
       <p:sp>
         <p:nvSpPr>
-          <p:cNvPr id="6" name="Marcador de pie de página 5">
-            <a:extLst>
-              <a:ext uri="{FF2B5EF4-FFF2-40B4-BE49-F238E27FC236}">
-                <a16:creationId xmlns:a16="http://schemas.microsoft.com/office/drawing/2014/main" id="{76C57526-0378-41EF-9457-29F6012177CF}"/>
-              </a:ext>
-            </a:extLst>
-          </p:cNvPr>
+          <p:cNvPr id="6" name="Footer Placeholder 5"/>
           <p:cNvSpPr>
             <a:spLocks noGrp="1"/>
           </p:cNvSpPr>
@@ -2726,13 +2389,7 @@
       </p:sp>
       <p:sp>
         <p:nvSpPr>
-          <p:cNvPr id="7" name="Marcador de número de diapositiva 6">
-            <a:extLst>
-              <a:ext uri="{FF2B5EF4-FFF2-40B4-BE49-F238E27FC236}">
-                <a16:creationId xmlns:a16="http://schemas.microsoft.com/office/drawing/2014/main" id="{2095A0C9-725A-4094-9A92-688B5CD6EECD}"/>
-              </a:ext>
-            </a:extLst>
-          </p:cNvPr>
+          <p:cNvPr id="7" name="Slide Number Placeholder 6"/>
           <p:cNvSpPr>
             <a:spLocks noGrp="1"/>
           </p:cNvSpPr>
@@ -2756,7 +2413,7 @@
     </p:spTree>
     <p:extLst>
       <p:ext uri="{BB962C8B-B14F-4D97-AF65-F5344CB8AC3E}">
-        <p14:creationId xmlns:p14="http://schemas.microsoft.com/office/powerpoint/2010/main" val="574394507"/>
+        <p14:creationId xmlns:p14="http://schemas.microsoft.com/office/powerpoint/2010/main" val="2037807204"/>
       </p:ext>
     </p:extLst>
   </p:cSld>
@@ -2790,13 +2447,7 @@
       </p:grpSpPr>
       <p:sp>
         <p:nvSpPr>
-          <p:cNvPr id="2" name="Marcador de título 1">
-            <a:extLst>
-              <a:ext uri="{FF2B5EF4-FFF2-40B4-BE49-F238E27FC236}">
-                <a16:creationId xmlns:a16="http://schemas.microsoft.com/office/drawing/2014/main" id="{9188D6B2-283B-4520-9DD5-C166AC447E78}"/>
-              </a:ext>
-            </a:extLst>
-          </p:cNvPr>
+          <p:cNvPr id="2" name="Title Placeholder 1"/>
           <p:cNvSpPr>
             <a:spLocks noGrp="1"/>
           </p:cNvSpPr>
@@ -2820,22 +2471,16 @@
           <a:lstStyle/>
           <a:p>
             <a:r>
-              <a:rPr lang="es-ES"/>
+              <a:rPr lang="es-ES" smtClean="0"/>
               <a:t>Haga clic para modificar el estilo de título del patrón</a:t>
             </a:r>
-            <a:endParaRPr lang="es-MX"/>
-          </a:p>
-        </p:txBody>
-      </p:sp>
-      <p:sp>
-        <p:nvSpPr>
-          <p:cNvPr id="3" name="Marcador de texto 2">
-            <a:extLst>
-              <a:ext uri="{FF2B5EF4-FFF2-40B4-BE49-F238E27FC236}">
-                <a16:creationId xmlns:a16="http://schemas.microsoft.com/office/drawing/2014/main" id="{10A3C8F6-7B74-4EFA-B061-7CE416C2F29C}"/>
-              </a:ext>
-            </a:extLst>
-          </p:cNvPr>
+            <a:endParaRPr lang="en-US" dirty="0"/>
+          </a:p>
+        </p:txBody>
+      </p:sp>
+      <p:sp>
+        <p:nvSpPr>
+          <p:cNvPr id="3" name="Text Placeholder 2"/>
           <p:cNvSpPr>
             <a:spLocks noGrp="1"/>
           </p:cNvSpPr>
@@ -2860,50 +2505,44 @@
           <a:p>
             <a:pPr lvl="0"/>
             <a:r>
-              <a:rPr lang="es-ES"/>
-              <a:t>Haga clic para modificar los estilos de texto del patrón</a:t>
+              <a:rPr lang="es-ES" smtClean="0"/>
+              <a:t>Editar el estilo de texto del patrón</a:t>
             </a:r>
           </a:p>
           <a:p>
             <a:pPr lvl="1"/>
             <a:r>
-              <a:rPr lang="es-ES"/>
+              <a:rPr lang="es-ES" smtClean="0"/>
               <a:t>Segundo nivel</a:t>
             </a:r>
           </a:p>
           <a:p>
             <a:pPr lvl="2"/>
             <a:r>
-              <a:rPr lang="es-ES"/>
+              <a:rPr lang="es-ES" smtClean="0"/>
               <a:t>Tercer nivel</a:t>
             </a:r>
           </a:p>
           <a:p>
             <a:pPr lvl="3"/>
             <a:r>
-              <a:rPr lang="es-ES"/>
+              <a:rPr lang="es-ES" smtClean="0"/>
               <a:t>Cuarto nivel</a:t>
             </a:r>
           </a:p>
           <a:p>
             <a:pPr lvl="4"/>
             <a:r>
-              <a:rPr lang="es-ES"/>
+              <a:rPr lang="es-ES" smtClean="0"/>
               <a:t>Quinto nivel</a:t>
             </a:r>
-            <a:endParaRPr lang="es-MX"/>
-          </a:p>
-        </p:txBody>
-      </p:sp>
-      <p:sp>
-        <p:nvSpPr>
-          <p:cNvPr id="4" name="Marcador de fecha 3">
-            <a:extLst>
-              <a:ext uri="{FF2B5EF4-FFF2-40B4-BE49-F238E27FC236}">
-                <a16:creationId xmlns:a16="http://schemas.microsoft.com/office/drawing/2014/main" id="{E22E97AA-4623-4549-B29D-1A544D44564E}"/>
-              </a:ext>
-            </a:extLst>
-          </p:cNvPr>
+            <a:endParaRPr lang="en-US" dirty="0"/>
+          </a:p>
+        </p:txBody>
+      </p:sp>
+      <p:sp>
+        <p:nvSpPr>
+          <p:cNvPr id="4" name="Date Placeholder 3"/>
           <p:cNvSpPr>
             <a:spLocks noGrp="1"/>
           </p:cNvSpPr>
@@ -2936,7 +2575,7 @@
           <a:p>
             <a:fld id="{5F069921-8D55-4BEA-8BE8-79909F57DFDF}" type="datetimeFigureOut">
               <a:rPr lang="es-MX" smtClean="0"/>
-              <a:t>31/10/2020</a:t>
+              <a:t>02/11/2020</a:t>
             </a:fld>
             <a:endParaRPr lang="es-MX" dirty="0"/>
           </a:p>
@@ -2944,13 +2583,7 @@
       </p:sp>
       <p:sp>
         <p:nvSpPr>
-          <p:cNvPr id="5" name="Marcador de pie de página 4">
-            <a:extLst>
-              <a:ext uri="{FF2B5EF4-FFF2-40B4-BE49-F238E27FC236}">
-                <a16:creationId xmlns:a16="http://schemas.microsoft.com/office/drawing/2014/main" id="{AA98F575-6220-4C51-808A-DCB7A44958EA}"/>
-              </a:ext>
-            </a:extLst>
-          </p:cNvPr>
+          <p:cNvPr id="5" name="Footer Placeholder 4"/>
           <p:cNvSpPr>
             <a:spLocks noGrp="1"/>
           </p:cNvSpPr>
@@ -2987,13 +2620,7 @@
       </p:sp>
       <p:sp>
         <p:nvSpPr>
-          <p:cNvPr id="6" name="Marcador de número de diapositiva 5">
-            <a:extLst>
-              <a:ext uri="{FF2B5EF4-FFF2-40B4-BE49-F238E27FC236}">
-                <a16:creationId xmlns:a16="http://schemas.microsoft.com/office/drawing/2014/main" id="{D434A3F8-EE05-49DE-AB90-6878042159B7}"/>
-              </a:ext>
-            </a:extLst>
-          </p:cNvPr>
+          <p:cNvPr id="6" name="Slide Number Placeholder 5"/>
           <p:cNvSpPr>
             <a:spLocks noGrp="1"/>
           </p:cNvSpPr>
@@ -3035,23 +2662,23 @@
     </p:spTree>
     <p:extLst>
       <p:ext uri="{BB962C8B-B14F-4D97-AF65-F5344CB8AC3E}">
-        <p14:creationId xmlns:p14="http://schemas.microsoft.com/office/powerpoint/2010/main" val="3697696644"/>
+        <p14:creationId xmlns:p14="http://schemas.microsoft.com/office/powerpoint/2010/main" val="818513062"/>
       </p:ext>
     </p:extLst>
   </p:cSld>
   <p:clrMap bg1="lt1" tx1="dk1" bg2="lt2" tx2="dk2" accent1="accent1" accent2="accent2" accent3="accent3" accent4="accent4" accent5="accent5" accent6="accent6" hlink="hlink" folHlink="folHlink"/>
   <p:sldLayoutIdLst>
-    <p:sldLayoutId id="2147483649" r:id="rId1"/>
-    <p:sldLayoutId id="2147483650" r:id="rId2"/>
-    <p:sldLayoutId id="2147483651" r:id="rId3"/>
-    <p:sldLayoutId id="2147483652" r:id="rId4"/>
-    <p:sldLayoutId id="2147483653" r:id="rId5"/>
-    <p:sldLayoutId id="2147483654" r:id="rId6"/>
-    <p:sldLayoutId id="2147483655" r:id="rId7"/>
-    <p:sldLayoutId id="2147483656" r:id="rId8"/>
-    <p:sldLayoutId id="2147483657" r:id="rId9"/>
-    <p:sldLayoutId id="2147483658" r:id="rId10"/>
-    <p:sldLayoutId id="2147483659" r:id="rId11"/>
+    <p:sldLayoutId id="2147483721" r:id="rId1"/>
+    <p:sldLayoutId id="2147483722" r:id="rId2"/>
+    <p:sldLayoutId id="2147483723" r:id="rId3"/>
+    <p:sldLayoutId id="2147483724" r:id="rId4"/>
+    <p:sldLayoutId id="2147483725" r:id="rId5"/>
+    <p:sldLayoutId id="2147483726" r:id="rId6"/>
+    <p:sldLayoutId id="2147483727" r:id="rId7"/>
+    <p:sldLayoutId id="2147483728" r:id="rId8"/>
+    <p:sldLayoutId id="2147483729" r:id="rId9"/>
+    <p:sldLayoutId id="2147483730" r:id="rId10"/>
+    <p:sldLayoutId id="2147483731" r:id="rId11"/>
   </p:sldLayoutIdLst>
   <p:txStyles>
     <p:titleStyle>
@@ -3239,7 +2866,7 @@
     </p:bodyStyle>
     <p:otherStyle>
       <a:defPPr>
-        <a:defRPr lang="es-MX"/>
+        <a:defRPr lang="en-US"/>
       </a:defPPr>
       <a:lvl1pPr marL="0" algn="l" defTabSz="914400" rtl="0" eaLnBrk="1" latinLnBrk="0" hangingPunct="1">
         <a:defRPr sz="1800" kern="1200">
@@ -3808,18 +3435,25 @@
   <p:clrMapOvr>
     <a:masterClrMapping/>
   </p:clrMapOvr>
-  <mc:AlternateContent xmlns:mc="http://schemas.openxmlformats.org/markup-compatibility/2006" xmlns:p159="http://schemas.microsoft.com/office/powerpoint/2015/09/main">
-    <mc:Choice Requires="p159">
+  <mc:AlternateContent xmlns:mc="http://schemas.openxmlformats.org/markup-compatibility/2006">
+    <mc:Choice xmlns="" xmlns:p159="http://schemas.microsoft.com/office/powerpoint/2015/09/main" Requires="p159">
       <p:transition xmlns:p14="http://schemas.microsoft.com/office/powerpoint/2010/main" spd="slow" p14:dur="2000">
         <p159:morph option="byObject"/>
       </p:transition>
     </mc:Choice>
-    <mc:Fallback xmlns="">
+    <mc:Fallback>
       <p:transition spd="slow">
         <p:fade/>
       </p:transition>
     </mc:Fallback>
   </mc:AlternateContent>
+  <p:timing>
+    <p:tnLst>
+      <p:par>
+        <p:cTn id="1" dur="indefinite" restart="never" nodeType="tmRoot"/>
+      </p:par>
+    </p:tnLst>
+  </p:timing>
 </p:sld>
 </file>
 
@@ -3951,6 +3585,13 @@
   <p:transition spd="slow">
     <p:push dir="u"/>
   </p:transition>
+  <p:timing>
+    <p:tnLst>
+      <p:par>
+        <p:cTn id="1" dur="indefinite" restart="never" nodeType="tmRoot"/>
+      </p:par>
+    </p:tnLst>
+  </p:timing>
 </p:sld>
 </file>
 
@@ -4269,18 +3910,25 @@
   <p:clrMapOvr>
     <a:masterClrMapping/>
   </p:clrMapOvr>
-  <mc:AlternateContent xmlns:mc="http://schemas.openxmlformats.org/markup-compatibility/2006" xmlns:p159="http://schemas.microsoft.com/office/powerpoint/2015/09/main">
-    <mc:Choice Requires="p159">
+  <mc:AlternateContent xmlns:mc="http://schemas.openxmlformats.org/markup-compatibility/2006">
+    <mc:Choice xmlns="" xmlns:p159="http://schemas.microsoft.com/office/powerpoint/2015/09/main" Requires="p159">
       <p:transition xmlns:p14="http://schemas.microsoft.com/office/powerpoint/2010/main" spd="slow" p14:dur="2000">
         <p159:morph option="byObject"/>
       </p:transition>
     </mc:Choice>
-    <mc:Fallback xmlns="">
+    <mc:Fallback>
       <p:transition spd="slow">
         <p:fade/>
       </p:transition>
     </mc:Fallback>
   </mc:AlternateContent>
+  <p:timing>
+    <p:tnLst>
+      <p:par>
+        <p:cTn id="1" dur="indefinite" restart="never" nodeType="tmRoot"/>
+      </p:par>
+    </p:tnLst>
+  </p:timing>
 </p:sld>
 </file>
 
@@ -4571,18 +4219,25 @@
   <p:clrMapOvr>
     <a:masterClrMapping/>
   </p:clrMapOvr>
-  <mc:AlternateContent xmlns:mc="http://schemas.openxmlformats.org/markup-compatibility/2006">
-    <mc:Choice xmlns:p14="http://schemas.microsoft.com/office/powerpoint/2010/main" Requires="p14">
+  <mc:AlternateContent xmlns:mc="http://schemas.openxmlformats.org/markup-compatibility/2006" xmlns:p14="http://schemas.microsoft.com/office/powerpoint/2010/main">
+    <mc:Choice Requires="p14">
       <p:transition spd="slow" p14:dur="2000">
         <p14:prism isContent="1"/>
       </p:transition>
     </mc:Choice>
-    <mc:Fallback>
+    <mc:Fallback xmlns="">
       <p:transition spd="slow">
         <p:fade/>
       </p:transition>
     </mc:Fallback>
   </mc:AlternateContent>
+  <p:timing>
+    <p:tnLst>
+      <p:par>
+        <p:cTn id="1" dur="indefinite" restart="never" nodeType="tmRoot"/>
+      </p:par>
+    </p:tnLst>
+  </p:timing>
 </p:sld>
 </file>
 
@@ -4871,18 +4526,25 @@
   <p:clrMapOvr>
     <a:masterClrMapping/>
   </p:clrMapOvr>
-  <mc:AlternateContent xmlns:mc="http://schemas.openxmlformats.org/markup-compatibility/2006">
-    <mc:Choice xmlns:p14="http://schemas.microsoft.com/office/powerpoint/2010/main" Requires="p14">
+  <mc:AlternateContent xmlns:mc="http://schemas.openxmlformats.org/markup-compatibility/2006" xmlns:p14="http://schemas.microsoft.com/office/powerpoint/2010/main">
+    <mc:Choice Requires="p14">
       <p:transition spd="slow" p14:dur="1600">
         <p14:conveyor dir="l"/>
       </p:transition>
     </mc:Choice>
-    <mc:Fallback>
+    <mc:Fallback xmlns="">
       <p:transition spd="slow">
         <p:fade/>
       </p:transition>
     </mc:Fallback>
   </mc:AlternateContent>
+  <p:timing>
+    <p:tnLst>
+      <p:par>
+        <p:cTn id="1" dur="indefinite" restart="never" nodeType="tmRoot"/>
+      </p:par>
+    </p:tnLst>
+  </p:timing>
 </p:sld>
 </file>
 
@@ -5311,10 +4973,428 @@
       </p:transition>
     </mc:Fallback>
   </mc:AlternateContent>
+  <p:timing>
+    <p:tnLst>
+      <p:par>
+        <p:cTn id="1" dur="indefinite" restart="never" nodeType="tmRoot"/>
+      </p:par>
+    </p:tnLst>
+  </p:timing>
 </p:sld>
 </file>
 
 <file path=ppt/slides/slide7.xml><?xml version="1.0" encoding="utf-8"?>
+<p:sld xmlns:a="http://schemas.openxmlformats.org/drawingml/2006/main" xmlns:r="http://schemas.openxmlformats.org/officeDocument/2006/relationships" xmlns:p="http://schemas.openxmlformats.org/presentationml/2006/main">
+  <p:cSld>
+    <p:bg>
+      <p:bgPr>
+        <a:solidFill>
+          <a:srgbClr val="0A0928"/>
+        </a:solidFill>
+        <a:effectLst/>
+      </p:bgPr>
+    </p:bg>
+    <p:spTree>
+      <p:nvGrpSpPr>
+        <p:cNvPr id="1" name=""/>
+        <p:cNvGrpSpPr/>
+        <p:nvPr/>
+      </p:nvGrpSpPr>
+      <p:grpSpPr>
+        <a:xfrm>
+          <a:off x="0" y="0"/>
+          <a:ext cx="0" cy="0"/>
+          <a:chOff x="0" y="0"/>
+          <a:chExt cx="0" cy="0"/>
+        </a:xfrm>
+      </p:grpSpPr>
+      <p:pic>
+        <p:nvPicPr>
+          <p:cNvPr id="2" name="Picture 2" descr="Programación (lógica y creatividad))">
+            <a:extLst>
+              <a:ext uri="{FF2B5EF4-FFF2-40B4-BE49-F238E27FC236}">
+                <a16:creationId xmlns:a16="http://schemas.microsoft.com/office/drawing/2014/main" id="{6102F3EC-7B40-4715-A5FF-469B216266E7}"/>
+              </a:ext>
+            </a:extLst>
+          </p:cNvPr>
+          <p:cNvPicPr>
+            <a:picLocks noChangeAspect="1" noChangeArrowheads="1"/>
+          </p:cNvPicPr>
+          <p:nvPr/>
+        </p:nvPicPr>
+        <p:blipFill rotWithShape="1">
+          <a:blip r:embed="rId2">
+            <a:extLst>
+              <a:ext uri="{28A0092B-C50C-407E-A947-70E740481C1C}">
+                <a14:useLocalDpi xmlns:a14="http://schemas.microsoft.com/office/drawing/2010/main" val="0"/>
+              </a:ext>
+            </a:extLst>
+          </a:blip>
+          <a:srcRect r="34631"/>
+          <a:stretch/>
+        </p:blipFill>
+        <p:spPr bwMode="auto">
+          <a:xfrm>
+            <a:off x="3786386" y="0"/>
+            <a:ext cx="8405614" cy="6858000"/>
+          </a:xfrm>
+          <a:prstGeom prst="rect">
+            <a:avLst/>
+          </a:prstGeom>
+          <a:noFill/>
+          <a:extLst>
+            <a:ext uri="{909E8E84-426E-40DD-AFC4-6F175D3DCCD1}">
+              <a14:hiddenFill xmlns:a14="http://schemas.microsoft.com/office/drawing/2010/main">
+                <a:solidFill>
+                  <a:srgbClr val="FFFFFF"/>
+                </a:solidFill>
+              </a14:hiddenFill>
+            </a:ext>
+          </a:extLst>
+        </p:spPr>
+      </p:pic>
+      <p:sp>
+        <p:nvSpPr>
+          <p:cNvPr id="3" name="CuadroTexto 2">
+            <a:extLst>
+              <a:ext uri="{FF2B5EF4-FFF2-40B4-BE49-F238E27FC236}">
+                <a16:creationId xmlns:a16="http://schemas.microsoft.com/office/drawing/2014/main" id="{7C4AD0E2-A8E1-4057-AEB6-A34959AFE323}"/>
+              </a:ext>
+            </a:extLst>
+          </p:cNvPr>
+          <p:cNvSpPr txBox="1"/>
+          <p:nvPr/>
+        </p:nvSpPr>
+        <p:spPr>
+          <a:xfrm>
+            <a:off x="554863" y="736606"/>
+            <a:ext cx="3335629" cy="523220"/>
+          </a:xfrm>
+          <a:prstGeom prst="rect">
+            <a:avLst/>
+          </a:prstGeom>
+          <a:noFill/>
+        </p:spPr>
+        <p:txBody>
+          <a:bodyPr wrap="square" rtlCol="0">
+            <a:spAutoFit/>
+          </a:bodyPr>
+          <a:lstStyle/>
+          <a:p>
+            <a:r>
+              <a:rPr lang="es-MX" sz="2800" b="1" dirty="0" smtClean="0">
+                <a:solidFill>
+                  <a:schemeClr val="bg1"/>
+                </a:solidFill>
+              </a:rPr>
+              <a:t>Operaciones Básicas</a:t>
+            </a:r>
+            <a:endParaRPr lang="es-MX" sz="2800" b="1" dirty="0">
+              <a:solidFill>
+                <a:schemeClr val="bg1"/>
+              </a:solidFill>
+            </a:endParaRPr>
+          </a:p>
+        </p:txBody>
+      </p:sp>
+      <p:sp>
+        <p:nvSpPr>
+          <p:cNvPr id="4" name="CuadroTexto 3">
+            <a:extLst>
+              <a:ext uri="{FF2B5EF4-FFF2-40B4-BE49-F238E27FC236}">
+                <a16:creationId xmlns:a16="http://schemas.microsoft.com/office/drawing/2014/main" id="{DA98A6B8-0DC6-45F2-B652-B3AAF1015E48}"/>
+              </a:ext>
+            </a:extLst>
+          </p:cNvPr>
+          <p:cNvSpPr txBox="1"/>
+          <p:nvPr/>
+        </p:nvSpPr>
+        <p:spPr>
+          <a:xfrm>
+            <a:off x="554863" y="1607827"/>
+            <a:ext cx="6362163" cy="923330"/>
+          </a:xfrm>
+          <a:prstGeom prst="rect">
+            <a:avLst/>
+          </a:prstGeom>
+          <a:noFill/>
+        </p:spPr>
+        <p:txBody>
+          <a:bodyPr wrap="square" rtlCol="0">
+            <a:spAutoFit/>
+          </a:bodyPr>
+          <a:lstStyle/>
+          <a:p>
+            <a:r>
+              <a:rPr lang="es-MX" b="1" i="1" dirty="0" smtClean="0">
+                <a:solidFill>
+                  <a:schemeClr val="bg1"/>
+                </a:solidFill>
+              </a:rPr>
+              <a:t>Insertar:</a:t>
+            </a:r>
+          </a:p>
+          <a:p>
+            <a:pPr marL="285750" indent="-285750">
+              <a:buFont typeface="Arial" panose="020B0604020202020204" pitchFamily="34" charset="0"/>
+              <a:buChar char="•"/>
+            </a:pPr>
+            <a:r>
+              <a:rPr lang="es-MX" dirty="0">
+                <a:solidFill>
+                  <a:schemeClr val="bg1"/>
+                </a:solidFill>
+              </a:rPr>
+              <a:t>La operación insertar consiste en la introducción de un nuevo elemento en la lista.</a:t>
+            </a:r>
+          </a:p>
+        </p:txBody>
+      </p:sp>
+      <p:sp>
+        <p:nvSpPr>
+          <p:cNvPr id="5" name="CuadroTexto 4">
+            <a:extLst>
+              <a:ext uri="{FF2B5EF4-FFF2-40B4-BE49-F238E27FC236}">
+                <a16:creationId xmlns:a16="http://schemas.microsoft.com/office/drawing/2014/main" id="{DA98A6B8-0DC6-45F2-B652-B3AAF1015E48}"/>
+              </a:ext>
+            </a:extLst>
+          </p:cNvPr>
+          <p:cNvSpPr txBox="1"/>
+          <p:nvPr/>
+        </p:nvSpPr>
+        <p:spPr>
+          <a:xfrm>
+            <a:off x="554854" y="2488339"/>
+            <a:ext cx="6362163" cy="1200329"/>
+          </a:xfrm>
+          <a:prstGeom prst="rect">
+            <a:avLst/>
+          </a:prstGeom>
+          <a:noFill/>
+        </p:spPr>
+        <p:txBody>
+          <a:bodyPr wrap="square" rtlCol="0">
+            <a:spAutoFit/>
+          </a:bodyPr>
+          <a:lstStyle/>
+          <a:p>
+            <a:r>
+              <a:rPr lang="es-MX" b="1" i="1" dirty="0" smtClean="0">
+                <a:solidFill>
+                  <a:schemeClr val="bg1"/>
+                </a:solidFill>
+              </a:rPr>
+              <a:t>Borrar:</a:t>
+            </a:r>
+          </a:p>
+          <a:p>
+            <a:pPr marL="285750" indent="-285750">
+              <a:buFont typeface="Arial" panose="020B0604020202020204" pitchFamily="34" charset="0"/>
+              <a:buChar char="•"/>
+            </a:pPr>
+            <a:r>
+              <a:rPr lang="es-MX" dirty="0">
+                <a:solidFill>
+                  <a:schemeClr val="bg1"/>
+                </a:solidFill>
+              </a:rPr>
+              <a:t>La operación borrar consiste en la eliminación de la lista de un elemento concreto. El elemento a borrar será escogido por el programador.</a:t>
+            </a:r>
+          </a:p>
+        </p:txBody>
+      </p:sp>
+      <p:sp>
+        <p:nvSpPr>
+          <p:cNvPr id="6" name="CuadroTexto 5">
+            <a:extLst>
+              <a:ext uri="{FF2B5EF4-FFF2-40B4-BE49-F238E27FC236}">
+                <a16:creationId xmlns:a16="http://schemas.microsoft.com/office/drawing/2014/main" id="{DA98A6B8-0DC6-45F2-B652-B3AAF1015E48}"/>
+              </a:ext>
+            </a:extLst>
+          </p:cNvPr>
+          <p:cNvSpPr txBox="1"/>
+          <p:nvPr/>
+        </p:nvSpPr>
+        <p:spPr>
+          <a:xfrm>
+            <a:off x="554854" y="3677319"/>
+            <a:ext cx="6362163" cy="923330"/>
+          </a:xfrm>
+          <a:prstGeom prst="rect">
+            <a:avLst/>
+          </a:prstGeom>
+          <a:noFill/>
+        </p:spPr>
+        <p:txBody>
+          <a:bodyPr wrap="square" rtlCol="0">
+            <a:spAutoFit/>
+          </a:bodyPr>
+          <a:lstStyle/>
+          <a:p>
+            <a:r>
+              <a:rPr lang="es-MX" b="1" i="1" dirty="0" smtClean="0">
+                <a:solidFill>
+                  <a:schemeClr val="bg1"/>
+                </a:solidFill>
+              </a:rPr>
+              <a:t>Tamaño:</a:t>
+            </a:r>
+          </a:p>
+          <a:p>
+            <a:pPr marL="285750" indent="-285750">
+              <a:buFont typeface="Arial" panose="020B0604020202020204" pitchFamily="34" charset="0"/>
+              <a:buChar char="•"/>
+            </a:pPr>
+            <a:r>
+              <a:rPr lang="es-MX" dirty="0">
+                <a:solidFill>
+                  <a:schemeClr val="bg1"/>
+                </a:solidFill>
+              </a:rPr>
+              <a:t>Tamaño: Esta operación suele informar sobre el número de elementos que tiene en ese instante la lista.</a:t>
+            </a:r>
+          </a:p>
+        </p:txBody>
+      </p:sp>
+      <p:sp>
+        <p:nvSpPr>
+          <p:cNvPr id="8" name="CuadroTexto 7">
+            <a:extLst>
+              <a:ext uri="{FF2B5EF4-FFF2-40B4-BE49-F238E27FC236}">
+                <a16:creationId xmlns:a16="http://schemas.microsoft.com/office/drawing/2014/main" id="{DA98A6B8-0DC6-45F2-B652-B3AAF1015E48}"/>
+              </a:ext>
+            </a:extLst>
+          </p:cNvPr>
+          <p:cNvSpPr txBox="1"/>
+          <p:nvPr/>
+        </p:nvSpPr>
+        <p:spPr>
+          <a:xfrm>
+            <a:off x="554854" y="4600649"/>
+            <a:ext cx="6362163" cy="646331"/>
+          </a:xfrm>
+          <a:prstGeom prst="rect">
+            <a:avLst/>
+          </a:prstGeom>
+          <a:noFill/>
+        </p:spPr>
+        <p:txBody>
+          <a:bodyPr wrap="square" rtlCol="0">
+            <a:spAutoFit/>
+          </a:bodyPr>
+          <a:lstStyle/>
+          <a:p>
+            <a:r>
+              <a:rPr lang="es-MX" b="1" i="1" dirty="0" smtClean="0">
+                <a:solidFill>
+                  <a:schemeClr val="bg1"/>
+                </a:solidFill>
+              </a:rPr>
+              <a:t>Buscar:</a:t>
+            </a:r>
+          </a:p>
+          <a:p>
+            <a:pPr marL="285750" indent="-285750">
+              <a:buFont typeface="Arial" panose="020B0604020202020204" pitchFamily="34" charset="0"/>
+              <a:buChar char="•"/>
+            </a:pPr>
+            <a:r>
+              <a:rPr lang="es-MX" dirty="0">
+                <a:solidFill>
+                  <a:schemeClr val="bg1"/>
+                </a:solidFill>
+              </a:rPr>
+              <a:t>Comprueba si existe un determinado elemento en la lista.</a:t>
+            </a:r>
+          </a:p>
+        </p:txBody>
+      </p:sp>
+      <p:sp>
+        <p:nvSpPr>
+          <p:cNvPr id="9" name="CuadroTexto 8">
+            <a:extLst>
+              <a:ext uri="{FF2B5EF4-FFF2-40B4-BE49-F238E27FC236}">
+                <a16:creationId xmlns:a16="http://schemas.microsoft.com/office/drawing/2014/main" id="{DA98A6B8-0DC6-45F2-B652-B3AAF1015E48}"/>
+              </a:ext>
+            </a:extLst>
+          </p:cNvPr>
+          <p:cNvSpPr txBox="1"/>
+          <p:nvPr/>
+        </p:nvSpPr>
+        <p:spPr>
+          <a:xfrm>
+            <a:off x="554853" y="5287278"/>
+            <a:ext cx="6362163" cy="923330"/>
+          </a:xfrm>
+          <a:prstGeom prst="rect">
+            <a:avLst/>
+          </a:prstGeom>
+          <a:noFill/>
+        </p:spPr>
+        <p:txBody>
+          <a:bodyPr wrap="square" rtlCol="0">
+            <a:spAutoFit/>
+          </a:bodyPr>
+          <a:lstStyle/>
+          <a:p>
+            <a:r>
+              <a:rPr lang="es-MX" b="1" i="1" dirty="0" smtClean="0">
+                <a:solidFill>
+                  <a:schemeClr val="bg1"/>
+                </a:solidFill>
+              </a:rPr>
+              <a:t>Recorrer lista:</a:t>
+            </a:r>
+          </a:p>
+          <a:p>
+            <a:pPr marL="285750" indent="-285750">
+              <a:buFont typeface="Arial" panose="020B0604020202020204" pitchFamily="34" charset="0"/>
+              <a:buChar char="•"/>
+            </a:pPr>
+            <a:r>
+              <a:rPr lang="es-MX" dirty="0">
+                <a:solidFill>
+                  <a:schemeClr val="bg1"/>
+                </a:solidFill>
+              </a:rPr>
+              <a:t>Recorre toda la lista, realizando una operación en cada nodo. Por ejemplo, mostrar el contenido por pantalla.</a:t>
+            </a:r>
+          </a:p>
+        </p:txBody>
+      </p:sp>
+    </p:spTree>
+    <p:extLst>
+      <p:ext uri="{BB962C8B-B14F-4D97-AF65-F5344CB8AC3E}">
+        <p14:creationId xmlns:p14="http://schemas.microsoft.com/office/powerpoint/2010/main" val="3036489055"/>
+      </p:ext>
+    </p:extLst>
+  </p:cSld>
+  <p:clrMapOvr>
+    <a:masterClrMapping/>
+  </p:clrMapOvr>
+  <mc:AlternateContent xmlns:mc="http://schemas.openxmlformats.org/markup-compatibility/2006">
+    <mc:Choice xmlns:p14="http://schemas.microsoft.com/office/powerpoint/2010/main" Requires="p14">
+      <p:transition spd="slow" p14:dur="4400">
+        <p14:honeycomb/>
+      </p:transition>
+    </mc:Choice>
+    <mc:Fallback>
+      <p:transition spd="slow">
+        <p:fade/>
+      </p:transition>
+    </mc:Fallback>
+  </mc:AlternateContent>
+  <p:timing>
+    <p:tnLst>
+      <p:par>
+        <p:cTn id="1" dur="indefinite" restart="never" nodeType="tmRoot"/>
+      </p:par>
+    </p:tnLst>
+  </p:timing>
+</p:sld>
+</file>
+
+<file path=ppt/slides/slide8.xml><?xml version="1.0" encoding="utf-8"?>
 <p:sld xmlns:a="http://schemas.openxmlformats.org/drawingml/2006/main" xmlns:r="http://schemas.openxmlformats.org/officeDocument/2006/relationships" xmlns:p="http://schemas.openxmlformats.org/presentationml/2006/main">
   <p:cSld>
     <p:bg>
@@ -5833,25 +5913,32 @@
   <p:clrMapOvr>
     <a:masterClrMapping/>
   </p:clrMapOvr>
-  <mc:AlternateContent xmlns:mc="http://schemas.openxmlformats.org/markup-compatibility/2006">
-    <mc:Choice xmlns:p14="http://schemas.microsoft.com/office/powerpoint/2010/main" Requires="p14">
+  <mc:AlternateContent xmlns:mc="http://schemas.openxmlformats.org/markup-compatibility/2006" xmlns:p14="http://schemas.microsoft.com/office/powerpoint/2010/main">
+    <mc:Choice Requires="p14">
       <p:transition spd="slow" p14:dur="1500">
         <p14:window dir="vert"/>
       </p:transition>
     </mc:Choice>
-    <mc:Fallback>
+    <mc:Fallback xmlns="">
       <p:transition spd="slow">
         <p:fade/>
       </p:transition>
     </mc:Fallback>
   </mc:AlternateContent>
+  <p:timing>
+    <p:tnLst>
+      <p:par>
+        <p:cTn id="1" dur="indefinite" restart="never" nodeType="tmRoot"/>
+      </p:par>
+    </p:tnLst>
+  </p:timing>
 </p:sld>
 </file>
 
 <file path=ppt/theme/theme1.xml><?xml version="1.0" encoding="utf-8"?>
-<a:theme xmlns:a="http://schemas.openxmlformats.org/drawingml/2006/main" name="Tema de Office">
+<a:theme xmlns:a="http://schemas.openxmlformats.org/drawingml/2006/main" name="Office Theme">
   <a:themeElements>
-    <a:clrScheme name="Office">
+    <a:clrScheme name="Tema de Office">
       <a:dk1>
         <a:sysClr val="windowText" lastClr="000000"/>
       </a:dk1>
@@ -5865,7 +5952,7 @@
         <a:srgbClr val="E7E6E6"/>
       </a:lt2>
       <a:accent1>
-        <a:srgbClr val="4472C4"/>
+        <a:srgbClr val="5B9BD5"/>
       </a:accent1>
       <a:accent2>
         <a:srgbClr val="ED7D31"/>
@@ -5877,7 +5964,7 @@
         <a:srgbClr val="FFC000"/>
       </a:accent4>
       <a:accent5>
-        <a:srgbClr val="5B9BD5"/>
+        <a:srgbClr val="4472C4"/>
       </a:accent5>
       <a:accent6>
         <a:srgbClr val="70AD47"/>
@@ -5889,7 +5976,7 @@
         <a:srgbClr val="954F72"/>
       </a:folHlink>
     </a:clrScheme>
-    <a:fontScheme name="Office">
+    <a:fontScheme name="Tema de Office">
       <a:majorFont>
         <a:latin typeface="Calibri Light" panose="020F0302020204030204"/>
         <a:ea typeface=""/>
@@ -5924,23 +6011,6 @@
         <a:font script="Viet" typeface="Times New Roman"/>
         <a:font script="Uigh" typeface="Microsoft Uighur"/>
         <a:font script="Geor" typeface="Sylfaen"/>
-        <a:font script="Armn" typeface="Arial"/>
-        <a:font script="Bugi" typeface="Leelawadee UI"/>
-        <a:font script="Bopo" typeface="Microsoft JhengHei"/>
-        <a:font script="Java" typeface="Javanese Text"/>
-        <a:font script="Lisu" typeface="Segoe UI"/>
-        <a:font script="Mymr" typeface="Myanmar Text"/>
-        <a:font script="Nkoo" typeface="Ebrima"/>
-        <a:font script="Olck" typeface="Nirmala UI"/>
-        <a:font script="Osma" typeface="Ebrima"/>
-        <a:font script="Phag" typeface="Phagspa"/>
-        <a:font script="Syrn" typeface="Estrangelo Edessa"/>
-        <a:font script="Syrj" typeface="Estrangelo Edessa"/>
-        <a:font script="Syre" typeface="Estrangelo Edessa"/>
-        <a:font script="Sora" typeface="Nirmala UI"/>
-        <a:font script="Tale" typeface="Microsoft Tai Le"/>
-        <a:font script="Talu" typeface="Microsoft New Tai Lue"/>
-        <a:font script="Tfng" typeface="Ebrima"/>
       </a:majorFont>
       <a:minorFont>
         <a:latin typeface="Calibri" panose="020F0502020204030204"/>
@@ -5976,26 +6046,9 @@
         <a:font script="Viet" typeface="Arial"/>
         <a:font script="Uigh" typeface="Microsoft Uighur"/>
         <a:font script="Geor" typeface="Sylfaen"/>
-        <a:font script="Armn" typeface="Arial"/>
-        <a:font script="Bugi" typeface="Leelawadee UI"/>
-        <a:font script="Bopo" typeface="Microsoft JhengHei"/>
-        <a:font script="Java" typeface="Javanese Text"/>
-        <a:font script="Lisu" typeface="Segoe UI"/>
-        <a:font script="Mymr" typeface="Myanmar Text"/>
-        <a:font script="Nkoo" typeface="Ebrima"/>
-        <a:font script="Olck" typeface="Nirmala UI"/>
-        <a:font script="Osma" typeface="Ebrima"/>
-        <a:font script="Phag" typeface="Phagspa"/>
-        <a:font script="Syrn" typeface="Estrangelo Edessa"/>
-        <a:font script="Syrj" typeface="Estrangelo Edessa"/>
-        <a:font script="Syre" typeface="Estrangelo Edessa"/>
-        <a:font script="Sora" typeface="Nirmala UI"/>
-        <a:font script="Tale" typeface="Microsoft Tai Le"/>
-        <a:font script="Talu" typeface="Microsoft New Tai Lue"/>
-        <a:font script="Tfng" typeface="Ebrima"/>
       </a:minorFont>
     </a:fontScheme>
-    <a:fmtScheme name="Office">
+    <a:fmtScheme name="Tema de Office">
       <a:fillStyleLst>
         <a:solidFill>
           <a:schemeClr val="phClr"/>

--- a/Expo/Expo_Listas.pptx
+++ b/Expo/Expo_Listas.pptx
@@ -10,9 +10,10 @@
     <p:sldId id="258" r:id="rId4"/>
     <p:sldId id="260" r:id="rId5"/>
     <p:sldId id="261" r:id="rId6"/>
-    <p:sldId id="259" r:id="rId7"/>
-    <p:sldId id="263" r:id="rId8"/>
-    <p:sldId id="262" r:id="rId9"/>
+    <p:sldId id="264" r:id="rId7"/>
+    <p:sldId id="259" r:id="rId8"/>
+    <p:sldId id="263" r:id="rId9"/>
+    <p:sldId id="262" r:id="rId10"/>
   </p:sldIdLst>
   <p:sldSz cx="12192000" cy="6858000"/>
   <p:notesSz cx="6858000" cy="9144000"/>
@@ -161,7 +162,7 @@
           </a:lstStyle>
           <a:p>
             <a:r>
-              <a:rPr lang="es-ES" smtClean="0"/>
+              <a:rPr lang="es-ES"/>
               <a:t>Haga clic para modificar el estilo de título del patrón</a:t>
             </a:r>
             <a:endParaRPr lang="en-US" dirty="0"/>
@@ -226,7 +227,7 @@
           </a:lstStyle>
           <a:p>
             <a:r>
-              <a:rPr lang="es-ES" smtClean="0"/>
+              <a:rPr lang="es-ES"/>
               <a:t>Haga clic para editar el estilo de subtítulo del patrón</a:t>
             </a:r>
             <a:endParaRPr lang="en-US" dirty="0"/>
@@ -344,7 +345,7 @@
           <a:lstStyle/>
           <a:p>
             <a:r>
-              <a:rPr lang="es-ES" smtClean="0"/>
+              <a:rPr lang="es-ES"/>
               <a:t>Haga clic para modificar el estilo de título del patrón</a:t>
             </a:r>
             <a:endParaRPr lang="en-US" dirty="0"/>
@@ -368,35 +369,35 @@
           <a:p>
             <a:pPr lvl="0"/>
             <a:r>
-              <a:rPr lang="es-ES" smtClean="0"/>
+              <a:rPr lang="es-ES"/>
               <a:t>Editar el estilo de texto del patrón</a:t>
             </a:r>
           </a:p>
           <a:p>
             <a:pPr lvl="1"/>
             <a:r>
-              <a:rPr lang="es-ES" smtClean="0"/>
+              <a:rPr lang="es-ES"/>
               <a:t>Segundo nivel</a:t>
             </a:r>
           </a:p>
           <a:p>
             <a:pPr lvl="2"/>
             <a:r>
-              <a:rPr lang="es-ES" smtClean="0"/>
+              <a:rPr lang="es-ES"/>
               <a:t>Tercer nivel</a:t>
             </a:r>
           </a:p>
           <a:p>
             <a:pPr lvl="3"/>
             <a:r>
-              <a:rPr lang="es-ES" smtClean="0"/>
+              <a:rPr lang="es-ES"/>
               <a:t>Cuarto nivel</a:t>
             </a:r>
           </a:p>
           <a:p>
             <a:pPr lvl="4"/>
             <a:r>
-              <a:rPr lang="es-ES" smtClean="0"/>
+              <a:rPr lang="es-ES"/>
               <a:t>Quinto nivel</a:t>
             </a:r>
             <a:endParaRPr lang="en-US" dirty="0"/>
@@ -519,7 +520,7 @@
           <a:lstStyle/>
           <a:p>
             <a:r>
-              <a:rPr lang="es-ES" smtClean="0"/>
+              <a:rPr lang="es-ES"/>
               <a:t>Haga clic para modificar el estilo de título del patrón</a:t>
             </a:r>
             <a:endParaRPr lang="en-US" dirty="0"/>
@@ -548,35 +549,35 @@
           <a:p>
             <a:pPr lvl="0"/>
             <a:r>
-              <a:rPr lang="es-ES" smtClean="0"/>
+              <a:rPr lang="es-ES"/>
               <a:t>Editar el estilo de texto del patrón</a:t>
             </a:r>
           </a:p>
           <a:p>
             <a:pPr lvl="1"/>
             <a:r>
-              <a:rPr lang="es-ES" smtClean="0"/>
+              <a:rPr lang="es-ES"/>
               <a:t>Segundo nivel</a:t>
             </a:r>
           </a:p>
           <a:p>
             <a:pPr lvl="2"/>
             <a:r>
-              <a:rPr lang="es-ES" smtClean="0"/>
+              <a:rPr lang="es-ES"/>
               <a:t>Tercer nivel</a:t>
             </a:r>
           </a:p>
           <a:p>
             <a:pPr lvl="3"/>
             <a:r>
-              <a:rPr lang="es-ES" smtClean="0"/>
+              <a:rPr lang="es-ES"/>
               <a:t>Cuarto nivel</a:t>
             </a:r>
           </a:p>
           <a:p>
             <a:pPr lvl="4"/>
             <a:r>
-              <a:rPr lang="es-ES" smtClean="0"/>
+              <a:rPr lang="es-ES"/>
               <a:t>Quinto nivel</a:t>
             </a:r>
             <a:endParaRPr lang="en-US" dirty="0"/>
@@ -694,7 +695,7 @@
           <a:lstStyle/>
           <a:p>
             <a:r>
-              <a:rPr lang="es-ES" smtClean="0"/>
+              <a:rPr lang="es-ES"/>
               <a:t>Haga clic para modificar el estilo de título del patrón</a:t>
             </a:r>
             <a:endParaRPr lang="en-US" dirty="0"/>
@@ -718,35 +719,35 @@
           <a:p>
             <a:pPr lvl="0"/>
             <a:r>
-              <a:rPr lang="es-ES" smtClean="0"/>
+              <a:rPr lang="es-ES"/>
               <a:t>Editar el estilo de texto del patrón</a:t>
             </a:r>
           </a:p>
           <a:p>
             <a:pPr lvl="1"/>
             <a:r>
-              <a:rPr lang="es-ES" smtClean="0"/>
+              <a:rPr lang="es-ES"/>
               <a:t>Segundo nivel</a:t>
             </a:r>
           </a:p>
           <a:p>
             <a:pPr lvl="2"/>
             <a:r>
-              <a:rPr lang="es-ES" smtClean="0"/>
+              <a:rPr lang="es-ES"/>
               <a:t>Tercer nivel</a:t>
             </a:r>
           </a:p>
           <a:p>
             <a:pPr lvl="3"/>
             <a:r>
-              <a:rPr lang="es-ES" smtClean="0"/>
+              <a:rPr lang="es-ES"/>
               <a:t>Cuarto nivel</a:t>
             </a:r>
           </a:p>
           <a:p>
             <a:pPr lvl="4"/>
             <a:r>
-              <a:rPr lang="es-ES" smtClean="0"/>
+              <a:rPr lang="es-ES"/>
               <a:t>Quinto nivel</a:t>
             </a:r>
             <a:endParaRPr lang="en-US" dirty="0"/>
@@ -873,7 +874,7 @@
           </a:lstStyle>
           <a:p>
             <a:r>
-              <a:rPr lang="es-ES" smtClean="0"/>
+              <a:rPr lang="es-ES"/>
               <a:t>Haga clic para modificar el estilo de título del patrón</a:t>
             </a:r>
             <a:endParaRPr lang="en-US" dirty="0"/>
@@ -993,7 +994,7 @@
           <a:p>
             <a:pPr lvl="0"/>
             <a:r>
-              <a:rPr lang="es-ES" smtClean="0"/>
+              <a:rPr lang="es-ES"/>
               <a:t>Editar el estilo de texto del patrón</a:t>
             </a:r>
           </a:p>
@@ -1110,7 +1111,7 @@
           <a:lstStyle/>
           <a:p>
             <a:r>
-              <a:rPr lang="es-ES" smtClean="0"/>
+              <a:rPr lang="es-ES"/>
               <a:t>Haga clic para modificar el estilo de título del patrón</a:t>
             </a:r>
             <a:endParaRPr lang="en-US" dirty="0"/>
@@ -1139,35 +1140,35 @@
           <a:p>
             <a:pPr lvl="0"/>
             <a:r>
-              <a:rPr lang="es-ES" smtClean="0"/>
+              <a:rPr lang="es-ES"/>
               <a:t>Editar el estilo de texto del patrón</a:t>
             </a:r>
           </a:p>
           <a:p>
             <a:pPr lvl="1"/>
             <a:r>
-              <a:rPr lang="es-ES" smtClean="0"/>
+              <a:rPr lang="es-ES"/>
               <a:t>Segundo nivel</a:t>
             </a:r>
           </a:p>
           <a:p>
             <a:pPr lvl="2"/>
             <a:r>
-              <a:rPr lang="es-ES" smtClean="0"/>
+              <a:rPr lang="es-ES"/>
               <a:t>Tercer nivel</a:t>
             </a:r>
           </a:p>
           <a:p>
             <a:pPr lvl="3"/>
             <a:r>
-              <a:rPr lang="es-ES" smtClean="0"/>
+              <a:rPr lang="es-ES"/>
               <a:t>Cuarto nivel</a:t>
             </a:r>
           </a:p>
           <a:p>
             <a:pPr lvl="4"/>
             <a:r>
-              <a:rPr lang="es-ES" smtClean="0"/>
+              <a:rPr lang="es-ES"/>
               <a:t>Quinto nivel</a:t>
             </a:r>
             <a:endParaRPr lang="en-US" dirty="0"/>
@@ -1196,35 +1197,35 @@
           <a:p>
             <a:pPr lvl="0"/>
             <a:r>
-              <a:rPr lang="es-ES" smtClean="0"/>
+              <a:rPr lang="es-ES"/>
               <a:t>Editar el estilo de texto del patrón</a:t>
             </a:r>
           </a:p>
           <a:p>
             <a:pPr lvl="1"/>
             <a:r>
-              <a:rPr lang="es-ES" smtClean="0"/>
+              <a:rPr lang="es-ES"/>
               <a:t>Segundo nivel</a:t>
             </a:r>
           </a:p>
           <a:p>
             <a:pPr lvl="2"/>
             <a:r>
-              <a:rPr lang="es-ES" smtClean="0"/>
+              <a:rPr lang="es-ES"/>
               <a:t>Tercer nivel</a:t>
             </a:r>
           </a:p>
           <a:p>
             <a:pPr lvl="3"/>
             <a:r>
-              <a:rPr lang="es-ES" smtClean="0"/>
+              <a:rPr lang="es-ES"/>
               <a:t>Cuarto nivel</a:t>
             </a:r>
           </a:p>
           <a:p>
             <a:pPr lvl="4"/>
             <a:r>
-              <a:rPr lang="es-ES" smtClean="0"/>
+              <a:rPr lang="es-ES"/>
               <a:t>Quinto nivel</a:t>
             </a:r>
             <a:endParaRPr lang="en-US" dirty="0"/>
@@ -1347,7 +1348,7 @@
           <a:lstStyle/>
           <a:p>
             <a:r>
-              <a:rPr lang="es-ES" smtClean="0"/>
+              <a:rPr lang="es-ES"/>
               <a:t>Haga clic para modificar el estilo de título del patrón</a:t>
             </a:r>
             <a:endParaRPr lang="en-US" dirty="0"/>
@@ -1413,7 +1414,7 @@
           <a:p>
             <a:pPr lvl="0"/>
             <a:r>
-              <a:rPr lang="es-ES" smtClean="0"/>
+              <a:rPr lang="es-ES"/>
               <a:t>Editar el estilo de texto del patrón</a:t>
             </a:r>
           </a:p>
@@ -1441,35 +1442,35 @@
           <a:p>
             <a:pPr lvl="0"/>
             <a:r>
-              <a:rPr lang="es-ES" smtClean="0"/>
+              <a:rPr lang="es-ES"/>
               <a:t>Editar el estilo de texto del patrón</a:t>
             </a:r>
           </a:p>
           <a:p>
             <a:pPr lvl="1"/>
             <a:r>
-              <a:rPr lang="es-ES" smtClean="0"/>
+              <a:rPr lang="es-ES"/>
               <a:t>Segundo nivel</a:t>
             </a:r>
           </a:p>
           <a:p>
             <a:pPr lvl="2"/>
             <a:r>
-              <a:rPr lang="es-ES" smtClean="0"/>
+              <a:rPr lang="es-ES"/>
               <a:t>Tercer nivel</a:t>
             </a:r>
           </a:p>
           <a:p>
             <a:pPr lvl="3"/>
             <a:r>
-              <a:rPr lang="es-ES" smtClean="0"/>
+              <a:rPr lang="es-ES"/>
               <a:t>Cuarto nivel</a:t>
             </a:r>
           </a:p>
           <a:p>
             <a:pPr lvl="4"/>
             <a:r>
-              <a:rPr lang="es-ES" smtClean="0"/>
+              <a:rPr lang="es-ES"/>
               <a:t>Quinto nivel</a:t>
             </a:r>
             <a:endParaRPr lang="en-US" dirty="0"/>
@@ -1535,7 +1536,7 @@
           <a:p>
             <a:pPr lvl="0"/>
             <a:r>
-              <a:rPr lang="es-ES" smtClean="0"/>
+              <a:rPr lang="es-ES"/>
               <a:t>Editar el estilo de texto del patrón</a:t>
             </a:r>
           </a:p>
@@ -1563,35 +1564,35 @@
           <a:p>
             <a:pPr lvl="0"/>
             <a:r>
-              <a:rPr lang="es-ES" smtClean="0"/>
+              <a:rPr lang="es-ES"/>
               <a:t>Editar el estilo de texto del patrón</a:t>
             </a:r>
           </a:p>
           <a:p>
             <a:pPr lvl="1"/>
             <a:r>
-              <a:rPr lang="es-ES" smtClean="0"/>
+              <a:rPr lang="es-ES"/>
               <a:t>Segundo nivel</a:t>
             </a:r>
           </a:p>
           <a:p>
             <a:pPr lvl="2"/>
             <a:r>
-              <a:rPr lang="es-ES" smtClean="0"/>
+              <a:rPr lang="es-ES"/>
               <a:t>Tercer nivel</a:t>
             </a:r>
           </a:p>
           <a:p>
             <a:pPr lvl="3"/>
             <a:r>
-              <a:rPr lang="es-ES" smtClean="0"/>
+              <a:rPr lang="es-ES"/>
               <a:t>Cuarto nivel</a:t>
             </a:r>
           </a:p>
           <a:p>
             <a:pPr lvl="4"/>
             <a:r>
-              <a:rPr lang="es-ES" smtClean="0"/>
+              <a:rPr lang="es-ES"/>
               <a:t>Quinto nivel</a:t>
             </a:r>
             <a:endParaRPr lang="en-US" dirty="0"/>
@@ -1709,7 +1710,7 @@
           <a:lstStyle/>
           <a:p>
             <a:r>
-              <a:rPr lang="es-ES" smtClean="0"/>
+              <a:rPr lang="es-ES"/>
               <a:t>Haga clic para modificar el estilo de título del patrón</a:t>
             </a:r>
             <a:endParaRPr lang="en-US" dirty="0"/>
@@ -1931,7 +1932,7 @@
           </a:lstStyle>
           <a:p>
             <a:r>
-              <a:rPr lang="es-ES" smtClean="0"/>
+              <a:rPr lang="es-ES"/>
               <a:t>Haga clic para modificar el estilo de título del patrón</a:t>
             </a:r>
             <a:endParaRPr lang="en-US" dirty="0"/>
@@ -1988,35 +1989,35 @@
           <a:p>
             <a:pPr lvl="0"/>
             <a:r>
-              <a:rPr lang="es-ES" smtClean="0"/>
+              <a:rPr lang="es-ES"/>
               <a:t>Editar el estilo de texto del patrón</a:t>
             </a:r>
           </a:p>
           <a:p>
             <a:pPr lvl="1"/>
             <a:r>
-              <a:rPr lang="es-ES" smtClean="0"/>
+              <a:rPr lang="es-ES"/>
               <a:t>Segundo nivel</a:t>
             </a:r>
           </a:p>
           <a:p>
             <a:pPr lvl="2"/>
             <a:r>
-              <a:rPr lang="es-ES" smtClean="0"/>
+              <a:rPr lang="es-ES"/>
               <a:t>Tercer nivel</a:t>
             </a:r>
           </a:p>
           <a:p>
             <a:pPr lvl="3"/>
             <a:r>
-              <a:rPr lang="es-ES" smtClean="0"/>
+              <a:rPr lang="es-ES"/>
               <a:t>Cuarto nivel</a:t>
             </a:r>
           </a:p>
           <a:p>
             <a:pPr lvl="4"/>
             <a:r>
-              <a:rPr lang="es-ES" smtClean="0"/>
+              <a:rPr lang="es-ES"/>
               <a:t>Quinto nivel</a:t>
             </a:r>
             <a:endParaRPr lang="en-US" dirty="0"/>
@@ -2082,7 +2083,7 @@
           <a:p>
             <a:pPr lvl="0"/>
             <a:r>
-              <a:rPr lang="es-ES" smtClean="0"/>
+              <a:rPr lang="es-ES"/>
               <a:t>Editar el estilo de texto del patrón</a:t>
             </a:r>
           </a:p>
@@ -2208,7 +2209,7 @@
           </a:lstStyle>
           <a:p>
             <a:r>
-              <a:rPr lang="es-ES" smtClean="0"/>
+              <a:rPr lang="es-ES"/>
               <a:t>Haga clic para modificar el estilo de título del patrón</a:t>
             </a:r>
             <a:endParaRPr lang="en-US" dirty="0"/>
@@ -2273,7 +2274,7 @@
           </a:lstStyle>
           <a:p>
             <a:r>
-              <a:rPr lang="es-ES" smtClean="0"/>
+              <a:rPr lang="es-ES"/>
               <a:t>Haga clic en el icono para agregar una imagen</a:t>
             </a:r>
             <a:endParaRPr lang="en-US" dirty="0"/>
@@ -2339,7 +2340,7 @@
           <a:p>
             <a:pPr lvl="0"/>
             <a:r>
-              <a:rPr lang="es-ES" smtClean="0"/>
+              <a:rPr lang="es-ES"/>
               <a:t>Editar el estilo de texto del patrón</a:t>
             </a:r>
           </a:p>
@@ -2471,7 +2472,7 @@
           <a:lstStyle/>
           <a:p>
             <a:r>
-              <a:rPr lang="es-ES" smtClean="0"/>
+              <a:rPr lang="es-ES"/>
               <a:t>Haga clic para modificar el estilo de título del patrón</a:t>
             </a:r>
             <a:endParaRPr lang="en-US" dirty="0"/>
@@ -2505,35 +2506,35 @@
           <a:p>
             <a:pPr lvl="0"/>
             <a:r>
-              <a:rPr lang="es-ES" smtClean="0"/>
+              <a:rPr lang="es-ES"/>
               <a:t>Editar el estilo de texto del patrón</a:t>
             </a:r>
           </a:p>
           <a:p>
             <a:pPr lvl="1"/>
             <a:r>
-              <a:rPr lang="es-ES" smtClean="0"/>
+              <a:rPr lang="es-ES"/>
               <a:t>Segundo nivel</a:t>
             </a:r>
           </a:p>
           <a:p>
             <a:pPr lvl="2"/>
             <a:r>
-              <a:rPr lang="es-ES" smtClean="0"/>
+              <a:rPr lang="es-ES"/>
               <a:t>Tercer nivel</a:t>
             </a:r>
           </a:p>
           <a:p>
             <a:pPr lvl="3"/>
             <a:r>
-              <a:rPr lang="es-ES" smtClean="0"/>
+              <a:rPr lang="es-ES"/>
               <a:t>Cuarto nivel</a:t>
             </a:r>
           </a:p>
           <a:p>
             <a:pPr lvl="4"/>
             <a:r>
-              <a:rPr lang="es-ES" smtClean="0"/>
+              <a:rPr lang="es-ES"/>
               <a:t>Quinto nivel</a:t>
             </a:r>
             <a:endParaRPr lang="en-US" dirty="0"/>
@@ -3146,7 +3147,7 @@
         </p:spPr>
         <p:txBody>
           <a:bodyPr vert="horz" lIns="91440" tIns="45720" rIns="91440" bIns="45720" rtlCol="0">
-            <a:normAutofit fontScale="92500" lnSpcReduction="20000"/>
+            <a:normAutofit fontScale="70000" lnSpcReduction="20000"/>
           </a:bodyPr>
           <a:lstStyle>
             <a:lvl1pPr marL="0" indent="0" algn="ctr" defTabSz="914400" rtl="0" eaLnBrk="1" latinLnBrk="0" hangingPunct="1">
@@ -3414,6 +3415,20 @@
               </a:rPr>
               <a:t>Zavalza Peña Yareli Magdalena</a:t>
             </a:r>
+          </a:p>
+          <a:p>
+            <a:pPr algn="just"/>
+            <a:r>
+              <a:rPr lang="es-MX" sz="1500" dirty="0">
+                <a:solidFill>
+                  <a:schemeClr val="bg1"/>
+                </a:solidFill>
+                <a:latin typeface="Roboto" panose="02000000000000000000" pitchFamily="2" charset="0"/>
+                <a:ea typeface="Roboto" panose="02000000000000000000" pitchFamily="2" charset="0"/>
+                <a:cs typeface="Roboto" panose="02000000000000000000" pitchFamily="2" charset="0"/>
+              </a:rPr>
+              <a:t>Valdés Gallegos Héctor Geovani</a:t>
+            </a:r>
             <a:endParaRPr lang="es-MX" sz="2300" dirty="0">
               <a:solidFill>
                 <a:schemeClr val="bg1"/>
@@ -3435,25 +3450,18 @@
   <p:clrMapOvr>
     <a:masterClrMapping/>
   </p:clrMapOvr>
-  <mc:AlternateContent xmlns:mc="http://schemas.openxmlformats.org/markup-compatibility/2006">
-    <mc:Choice xmlns="" xmlns:p159="http://schemas.microsoft.com/office/powerpoint/2015/09/main" Requires="p159">
+  <mc:AlternateContent xmlns:mc="http://schemas.openxmlformats.org/markup-compatibility/2006" xmlns:p159="http://schemas.microsoft.com/office/powerpoint/2015/09/main">
+    <mc:Choice Requires="p159">
       <p:transition xmlns:p14="http://schemas.microsoft.com/office/powerpoint/2010/main" spd="slow" p14:dur="2000">
         <p159:morph option="byObject"/>
       </p:transition>
     </mc:Choice>
-    <mc:Fallback>
+    <mc:Fallback xmlns="">
       <p:transition spd="slow">
         <p:fade/>
       </p:transition>
     </mc:Fallback>
   </mc:AlternateContent>
-  <p:timing>
-    <p:tnLst>
-      <p:par>
-        <p:cTn id="1" dur="indefinite" restart="never" nodeType="tmRoot"/>
-      </p:par>
-    </p:tnLst>
-  </p:timing>
 </p:sld>
 </file>
 
@@ -3585,13 +3593,6 @@
   <p:transition spd="slow">
     <p:push dir="u"/>
   </p:transition>
-  <p:timing>
-    <p:tnLst>
-      <p:par>
-        <p:cTn id="1" dur="indefinite" restart="never" nodeType="tmRoot"/>
-      </p:par>
-    </p:tnLst>
-  </p:timing>
 </p:sld>
 </file>
 
@@ -3910,25 +3911,18 @@
   <p:clrMapOvr>
     <a:masterClrMapping/>
   </p:clrMapOvr>
-  <mc:AlternateContent xmlns:mc="http://schemas.openxmlformats.org/markup-compatibility/2006">
-    <mc:Choice xmlns="" xmlns:p159="http://schemas.microsoft.com/office/powerpoint/2015/09/main" Requires="p159">
+  <mc:AlternateContent xmlns:mc="http://schemas.openxmlformats.org/markup-compatibility/2006" xmlns:p159="http://schemas.microsoft.com/office/powerpoint/2015/09/main">
+    <mc:Choice Requires="p159">
       <p:transition xmlns:p14="http://schemas.microsoft.com/office/powerpoint/2010/main" spd="slow" p14:dur="2000">
         <p159:morph option="byObject"/>
       </p:transition>
     </mc:Choice>
-    <mc:Fallback>
+    <mc:Fallback xmlns="">
       <p:transition spd="slow">
         <p:fade/>
       </p:transition>
     </mc:Fallback>
   </mc:AlternateContent>
-  <p:timing>
-    <p:tnLst>
-      <p:par>
-        <p:cTn id="1" dur="indefinite" restart="never" nodeType="tmRoot"/>
-      </p:par>
-    </p:tnLst>
-  </p:timing>
 </p:sld>
 </file>
 
@@ -4231,13 +4225,6 @@
       </p:transition>
     </mc:Fallback>
   </mc:AlternateContent>
-  <p:timing>
-    <p:tnLst>
-      <p:par>
-        <p:cTn id="1" dur="indefinite" restart="never" nodeType="tmRoot"/>
-      </p:par>
-    </p:tnLst>
-  </p:timing>
 </p:sld>
 </file>
 
@@ -4538,17 +4525,337 @@
       </p:transition>
     </mc:Fallback>
   </mc:AlternateContent>
-  <p:timing>
-    <p:tnLst>
-      <p:par>
-        <p:cTn id="1" dur="indefinite" restart="never" nodeType="tmRoot"/>
-      </p:par>
-    </p:tnLst>
-  </p:timing>
 </p:sld>
 </file>
 
 <file path=ppt/slides/slide6.xml><?xml version="1.0" encoding="utf-8"?>
+<p:sld xmlns:a="http://schemas.openxmlformats.org/drawingml/2006/main" xmlns:r="http://schemas.openxmlformats.org/officeDocument/2006/relationships" xmlns:p="http://schemas.openxmlformats.org/presentationml/2006/main">
+  <p:cSld>
+    <p:bg>
+      <p:bgPr>
+        <a:solidFill>
+          <a:srgbClr val="0A0928"/>
+        </a:solidFill>
+        <a:effectLst/>
+      </p:bgPr>
+    </p:bg>
+    <p:spTree>
+      <p:nvGrpSpPr>
+        <p:cNvPr id="1" name=""/>
+        <p:cNvGrpSpPr/>
+        <p:nvPr/>
+      </p:nvGrpSpPr>
+      <p:grpSpPr>
+        <a:xfrm>
+          <a:off x="0" y="0"/>
+          <a:ext cx="0" cy="0"/>
+          <a:chOff x="0" y="0"/>
+          <a:chExt cx="0" cy="0"/>
+        </a:xfrm>
+      </p:grpSpPr>
+      <p:pic>
+        <p:nvPicPr>
+          <p:cNvPr id="2" name="Picture 2" descr="Programación (lógica y creatividad))">
+            <a:extLst>
+              <a:ext uri="{FF2B5EF4-FFF2-40B4-BE49-F238E27FC236}">
+                <a16:creationId xmlns:a16="http://schemas.microsoft.com/office/drawing/2014/main" id="{6102F3EC-7B40-4715-A5FF-469B216266E7}"/>
+              </a:ext>
+            </a:extLst>
+          </p:cNvPr>
+          <p:cNvPicPr>
+            <a:picLocks noChangeAspect="1" noChangeArrowheads="1"/>
+          </p:cNvPicPr>
+          <p:nvPr/>
+        </p:nvPicPr>
+        <p:blipFill rotWithShape="1">
+          <a:blip r:embed="rId2">
+            <a:extLst>
+              <a:ext uri="{28A0092B-C50C-407E-A947-70E740481C1C}">
+                <a14:useLocalDpi xmlns:a14="http://schemas.microsoft.com/office/drawing/2010/main" val="0"/>
+              </a:ext>
+            </a:extLst>
+          </a:blip>
+          <a:srcRect r="34631"/>
+          <a:stretch/>
+        </p:blipFill>
+        <p:spPr bwMode="auto">
+          <a:xfrm>
+            <a:off x="3786386" y="0"/>
+            <a:ext cx="8405614" cy="6858000"/>
+          </a:xfrm>
+          <a:prstGeom prst="rect">
+            <a:avLst/>
+          </a:prstGeom>
+          <a:noFill/>
+          <a:extLst>
+            <a:ext uri="{909E8E84-426E-40DD-AFC4-6F175D3DCCD1}">
+              <a14:hiddenFill xmlns:a14="http://schemas.microsoft.com/office/drawing/2010/main">
+                <a:solidFill>
+                  <a:srgbClr val="FFFFFF"/>
+                </a:solidFill>
+              </a14:hiddenFill>
+            </a:ext>
+          </a:extLst>
+        </p:spPr>
+      </p:pic>
+      <p:sp>
+        <p:nvSpPr>
+          <p:cNvPr id="3" name="CuadroTexto 2">
+            <a:extLst>
+              <a:ext uri="{FF2B5EF4-FFF2-40B4-BE49-F238E27FC236}">
+                <a16:creationId xmlns:a16="http://schemas.microsoft.com/office/drawing/2014/main" id="{7C4AD0E2-A8E1-4057-AEB6-A34959AFE323}"/>
+              </a:ext>
+            </a:extLst>
+          </p:cNvPr>
+          <p:cNvSpPr txBox="1"/>
+          <p:nvPr/>
+        </p:nvSpPr>
+        <p:spPr>
+          <a:xfrm>
+            <a:off x="554863" y="736606"/>
+            <a:ext cx="4706250" cy="523220"/>
+          </a:xfrm>
+          <a:prstGeom prst="rect">
+            <a:avLst/>
+          </a:prstGeom>
+          <a:noFill/>
+        </p:spPr>
+        <p:txBody>
+          <a:bodyPr wrap="square" rtlCol="0">
+            <a:spAutoFit/>
+          </a:bodyPr>
+          <a:lstStyle/>
+          <a:p>
+            <a:r>
+              <a:rPr lang="es-MX" sz="2800" b="1" dirty="0">
+                <a:solidFill>
+                  <a:schemeClr val="bg1"/>
+                </a:solidFill>
+              </a:rPr>
+              <a:t>Representación en Memoria:</a:t>
+            </a:r>
+          </a:p>
+        </p:txBody>
+      </p:sp>
+      <p:sp>
+        <p:nvSpPr>
+          <p:cNvPr id="7" name="CuadroTexto 6">
+            <a:extLst>
+              <a:ext uri="{FF2B5EF4-FFF2-40B4-BE49-F238E27FC236}">
+                <a16:creationId xmlns:a16="http://schemas.microsoft.com/office/drawing/2014/main" id="{BAF1DD8E-796D-47A0-92BE-C08CC2299FCB}"/>
+              </a:ext>
+            </a:extLst>
+          </p:cNvPr>
+          <p:cNvSpPr txBox="1"/>
+          <p:nvPr/>
+        </p:nvSpPr>
+        <p:spPr>
+          <a:xfrm>
+            <a:off x="397563" y="1259826"/>
+            <a:ext cx="6983897" cy="4308872"/>
+          </a:xfrm>
+          <a:prstGeom prst="rect">
+            <a:avLst/>
+          </a:prstGeom>
+          <a:noFill/>
+        </p:spPr>
+        <p:txBody>
+          <a:bodyPr wrap="square" rtlCol="0">
+            <a:spAutoFit/>
+          </a:bodyPr>
+          <a:lstStyle/>
+          <a:p>
+            <a:pPr marL="285750" indent="-285750">
+              <a:buFont typeface="Arial" panose="020B0604020202020204" pitchFamily="34" charset="0"/>
+              <a:buChar char="•"/>
+            </a:pPr>
+            <a:r>
+              <a:rPr lang="es-ES" sz="1600" dirty="0">
+                <a:solidFill>
+                  <a:schemeClr val="bg1"/>
+                </a:solidFill>
+              </a:rPr>
+              <a:t>La Lista es una estructura dinámica, donde el numero de nodos en una lista puede varias a medida que los elementos insertados y removidos, el orden entre estos establece por medio de un tipo de datos denominados punteros, direcciones o referencias a otros nodos, es por esto que la naturaleza dinámica de una lista contrasta con un arreglo que permanece en forma constante.</a:t>
+            </a:r>
+          </a:p>
+          <a:p>
+            <a:pPr marL="285750" indent="-285750">
+              <a:buFont typeface="Arial" panose="020B0604020202020204" pitchFamily="34" charset="0"/>
+              <a:buChar char="•"/>
+            </a:pPr>
+            <a:r>
+              <a:rPr lang="es-ES" sz="1600" dirty="0">
+                <a:solidFill>
+                  <a:schemeClr val="bg1"/>
+                </a:solidFill>
+              </a:rPr>
+              <a:t>La asignación de memoria puede hacerse en tiempo de compilación y los objetos están vigentes desde que comienza la ejecución del programa hasta que termina. Estos Registros de activación contendrá las variables locales, parámetros formales y valor devuelto por la función.</a:t>
+            </a:r>
+          </a:p>
+          <a:p>
+            <a:pPr marL="285750" indent="-285750">
+              <a:buFont typeface="Arial" panose="020B0604020202020204" pitchFamily="34" charset="0"/>
+              <a:buChar char="•"/>
+            </a:pPr>
+            <a:endParaRPr lang="es-ES" sz="1600" dirty="0">
+              <a:solidFill>
+                <a:schemeClr val="bg1"/>
+              </a:solidFill>
+            </a:endParaRPr>
+          </a:p>
+          <a:p>
+            <a:r>
+              <a:rPr lang="es-ES" sz="1600" dirty="0">
+                <a:solidFill>
+                  <a:schemeClr val="bg1"/>
+                </a:solidFill>
+              </a:rPr>
+              <a:t>Consideraciones:</a:t>
+            </a:r>
+          </a:p>
+          <a:p>
+            <a:pPr marL="285750" indent="-285750">
+              <a:buFont typeface="Wingdings" panose="05000000000000000000" pitchFamily="2" charset="2"/>
+              <a:buChar char="ü"/>
+            </a:pPr>
+            <a:r>
+              <a:rPr lang="es-ES" sz="1600" dirty="0">
+                <a:solidFill>
+                  <a:schemeClr val="bg1"/>
+                </a:solidFill>
+              </a:rPr>
+              <a:t>Error en tiempo de ejecución de índice fuera del rango.</a:t>
+            </a:r>
+          </a:p>
+          <a:p>
+            <a:pPr marL="285750" indent="-285750">
+              <a:buFont typeface="Wingdings" panose="05000000000000000000" pitchFamily="2" charset="2"/>
+              <a:buChar char="ü"/>
+            </a:pPr>
+            <a:r>
+              <a:rPr lang="es-ES" sz="1600" dirty="0">
+                <a:solidFill>
+                  <a:schemeClr val="bg1"/>
+                </a:solidFill>
+              </a:rPr>
+              <a:t>Se debe conocer con anticipación el tamaño de la estructura.</a:t>
+            </a:r>
+          </a:p>
+          <a:p>
+            <a:pPr marL="285750" indent="-285750">
+              <a:buFont typeface="Wingdings" panose="05000000000000000000" pitchFamily="2" charset="2"/>
+              <a:buChar char="ü"/>
+            </a:pPr>
+            <a:r>
+              <a:rPr lang="es-ES" sz="1600" dirty="0">
+                <a:solidFill>
+                  <a:schemeClr val="bg1"/>
+                </a:solidFill>
+              </a:rPr>
+              <a:t>ü Se guardan en memorias adyacentes.</a:t>
+            </a:r>
+          </a:p>
+          <a:p>
+            <a:pPr marL="285750" indent="-285750">
+              <a:buFont typeface="Wingdings" panose="05000000000000000000" pitchFamily="2" charset="2"/>
+              <a:buChar char="ü"/>
+            </a:pPr>
+            <a:r>
+              <a:rPr lang="es-MX" sz="1600" dirty="0">
+                <a:solidFill>
+                  <a:schemeClr val="bg1"/>
+                </a:solidFill>
+              </a:rPr>
+              <a:t>Vectores, matrices, cubos, registros, archivos.</a:t>
+            </a:r>
+            <a:endParaRPr lang="es-ES" sz="1600" dirty="0">
+              <a:solidFill>
+                <a:schemeClr val="bg1"/>
+              </a:solidFill>
+            </a:endParaRPr>
+          </a:p>
+          <a:p>
+            <a:endParaRPr lang="es-ES" sz="1600" dirty="0">
+              <a:solidFill>
+                <a:schemeClr val="bg1"/>
+              </a:solidFill>
+            </a:endParaRPr>
+          </a:p>
+          <a:p>
+            <a:pPr marL="285750" indent="-285750">
+              <a:buFont typeface="Arial" panose="020B0604020202020204" pitchFamily="34" charset="0"/>
+              <a:buChar char="•"/>
+            </a:pPr>
+            <a:endParaRPr lang="es-MX" dirty="0">
+              <a:solidFill>
+                <a:schemeClr val="bg1"/>
+              </a:solidFill>
+            </a:endParaRPr>
+          </a:p>
+        </p:txBody>
+      </p:sp>
+      <p:pic>
+        <p:nvPicPr>
+          <p:cNvPr id="11" name="Imagen 10">
+            <a:extLst>
+              <a:ext uri="{FF2B5EF4-FFF2-40B4-BE49-F238E27FC236}">
+                <a16:creationId xmlns:a16="http://schemas.microsoft.com/office/drawing/2014/main" id="{6FF5D2F7-21DE-47DD-9B17-D54E2AD76670}"/>
+              </a:ext>
+            </a:extLst>
+          </p:cNvPr>
+          <p:cNvPicPr>
+            <a:picLocks noChangeAspect="1"/>
+          </p:cNvPicPr>
+          <p:nvPr/>
+        </p:nvPicPr>
+        <p:blipFill>
+          <a:blip r:embed="rId3">
+            <a:extLst>
+              <a:ext uri="{28A0092B-C50C-407E-A947-70E740481C1C}">
+                <a14:useLocalDpi xmlns:a14="http://schemas.microsoft.com/office/drawing/2010/main" val="0"/>
+              </a:ext>
+            </a:extLst>
+          </a:blip>
+          <a:stretch>
+            <a:fillRect/>
+          </a:stretch>
+        </p:blipFill>
+        <p:spPr>
+          <a:xfrm>
+            <a:off x="3556746" y="5369532"/>
+            <a:ext cx="3143689" cy="1181265"/>
+          </a:xfrm>
+          <a:prstGeom prst="rect">
+            <a:avLst/>
+          </a:prstGeom>
+        </p:spPr>
+      </p:pic>
+    </p:spTree>
+    <p:extLst>
+      <p:ext uri="{BB962C8B-B14F-4D97-AF65-F5344CB8AC3E}">
+        <p14:creationId xmlns:p14="http://schemas.microsoft.com/office/powerpoint/2010/main" val="936099914"/>
+      </p:ext>
+    </p:extLst>
+  </p:cSld>
+  <p:clrMapOvr>
+    <a:masterClrMapping/>
+  </p:clrMapOvr>
+  <mc:AlternateContent xmlns:mc="http://schemas.openxmlformats.org/markup-compatibility/2006" xmlns:p14="http://schemas.microsoft.com/office/powerpoint/2010/main">
+    <mc:Choice Requires="p14">
+      <p:transition spd="slow" p14:dur="4400">
+        <p14:honeycomb/>
+      </p:transition>
+    </mc:Choice>
+    <mc:Fallback xmlns="">
+      <p:transition spd="slow">
+        <p:fade/>
+      </p:transition>
+    </mc:Fallback>
+  </mc:AlternateContent>
+</p:sld>
+</file>
+
+<file path=ppt/slides/slide7.xml><?xml version="1.0" encoding="utf-8"?>
 <p:sld xmlns:a="http://schemas.openxmlformats.org/drawingml/2006/main" xmlns:r="http://schemas.openxmlformats.org/officeDocument/2006/relationships" xmlns:p="http://schemas.openxmlformats.org/presentationml/2006/main">
   <p:cSld>
     <p:bg>
@@ -4973,17 +5280,10 @@
       </p:transition>
     </mc:Fallback>
   </mc:AlternateContent>
-  <p:timing>
-    <p:tnLst>
-      <p:par>
-        <p:cTn id="1" dur="indefinite" restart="never" nodeType="tmRoot"/>
-      </p:par>
-    </p:tnLst>
-  </p:timing>
 </p:sld>
 </file>
 
-<file path=ppt/slides/slide7.xml><?xml version="1.0" encoding="utf-8"?>
+<file path=ppt/slides/slide8.xml><?xml version="1.0" encoding="utf-8"?>
 <p:sld xmlns:a="http://schemas.openxmlformats.org/drawingml/2006/main" xmlns:r="http://schemas.openxmlformats.org/officeDocument/2006/relationships" xmlns:p="http://schemas.openxmlformats.org/presentationml/2006/main">
   <p:cSld>
     <p:bg>
@@ -5082,18 +5382,13 @@
           <a:lstStyle/>
           <a:p>
             <a:r>
-              <a:rPr lang="es-MX" sz="2800" b="1" dirty="0" smtClean="0">
+              <a:rPr lang="es-MX" sz="2800" b="1" dirty="0">
                 <a:solidFill>
                   <a:schemeClr val="bg1"/>
                 </a:solidFill>
               </a:rPr>
               <a:t>Operaciones Básicas</a:t>
             </a:r>
-            <a:endParaRPr lang="es-MX" sz="2800" b="1" dirty="0">
-              <a:solidFill>
-                <a:schemeClr val="bg1"/>
-              </a:solidFill>
-            </a:endParaRPr>
           </a:p>
         </p:txBody>
       </p:sp>
@@ -5126,7 +5421,7 @@
           <a:lstStyle/>
           <a:p>
             <a:r>
-              <a:rPr lang="es-MX" b="1" i="1" dirty="0" smtClean="0">
+              <a:rPr lang="es-MX" b="1" i="1" dirty="0">
                 <a:solidFill>
                   <a:schemeClr val="bg1"/>
                 </a:solidFill>
@@ -5179,7 +5474,7 @@
           <a:lstStyle/>
           <a:p>
             <a:r>
-              <a:rPr lang="es-MX" b="1" i="1" dirty="0" smtClean="0">
+              <a:rPr lang="es-MX" b="1" i="1" dirty="0">
                 <a:solidFill>
                   <a:schemeClr val="bg1"/>
                 </a:solidFill>
@@ -5232,7 +5527,7 @@
           <a:lstStyle/>
           <a:p>
             <a:r>
-              <a:rPr lang="es-MX" b="1" i="1" dirty="0" smtClean="0">
+              <a:rPr lang="es-MX" b="1" i="1" dirty="0">
                 <a:solidFill>
                   <a:schemeClr val="bg1"/>
                 </a:solidFill>
@@ -5285,7 +5580,7 @@
           <a:lstStyle/>
           <a:p>
             <a:r>
-              <a:rPr lang="es-MX" b="1" i="1" dirty="0" smtClean="0">
+              <a:rPr lang="es-MX" b="1" i="1" dirty="0">
                 <a:solidFill>
                   <a:schemeClr val="bg1"/>
                 </a:solidFill>
@@ -5338,7 +5633,7 @@
           <a:lstStyle/>
           <a:p>
             <a:r>
-              <a:rPr lang="es-MX" b="1" i="1" dirty="0" smtClean="0">
+              <a:rPr lang="es-MX" b="1" i="1" dirty="0">
                 <a:solidFill>
                   <a:schemeClr val="bg1"/>
                 </a:solidFill>
@@ -5372,29 +5667,22 @@
   <p:clrMapOvr>
     <a:masterClrMapping/>
   </p:clrMapOvr>
-  <mc:AlternateContent xmlns:mc="http://schemas.openxmlformats.org/markup-compatibility/2006">
-    <mc:Choice xmlns:p14="http://schemas.microsoft.com/office/powerpoint/2010/main" Requires="p14">
+  <mc:AlternateContent xmlns:mc="http://schemas.openxmlformats.org/markup-compatibility/2006" xmlns:p14="http://schemas.microsoft.com/office/powerpoint/2010/main">
+    <mc:Choice Requires="p14">
       <p:transition spd="slow" p14:dur="4400">
         <p14:honeycomb/>
       </p:transition>
     </mc:Choice>
-    <mc:Fallback>
+    <mc:Fallback xmlns="">
       <p:transition spd="slow">
         <p:fade/>
       </p:transition>
     </mc:Fallback>
   </mc:AlternateContent>
-  <p:timing>
-    <p:tnLst>
-      <p:par>
-        <p:cTn id="1" dur="indefinite" restart="never" nodeType="tmRoot"/>
-      </p:par>
-    </p:tnLst>
-  </p:timing>
 </p:sld>
 </file>
 
-<file path=ppt/slides/slide8.xml><?xml version="1.0" encoding="utf-8"?>
+<file path=ppt/slides/slide9.xml><?xml version="1.0" encoding="utf-8"?>
 <p:sld xmlns:a="http://schemas.openxmlformats.org/drawingml/2006/main" xmlns:r="http://schemas.openxmlformats.org/officeDocument/2006/relationships" xmlns:p="http://schemas.openxmlformats.org/presentationml/2006/main">
   <p:cSld>
     <p:bg>
@@ -5925,13 +6213,6 @@
       </p:transition>
     </mc:Fallback>
   </mc:AlternateContent>
-  <p:timing>
-    <p:tnLst>
-      <p:par>
-        <p:cTn id="1" dur="indefinite" restart="never" nodeType="tmRoot"/>
-      </p:par>
-    </p:tnLst>
-  </p:timing>
 </p:sld>
 </file>
 

--- a/Expo/Expo_Listas.pptx
+++ b/Expo/Expo_Listas.pptx
@@ -4665,7 +4665,7 @@
           </a:bodyPr>
           <a:lstStyle/>
           <a:p>
-            <a:pPr marL="285750" indent="-285750">
+            <a:pPr marL="285750" indent="-285750" algn="just">
               <a:buFont typeface="Arial" panose="020B0604020202020204" pitchFamily="34" charset="0"/>
               <a:buChar char="•"/>
             </a:pPr>
@@ -4679,7 +4679,7 @@
             </a:r>
           </a:p>
           <a:p>
-            <a:pPr marL="285750" indent="-285750">
+            <a:pPr marL="285750" indent="-285750" algn="just">
               <a:buFont typeface="Arial" panose="020B0604020202020204" pitchFamily="34" charset="0"/>
               <a:buChar char="•"/>
             </a:pPr>

--- a/Expo/Expo_Listas.pptx
+++ b/Expo/Expo_Listas.pptx
@@ -2274,7 +2274,7 @@
           </a:lstStyle>
           <a:p>
             <a:r>
-              <a:rPr lang="es-ES"/>
+              <a:rPr lang="es-ES" dirty="0"/>
               <a:t>Haga clic en el icono para agregar una imagen</a:t>
             </a:r>
             <a:endParaRPr lang="en-US" dirty="0"/>
@@ -3138,8 +3138,8 @@
         </p:nvSpPr>
         <p:spPr>
           <a:xfrm>
-            <a:off x="491544" y="4176793"/>
-            <a:ext cx="3654253" cy="2153586"/>
+            <a:off x="491544" y="3983686"/>
+            <a:ext cx="3654253" cy="2387600"/>
           </a:xfrm>
           <a:prstGeom prst="rect">
             <a:avLst/>
@@ -3147,7 +3147,7 @@
         </p:spPr>
         <p:txBody>
           <a:bodyPr vert="horz" lIns="91440" tIns="45720" rIns="91440" bIns="45720" rtlCol="0">
-            <a:normAutofit fontScale="70000" lnSpcReduction="20000"/>
+            <a:normAutofit fontScale="62500" lnSpcReduction="20000"/>
           </a:bodyPr>
           <a:lstStyle>
             <a:lvl1pPr marL="0" indent="0" algn="ctr" defTabSz="914400" rtl="0" eaLnBrk="1" latinLnBrk="0" hangingPunct="1">
@@ -3316,7 +3316,7 @@
           <a:p>
             <a:pPr algn="just"/>
             <a:r>
-              <a:rPr lang="es-MX" sz="1400" dirty="0">
+              <a:rPr lang="es-MX" sz="1900" dirty="0">
                 <a:solidFill>
                   <a:schemeClr val="bg1"/>
                 </a:solidFill>
@@ -3335,7 +3335,7 @@
           <a:p>
             <a:pPr algn="just"/>
             <a:r>
-              <a:rPr lang="es-MX" sz="1400" dirty="0">
+              <a:rPr lang="es-MX" sz="1600" dirty="0">
                 <a:solidFill>
                   <a:schemeClr val="bg1"/>
                 </a:solidFill>
@@ -3349,7 +3349,7 @@
           <a:p>
             <a:pPr algn="just"/>
             <a:r>
-              <a:rPr lang="es-MX" sz="1400" dirty="0">
+              <a:rPr lang="es-MX" sz="1600" dirty="0">
                 <a:solidFill>
                   <a:schemeClr val="bg1"/>
                 </a:solidFill>
@@ -3363,7 +3363,7 @@
           <a:p>
             <a:pPr algn="just"/>
             <a:r>
-              <a:rPr lang="es-MX" sz="1100" b="0" i="0" dirty="0">
+              <a:rPr lang="es-MX" sz="1600" b="0" i="0" dirty="0">
                 <a:solidFill>
                   <a:schemeClr val="bg1"/>
                 </a:solidFill>
@@ -3372,26 +3372,26 @@
                 <a:ea typeface="Roboto" panose="02000000000000000000" pitchFamily="2" charset="0"/>
                 <a:cs typeface="Roboto" panose="02000000000000000000" pitchFamily="2" charset="0"/>
               </a:rPr>
-              <a:t>ZAMORA RODRIGUEZ CRISTOFER JESÚS</a:t>
+              <a:t>Zamora Rodríguez Cristofer Jesús</a:t>
             </a:r>
           </a:p>
           <a:p>
             <a:pPr algn="just"/>
             <a:r>
-              <a:rPr lang="es-MX" sz="1100" b="0" i="0" dirty="0">
+              <a:rPr lang="es-MX" sz="1600" b="0" i="0" dirty="0">
                 <a:solidFill>
                   <a:schemeClr val="bg1"/>
                 </a:solidFill>
                 <a:effectLst/>
                 <a:latin typeface="Roboto" panose="02000000000000000000" pitchFamily="2" charset="0"/>
               </a:rPr>
-              <a:t>VELAZQUEZ BOBADILLA GIBRAN ALEJANDRO</a:t>
+              <a:t>Velázquez Bobadilla Gibran Alejandro</a:t>
             </a:r>
           </a:p>
           <a:p>
             <a:pPr algn="just"/>
             <a:r>
-              <a:rPr lang="es-MX" sz="1500" dirty="0">
+              <a:rPr lang="es-MX" sz="1800" dirty="0">
                 <a:solidFill>
                   <a:schemeClr val="bg1"/>
                 </a:solidFill>
@@ -3405,7 +3405,7 @@
           <a:p>
             <a:pPr algn="just"/>
             <a:r>
-              <a:rPr lang="es-MX" sz="1500" dirty="0">
+              <a:rPr lang="es-MX" sz="1800" dirty="0">
                 <a:solidFill>
                   <a:schemeClr val="bg1"/>
                 </a:solidFill>
@@ -3419,7 +3419,7 @@
           <a:p>
             <a:pPr algn="just"/>
             <a:r>
-              <a:rPr lang="es-MX" sz="1500" dirty="0">
+              <a:rPr lang="es-MX" sz="1800" dirty="0">
                 <a:solidFill>
                   <a:schemeClr val="bg1"/>
                 </a:solidFill>
@@ -3427,16 +3427,22 @@
                 <a:ea typeface="Roboto" panose="02000000000000000000" pitchFamily="2" charset="0"/>
                 <a:cs typeface="Roboto" panose="02000000000000000000" pitchFamily="2" charset="0"/>
               </a:rPr>
+              <a:t>Meza Jarquin Hiram Karim</a:t>
+            </a:r>
+          </a:p>
+          <a:p>
+            <a:pPr algn="just"/>
+            <a:r>
+              <a:rPr lang="es-MX" sz="1800" dirty="0">
+                <a:solidFill>
+                  <a:schemeClr val="bg1"/>
+                </a:solidFill>
+                <a:latin typeface="Roboto" panose="02000000000000000000" pitchFamily="2" charset="0"/>
+                <a:ea typeface="Roboto" panose="02000000000000000000" pitchFamily="2" charset="0"/>
+                <a:cs typeface="Roboto" panose="02000000000000000000" pitchFamily="2" charset="0"/>
+              </a:rPr>
               <a:t>Valdés Gallegos Héctor Geovani</a:t>
             </a:r>
-            <a:endParaRPr lang="es-MX" sz="2300" dirty="0">
-              <a:solidFill>
-                <a:schemeClr val="bg1"/>
-              </a:solidFill>
-              <a:latin typeface="Roboto" panose="02000000000000000000" pitchFamily="2" charset="0"/>
-              <a:ea typeface="Roboto" panose="02000000000000000000" pitchFamily="2" charset="0"/>
-              <a:cs typeface="Roboto" panose="02000000000000000000" pitchFamily="2" charset="0"/>
-            </a:endParaRPr>
           </a:p>
         </p:txBody>
       </p:sp>

--- a/Expo/Expo_Listas.pptx
+++ b/Expo/Expo_Listas.pptx
@@ -3018,7 +3018,7 @@
         </p:blipFill>
         <p:spPr bwMode="auto">
           <a:xfrm>
-            <a:off x="0" y="0"/>
+            <a:off x="0" y="50910"/>
             <a:ext cx="12858750" cy="6858000"/>
           </a:xfrm>
           <a:prstGeom prst="rect">
@@ -3054,7 +3054,7 @@
         </p:nvSpPr>
         <p:spPr>
           <a:xfrm>
-            <a:off x="491544" y="1143509"/>
+            <a:off x="491543" y="609276"/>
             <a:ext cx="9144000" cy="2387600"/>
           </a:xfrm>
         </p:spPr>
@@ -3092,7 +3092,7 @@
         </p:nvSpPr>
         <p:spPr>
           <a:xfrm>
-            <a:off x="622478" y="3606152"/>
+            <a:off x="622478" y="3102376"/>
             <a:ext cx="9144000" cy="377534"/>
           </a:xfrm>
         </p:spPr>
@@ -3138,7 +3138,7 @@
         </p:nvSpPr>
         <p:spPr>
           <a:xfrm>
-            <a:off x="491544" y="3983686"/>
+            <a:off x="622478" y="4000610"/>
             <a:ext cx="3654253" cy="2387600"/>
           </a:xfrm>
           <a:prstGeom prst="rect">
@@ -3147,7 +3147,7 @@
         </p:spPr>
         <p:txBody>
           <a:bodyPr vert="horz" lIns="91440" tIns="45720" rIns="91440" bIns="45720" rtlCol="0">
-            <a:normAutofit fontScale="62500" lnSpcReduction="20000"/>
+            <a:normAutofit/>
           </a:bodyPr>
           <a:lstStyle>
             <a:lvl1pPr marL="0" indent="0" algn="ctr" defTabSz="914400" rtl="0" eaLnBrk="1" latinLnBrk="0" hangingPunct="1">
@@ -3388,10 +3388,39 @@
               <a:t>Velázquez Bobadilla Gibran Alejandro</a:t>
             </a:r>
           </a:p>
+        </p:txBody>
+      </p:sp>
+      <p:sp>
+        <p:nvSpPr>
+          <p:cNvPr id="7" name="CuadroTexto 6">
+            <a:extLst>
+              <a:ext uri="{FF2B5EF4-FFF2-40B4-BE49-F238E27FC236}">
+                <a16:creationId xmlns:a16="http://schemas.microsoft.com/office/drawing/2014/main" id="{971C0282-1E0F-47A9-AD5C-66989EF6415C}"/>
+              </a:ext>
+            </a:extLst>
+          </p:cNvPr>
+          <p:cNvSpPr txBox="1"/>
+          <p:nvPr/>
+        </p:nvSpPr>
+        <p:spPr>
+          <a:xfrm>
+            <a:off x="4356150" y="4632214"/>
+            <a:ext cx="6516710" cy="1200329"/>
+          </a:xfrm>
+          <a:prstGeom prst="rect">
+            <a:avLst/>
+          </a:prstGeom>
+          <a:noFill/>
+        </p:spPr>
+        <p:txBody>
+          <a:bodyPr wrap="square">
+            <a:spAutoFit/>
+          </a:bodyPr>
+          <a:lstStyle/>
           <a:p>
             <a:pPr algn="just"/>
             <a:r>
-              <a:rPr lang="es-MX" sz="1800" dirty="0">
+              <a:rPr lang="es-MX" sz="1800" dirty="0" err="1">
                 <a:solidFill>
                   <a:schemeClr val="bg1"/>
                 </a:solidFill>
@@ -3399,11 +3428,8 @@
                 <a:ea typeface="Roboto" panose="02000000000000000000" pitchFamily="2" charset="0"/>
                 <a:cs typeface="Roboto" panose="02000000000000000000" pitchFamily="2" charset="0"/>
               </a:rPr>
-              <a:t>Yañez  Castañeda Adiel Heriberto</a:t>
-            </a:r>
-          </a:p>
-          <a:p>
-            <a:pPr algn="just"/>
+              <a:t>Yañez</a:t>
+            </a:r>
             <a:r>
               <a:rPr lang="es-MX" sz="1800" dirty="0">
                 <a:solidFill>
@@ -3413,13 +3439,13 @@
                 <a:ea typeface="Roboto" panose="02000000000000000000" pitchFamily="2" charset="0"/>
                 <a:cs typeface="Roboto" panose="02000000000000000000" pitchFamily="2" charset="0"/>
               </a:rPr>
-              <a:t>Zavalza Peña Yareli Magdalena</a:t>
+              <a:t>  Castañeda Adiel Heriberto</a:t>
             </a:r>
           </a:p>
           <a:p>
             <a:pPr algn="just"/>
             <a:r>
-              <a:rPr lang="es-MX" sz="1800" dirty="0">
+              <a:rPr lang="es-MX" sz="1800" dirty="0" err="1">
                 <a:solidFill>
                   <a:schemeClr val="bg1"/>
                 </a:solidFill>
@@ -3427,7 +3453,54 @@
                 <a:ea typeface="Roboto" panose="02000000000000000000" pitchFamily="2" charset="0"/>
                 <a:cs typeface="Roboto" panose="02000000000000000000" pitchFamily="2" charset="0"/>
               </a:rPr>
-              <a:t>Meza Jarquin Hiram Karim</a:t>
+              <a:t>Zavalza</a:t>
+            </a:r>
+            <a:r>
+              <a:rPr lang="es-MX" sz="1800" dirty="0">
+                <a:solidFill>
+                  <a:schemeClr val="bg1"/>
+                </a:solidFill>
+                <a:latin typeface="Roboto" panose="02000000000000000000" pitchFamily="2" charset="0"/>
+                <a:ea typeface="Roboto" panose="02000000000000000000" pitchFamily="2" charset="0"/>
+                <a:cs typeface="Roboto" panose="02000000000000000000" pitchFamily="2" charset="0"/>
+              </a:rPr>
+              <a:t> Peña Yareli Magdalena</a:t>
+            </a:r>
+          </a:p>
+          <a:p>
+            <a:pPr algn="just"/>
+            <a:r>
+              <a:rPr lang="es-MX" sz="1800" dirty="0">
+                <a:solidFill>
+                  <a:schemeClr val="bg1"/>
+                </a:solidFill>
+                <a:latin typeface="Roboto" panose="02000000000000000000" pitchFamily="2" charset="0"/>
+                <a:ea typeface="Roboto" panose="02000000000000000000" pitchFamily="2" charset="0"/>
+                <a:cs typeface="Roboto" panose="02000000000000000000" pitchFamily="2" charset="0"/>
+              </a:rPr>
+              <a:t>Meza </a:t>
+            </a:r>
+            <a:r>
+              <a:rPr lang="es-MX" sz="1800" dirty="0" err="1">
+                <a:solidFill>
+                  <a:schemeClr val="bg1"/>
+                </a:solidFill>
+                <a:latin typeface="Roboto" panose="02000000000000000000" pitchFamily="2" charset="0"/>
+                <a:ea typeface="Roboto" panose="02000000000000000000" pitchFamily="2" charset="0"/>
+                <a:cs typeface="Roboto" panose="02000000000000000000" pitchFamily="2" charset="0"/>
+              </a:rPr>
+              <a:t>Jarquin</a:t>
+            </a:r>
+            <a:r>
+              <a:rPr lang="es-MX" sz="1800" dirty="0">
+                <a:solidFill>
+                  <a:schemeClr val="bg1"/>
+                </a:solidFill>
+                <a:latin typeface="Roboto" panose="02000000000000000000" pitchFamily="2" charset="0"/>
+                <a:ea typeface="Roboto" panose="02000000000000000000" pitchFamily="2" charset="0"/>
+                <a:cs typeface="Roboto" panose="02000000000000000000" pitchFamily="2" charset="0"/>
+              </a:rPr>
+              <a:t> Hiram Karim</a:t>
             </a:r>
           </a:p>
           <a:p>
